--- a/Burdeos/presentación1.pptx
+++ b/Burdeos/presentación1.pptx
@@ -5,7 +5,7 @@
     <p:sldMasterId id="2147483689" r:id="rId1"/>
   </p:sldMasterIdLst>
   <p:notesMasterIdLst>
-    <p:notesMasterId r:id="rId27"/>
+    <p:notesMasterId r:id="rId30"/>
   </p:notesMasterIdLst>
   <p:sldIdLst>
     <p:sldId id="256" r:id="rId2"/>
@@ -25,14 +25,17 @@
     <p:sldId id="291" r:id="rId16"/>
     <p:sldId id="293" r:id="rId17"/>
     <p:sldId id="296" r:id="rId18"/>
-    <p:sldId id="342" r:id="rId19"/>
-    <p:sldId id="337" r:id="rId20"/>
-    <p:sldId id="351" r:id="rId21"/>
-    <p:sldId id="338" r:id="rId22"/>
-    <p:sldId id="339" r:id="rId23"/>
-    <p:sldId id="340" r:id="rId24"/>
-    <p:sldId id="341" r:id="rId25"/>
-    <p:sldId id="360" r:id="rId26"/>
+    <p:sldId id="364" r:id="rId19"/>
+    <p:sldId id="365" r:id="rId20"/>
+    <p:sldId id="366" r:id="rId21"/>
+    <p:sldId id="342" r:id="rId22"/>
+    <p:sldId id="337" r:id="rId23"/>
+    <p:sldId id="351" r:id="rId24"/>
+    <p:sldId id="338" r:id="rId25"/>
+    <p:sldId id="339" r:id="rId26"/>
+    <p:sldId id="340" r:id="rId27"/>
+    <p:sldId id="341" r:id="rId28"/>
+    <p:sldId id="360" r:id="rId29"/>
   </p:sldIdLst>
   <p:sldSz cx="9144000" cy="6858000" type="screen4x3"/>
   <p:notesSz cx="6858000" cy="9144000"/>
@@ -258,7 +261,7 @@
           <a:p>
             <a:fld id="{3CCA3A62-AF02-4C91-A0AB-FD249BAC753A}" type="datetimeFigureOut">
               <a:rPr lang="es-ES" smtClean="0"/>
-              <a:t>22/09/2017</a:t>
+              <a:t>23/09/2017</a:t>
             </a:fld>
             <a:endParaRPr lang="es-ES"/>
           </a:p>
@@ -591,7 +594,7 @@
           <a:p>
             <a:fld id="{69116D93-7B06-4B9A-935B-684CF695FB42}" type="slidenum">
               <a:rPr lang="es-ES" smtClean="0"/>
-              <a:t>19</a:t>
+              <a:t>22</a:t>
             </a:fld>
             <a:endParaRPr lang="es-ES"/>
           </a:p>
@@ -1405,7 +1408,7 @@
           <a:p>
             <a:fld id="{7D1569E6-12FB-47CF-B624-C4476DFBB945}" type="datetime1">
               <a:rPr lang="es-ES" smtClean="0"/>
-              <a:t>22/09/2017</a:t>
+              <a:t>23/09/2017</a:t>
             </a:fld>
             <a:endParaRPr lang="es-ES"/>
           </a:p>
@@ -1660,7 +1663,7 @@
           <a:p>
             <a:fld id="{D91B2A1C-5AD3-412E-99B9-AA3FB091008E}" type="datetime1">
               <a:rPr lang="es-ES" smtClean="0"/>
-              <a:t>22/09/2017</a:t>
+              <a:t>23/09/2017</a:t>
             </a:fld>
             <a:endParaRPr lang="es-ES"/>
           </a:p>
@@ -1978,7 +1981,7 @@
           <a:p>
             <a:fld id="{19E953BC-2C57-4025-B7D6-BC7B9D61A65B}" type="datetime1">
               <a:rPr lang="es-ES" smtClean="0"/>
-              <a:t>22/09/2017</a:t>
+              <a:t>23/09/2017</a:t>
             </a:fld>
             <a:endParaRPr lang="es-ES"/>
           </a:p>
@@ -2315,7 +2318,7 @@
           <a:p>
             <a:fld id="{C0F73854-6B26-48D7-A34D-3C31506A1958}" type="datetime1">
               <a:rPr lang="es-ES" smtClean="0"/>
-              <a:t>22/09/2017</a:t>
+              <a:t>23/09/2017</a:t>
             </a:fld>
             <a:endParaRPr lang="es-ES"/>
           </a:p>
@@ -2633,7 +2636,7 @@
           <a:p>
             <a:fld id="{7ACBBFB8-66E4-4E3A-964F-8291A5E8FD4F}" type="datetime1">
               <a:rPr lang="es-ES" smtClean="0"/>
-              <a:t>22/09/2017</a:t>
+              <a:t>23/09/2017</a:t>
             </a:fld>
             <a:endParaRPr lang="es-ES"/>
           </a:p>
@@ -3030,7 +3033,7 @@
           <a:p>
             <a:fld id="{4E4973EE-E19E-4BB9-8627-D07095A3F8B8}" type="datetime1">
               <a:rPr lang="es-ES" smtClean="0"/>
-              <a:t>22/09/2017</a:t>
+              <a:t>23/09/2017</a:t>
             </a:fld>
             <a:endParaRPr lang="es-ES"/>
           </a:p>
@@ -3204,7 +3207,7 @@
           <a:p>
             <a:fld id="{50A259D3-527B-4DFB-BB44-AE5F1183D494}" type="datetime1">
               <a:rPr lang="es-ES" smtClean="0"/>
-              <a:t>22/09/2017</a:t>
+              <a:t>23/09/2017</a:t>
             </a:fld>
             <a:endParaRPr lang="es-ES"/>
           </a:p>
@@ -3388,7 +3391,7 @@
           <a:p>
             <a:fld id="{58A9F396-2C36-4719-A680-B94F9B6D6B94}" type="datetime1">
               <a:rPr lang="es-ES" smtClean="0"/>
-              <a:t>22/09/2017</a:t>
+              <a:t>23/09/2017</a:t>
             </a:fld>
             <a:endParaRPr lang="es-ES"/>
           </a:p>
@@ -3568,7 +3571,7 @@
           <a:p>
             <a:fld id="{8A8762EF-8268-448A-9801-F1529112F5C8}" type="datetime1">
               <a:rPr lang="es-ES" smtClean="0"/>
-              <a:t>22/09/2017</a:t>
+              <a:t>23/09/2017</a:t>
             </a:fld>
             <a:endParaRPr lang="es-ES"/>
           </a:p>
@@ -3819,7 +3822,7 @@
           <a:p>
             <a:fld id="{359C7F4A-1225-4C83-B04B-714278AC3CC4}" type="datetime1">
               <a:rPr lang="es-ES" smtClean="0"/>
-              <a:t>22/09/2017</a:t>
+              <a:t>23/09/2017</a:t>
             </a:fld>
             <a:endParaRPr lang="es-ES"/>
           </a:p>
@@ -4120,7 +4123,7 @@
           <a:p>
             <a:fld id="{5A0002B5-A71F-4D6B-93F0-2350C18F18CC}" type="datetime1">
               <a:rPr lang="es-ES" smtClean="0"/>
-              <a:t>22/09/2017</a:t>
+              <a:t>23/09/2017</a:t>
             </a:fld>
             <a:endParaRPr lang="es-ES"/>
           </a:p>
@@ -4503,7 +4506,7 @@
           <a:p>
             <a:fld id="{CFF2F460-582E-4E40-B6A8-8700DCF74AB1}" type="datetime1">
               <a:rPr lang="es-ES" smtClean="0"/>
-              <a:t>22/09/2017</a:t>
+              <a:t>23/09/2017</a:t>
             </a:fld>
             <a:endParaRPr lang="es-ES"/>
           </a:p>
@@ -4630,7 +4633,7 @@
           <a:p>
             <a:fld id="{068DE315-C778-4C54-B55F-BE00E2EF2818}" type="datetime1">
               <a:rPr lang="es-ES" smtClean="0"/>
-              <a:t>22/09/2017</a:t>
+              <a:t>23/09/2017</a:t>
             </a:fld>
             <a:endParaRPr lang="es-ES"/>
           </a:p>
@@ -4729,7 +4732,7 @@
           <a:p>
             <a:fld id="{968876FA-D5F0-41DB-9C99-CBD465177766}" type="datetime1">
               <a:rPr lang="es-ES" smtClean="0"/>
-              <a:t>22/09/2017</a:t>
+              <a:t>23/09/2017</a:t>
             </a:fld>
             <a:endParaRPr lang="es-ES"/>
           </a:p>
@@ -4988,7 +4991,7 @@
           <a:p>
             <a:fld id="{D61BDB96-2FE2-438F-8476-A34E7A3F489C}" type="datetime1">
               <a:rPr lang="es-ES" smtClean="0"/>
-              <a:t>22/09/2017</a:t>
+              <a:t>23/09/2017</a:t>
             </a:fld>
             <a:endParaRPr lang="es-ES"/>
           </a:p>
@@ -5255,7 +5258,7 @@
           <a:p>
             <a:fld id="{2C3A7930-17A1-4384-9927-2AD440394734}" type="datetime1">
               <a:rPr lang="es-ES" smtClean="0"/>
-              <a:t>22/09/2017</a:t>
+              <a:t>23/09/2017</a:t>
             </a:fld>
             <a:endParaRPr lang="es-ES"/>
           </a:p>
@@ -6074,7 +6077,7 @@
           <a:p>
             <a:fld id="{9987A604-2D62-4679-9E5F-770BB76C4FF0}" type="datetime1">
               <a:rPr lang="es-ES" smtClean="0"/>
-              <a:t>22/09/2017</a:t>
+              <a:t>23/09/2017</a:t>
             </a:fld>
             <a:endParaRPr lang="es-ES"/>
           </a:p>
@@ -7626,8 +7629,8 @@
           </a:p>
         </p:txBody>
       </p:sp>
-      <mc:AlternateContent xmlns:mc="http://schemas.openxmlformats.org/markup-compatibility/2006">
-        <mc:Choice xmlns:a14="http://schemas.microsoft.com/office/drawing/2010/main" Requires="a14">
+      <mc:AlternateContent xmlns:mc="http://schemas.openxmlformats.org/markup-compatibility/2006" xmlns:a14="http://schemas.microsoft.com/office/drawing/2010/main">
+        <mc:Choice Requires="a14">
           <p:sp>
             <p:nvSpPr>
               <p:cNvPr id="3" name="Marcador de contenido 2"/>
@@ -7654,7 +7657,6 @@
                   <a:rPr lang="en-US" dirty="0" smtClean="0"/>
                   <a:t>The calculate of the gain:</a:t>
                 </a:r>
-                <a:endParaRPr lang="en-US" dirty="0" smtClean="0"/>
               </a:p>
               <a:p>
                 <a:pPr marL="457200" lvl="1" indent="0">
@@ -8238,7 +8240,7 @@
             </p:txBody>
           </p:sp>
         </mc:Choice>
-        <mc:Fallback>
+        <mc:Fallback xmlns="">
           <p:sp>
             <p:nvSpPr>
               <p:cNvPr id="3" name="Marcador de contenido 2"/>
@@ -8418,11 +8420,11 @@
   <p:clrMapOvr>
     <a:masterClrMapping/>
   </p:clrMapOvr>
-  <mc:AlternateContent xmlns:mc="http://schemas.openxmlformats.org/markup-compatibility/2006">
-    <mc:Choice xmlns:p14="http://schemas.microsoft.com/office/powerpoint/2010/main" Requires="p14">
+  <mc:AlternateContent xmlns:mc="http://schemas.openxmlformats.org/markup-compatibility/2006" xmlns:p14="http://schemas.microsoft.com/office/powerpoint/2010/main">
+    <mc:Choice Requires="p14">
       <p:transition spd="slow" p14:dur="2000"/>
     </mc:Choice>
-    <mc:Fallback>
+    <mc:Fallback xmlns="">
       <p:transition spd="slow"/>
     </mc:Fallback>
   </mc:AlternateContent>
@@ -9749,12 +9751,12 @@
           <a:lstStyle/>
           <a:p>
             <a:r>
-              <a:rPr lang="es-ES" dirty="0" smtClean="0">
+              <a:rPr lang="en-US" dirty="0">
                 <a:solidFill>
                   <a:schemeClr val="accent2"/>
                 </a:solidFill>
               </a:rPr>
-              <a:t>Calibración en temperatura y voltaje operacional</a:t>
+              <a:t>Calibration in temperature and supply voltage </a:t>
             </a:r>
             <a:endParaRPr lang="es-ES" dirty="0">
               <a:solidFill>
@@ -10577,12 +10579,36 @@
           <a:lstStyle/>
           <a:p>
             <a:r>
+              <a:rPr lang="en-US" dirty="0" smtClean="0">
+                <a:solidFill>
+                  <a:schemeClr val="accent2"/>
+                </a:solidFill>
+              </a:rPr>
+              <a:t>Calibration </a:t>
+            </a:r>
+            <a:r>
+              <a:rPr lang="en-US" dirty="0" smtClean="0">
+                <a:solidFill>
+                  <a:schemeClr val="accent2"/>
+                </a:solidFill>
+              </a:rPr>
+              <a:t>i</a:t>
+            </a:r>
+            <a:r>
+              <a:rPr lang="en-US" dirty="0" smtClean="0">
+                <a:solidFill>
+                  <a:schemeClr val="accent2"/>
+                </a:solidFill>
+              </a:rPr>
+              <a:t>n temperature</a:t>
+            </a:r>
+            <a:r>
               <a:rPr lang="es-ES" dirty="0" smtClean="0">
                 <a:solidFill>
                   <a:schemeClr val="accent2"/>
                 </a:solidFill>
               </a:rPr>
-              <a:t>Calibración en temperatura </a:t>
+              <a:t> </a:t>
             </a:r>
             <a:endParaRPr lang="es-ES" dirty="0">
               <a:solidFill>
@@ -11077,12 +11103,20 @@
           <a:lstStyle/>
           <a:p>
             <a:r>
+              <a:rPr lang="es-ES" sz="2000" dirty="0">
+                <a:solidFill>
+                  <a:srgbClr val="FF0000"/>
+                </a:solidFill>
+              </a:rPr>
+              <a:t>1</a:t>
+            </a:r>
+            <a:r>
               <a:rPr lang="es-ES" sz="2000" dirty="0" smtClean="0">
                 <a:solidFill>
                   <a:srgbClr val="FF0000"/>
                 </a:solidFill>
               </a:rPr>
-              <a:t>21</a:t>
+              <a:t>1</a:t>
             </a:r>
             <a:endParaRPr lang="es-ES" sz="2000" dirty="0">
               <a:solidFill>
@@ -11188,14 +11222,30 @@
           <a:lstStyle/>
           <a:p>
             <a:r>
-              <a:rPr lang="es-ES" dirty="0" smtClean="0">
+              <a:rPr lang="en-US" dirty="0" smtClean="0">
                 <a:solidFill>
                   <a:schemeClr val="accent2"/>
                 </a:solidFill>
               </a:rPr>
-              <a:t>Calibración en Voltaje de operación</a:t>
-            </a:r>
-            <a:endParaRPr lang="es-ES" dirty="0">
+              <a:t>Calibration </a:t>
+            </a:r>
+            <a:r>
+              <a:rPr lang="en-US" dirty="0" smtClean="0">
+                <a:solidFill>
+                  <a:schemeClr val="accent2"/>
+                </a:solidFill>
+              </a:rPr>
+              <a:t>i</a:t>
+            </a:r>
+            <a:r>
+              <a:rPr lang="en-US" dirty="0" smtClean="0">
+                <a:solidFill>
+                  <a:schemeClr val="accent2"/>
+                </a:solidFill>
+              </a:rPr>
+              <a:t>n supply voltage</a:t>
+            </a:r>
+            <a:endParaRPr lang="en-US" dirty="0">
               <a:solidFill>
                 <a:schemeClr val="accent2"/>
               </a:solidFill>
@@ -11929,12 +11979,20 @@
           <a:lstStyle/>
           <a:p>
             <a:r>
+              <a:rPr lang="es-ES" sz="2000" dirty="0">
+                <a:solidFill>
+                  <a:srgbClr val="FF0000"/>
+                </a:solidFill>
+              </a:rPr>
+              <a:t>1</a:t>
+            </a:r>
+            <a:r>
               <a:rPr lang="es-ES" sz="2000" dirty="0" smtClean="0">
                 <a:solidFill>
                   <a:srgbClr val="FF0000"/>
                 </a:solidFill>
               </a:rPr>
-              <a:t>22</a:t>
+              <a:t>2</a:t>
             </a:r>
             <a:endParaRPr lang="es-ES" sz="2000" dirty="0">
               <a:solidFill>
@@ -13185,7 +13243,7 @@
                   <a:srgbClr val="FF0000"/>
                 </a:solidFill>
               </a:rPr>
-              <a:t>24</a:t>
+              <a:t>13</a:t>
             </a:r>
             <a:endParaRPr lang="es-ES" sz="2000" dirty="0">
               <a:solidFill>
@@ -13205,11 +13263,11 @@
   <p:clrMapOvr>
     <a:masterClrMapping/>
   </p:clrMapOvr>
-  <mc:AlternateContent xmlns:mc="http://schemas.openxmlformats.org/markup-compatibility/2006">
-    <mc:Choice xmlns:p14="http://schemas.microsoft.com/office/powerpoint/2010/main" Requires="p14">
+  <mc:AlternateContent xmlns:mc="http://schemas.openxmlformats.org/markup-compatibility/2006" xmlns:p14="http://schemas.microsoft.com/office/powerpoint/2010/main">
+    <mc:Choice Requires="p14">
       <p:transition spd="slow" p14:dur="2000"/>
     </mc:Choice>
-    <mc:Fallback>
+    <mc:Fallback xmlns="">
       <p:transition spd="slow"/>
     </mc:Fallback>
   </mc:AlternateContent>
@@ -13756,14 +13814,22 @@
           <a:lstStyle/>
           <a:p>
             <a:r>
-              <a:rPr lang="es-ES" dirty="0" smtClean="0">
+              <a:rPr lang="en-US" dirty="0" smtClean="0">
                 <a:solidFill>
                   <a:schemeClr val="accent2"/>
                 </a:solidFill>
               </a:rPr>
-              <a:t>Estabilización de la ganancia</a:t>
-            </a:r>
-            <a:endParaRPr lang="es-ES" dirty="0">
+              <a:t>S</a:t>
+            </a:r>
+            <a:r>
+              <a:rPr lang="en-US" dirty="0" smtClean="0">
+                <a:solidFill>
+                  <a:schemeClr val="accent2"/>
+                </a:solidFill>
+              </a:rPr>
+              <a:t>tabilization of the gain</a:t>
+            </a:r>
+            <a:endParaRPr lang="en-US" dirty="0">
               <a:solidFill>
                 <a:schemeClr val="accent2"/>
               </a:solidFill>
@@ -13771,8 +13837,8 @@
           </a:p>
         </p:txBody>
       </p:sp>
-      <mc:AlternateContent xmlns:mc="http://schemas.openxmlformats.org/markup-compatibility/2006" xmlns:a14="http://schemas.microsoft.com/office/drawing/2010/main">
-        <mc:Choice Requires="a14">
+      <mc:AlternateContent xmlns:mc="http://schemas.openxmlformats.org/markup-compatibility/2006">
+        <mc:Choice xmlns:a14="http://schemas.microsoft.com/office/drawing/2010/main" Requires="a14">
           <p:sp>
             <p:nvSpPr>
               <p:cNvPr id="3" name="Marcador de contenido 2"/>
@@ -13799,8 +13865,20 @@
                   <a:buNone/>
                 </a:pPr>
                 <a:r>
+                  <a:rPr lang="en-US" dirty="0"/>
+                  <a:t>Compensation of the variation in the gain due </a:t>
+                </a:r>
+                <a:r>
+                  <a:rPr lang="en-US" dirty="0" err="1"/>
+                  <a:t>tu</a:t>
+                </a:r>
+                <a:r>
+                  <a:rPr lang="en-US" dirty="0"/>
+                  <a:t> the variation in the temperature with the variation of the supply voltage </a:t>
+                </a:r>
+                <a:r>
                   <a:rPr lang="es-ES" dirty="0" smtClean="0"/>
-                  <a:t>Compensamos una variación en la ganancia debido a una variación en la  temperatura con una variación en el voltaje operacional (</a:t>
+                  <a:t>(</a:t>
                 </a:r>
                 <a14:m>
                   <m:oMath xmlns:m="http://schemas.openxmlformats.org/officeDocument/2006/math">
@@ -13885,14 +13963,14 @@
                       <m:sSub>
                         <m:sSubPr>
                           <m:ctrlPr>
-                            <a:rPr lang="es-ES" i="1" dirty="0">
+                            <a:rPr lang="en-US" i="1" smtClean="0">
                               <a:latin typeface="Cambria Math" panose="02040503050406030204" pitchFamily="18" charset="0"/>
                             </a:rPr>
                           </m:ctrlPr>
                         </m:sSubPr>
                         <m:e>
                           <m:r>
-                            <a:rPr lang="es-ES" i="1" dirty="0">
+                            <a:rPr lang="en-US" i="1">
                               <a:latin typeface="Cambria Math" panose="02040503050406030204" pitchFamily="18" charset="0"/>
                             </a:rPr>
                             <m:t>𝐺</m:t>
@@ -13900,13 +13978,13 @@
                         </m:e>
                         <m:sub>
                           <m:r>
-                            <a:rPr lang="es-ES" b="0" i="1" dirty="0" smtClean="0">
+                            <a:rPr lang="en-US" b="0" i="1" smtClean="0">
                               <a:latin typeface="Cambria Math" panose="02040503050406030204" pitchFamily="18" charset="0"/>
                             </a:rPr>
                             <m:t>25º</m:t>
                           </m:r>
                           <m:r>
-                            <a:rPr lang="es-ES" b="0" i="1" dirty="0" smtClean="0">
+                            <a:rPr lang="en-US" b="0" i="1" smtClean="0">
                               <a:latin typeface="Cambria Math" panose="02040503050406030204" pitchFamily="18" charset="0"/>
                             </a:rPr>
                             <m:t>𝐶</m:t>
@@ -13914,7 +13992,7 @@
                         </m:sub>
                       </m:sSub>
                       <m:r>
-                        <a:rPr lang="es-ES" i="1" dirty="0">
+                        <a:rPr lang="en-US" i="1">
                           <a:latin typeface="Cambria Math" panose="02040503050406030204" pitchFamily="18" charset="0"/>
                         </a:rPr>
                         <m:t>=718,2·</m:t>
@@ -13922,14 +14000,14 @@
                       <m:sSup>
                         <m:sSupPr>
                           <m:ctrlPr>
-                            <a:rPr lang="es-ES" i="1" dirty="0">
+                            <a:rPr lang="en-US" i="1">
                               <a:latin typeface="Cambria Math" panose="02040503050406030204" pitchFamily="18" charset="0"/>
                             </a:rPr>
                           </m:ctrlPr>
                         </m:sSupPr>
                         <m:e>
                           <m:r>
-                            <a:rPr lang="es-ES" i="1" dirty="0">
+                            <a:rPr lang="en-US" i="1">
                               <a:latin typeface="Cambria Math" panose="02040503050406030204" pitchFamily="18" charset="0"/>
                             </a:rPr>
                             <m:t>10</m:t>
@@ -13937,7 +14015,7 @@
                         </m:e>
                         <m:sup>
                           <m:r>
-                            <a:rPr lang="es-ES" i="1" dirty="0">
+                            <a:rPr lang="en-US" i="1">
                               <a:latin typeface="Cambria Math" panose="02040503050406030204" pitchFamily="18" charset="0"/>
                             </a:rPr>
                             <m:t>6</m:t>
@@ -13947,7 +14025,7 @@
                     </m:oMath>
                   </m:oMathPara>
                 </a14:m>
-                <a:endParaRPr lang="es-ES" b="0" i="1" dirty="0" smtClean="0">
+                <a:endParaRPr lang="en-US" b="0" i="1" dirty="0" smtClean="0">
                   <a:latin typeface="Cambria Math" panose="02040503050406030204" pitchFamily="18" charset="0"/>
                 </a:endParaRPr>
               </a:p>
@@ -13964,14 +14042,14 @@
                       <m:sSub>
                         <m:sSubPr>
                           <m:ctrlPr>
-                            <a:rPr lang="es-ES" b="0" i="1" smtClean="0">
+                            <a:rPr lang="en-US" b="0" i="1" smtClean="0">
                               <a:latin typeface="Cambria Math" panose="02040503050406030204" pitchFamily="18" charset="0"/>
                             </a:rPr>
                           </m:ctrlPr>
                         </m:sSubPr>
                         <m:e>
                           <m:r>
-                            <a:rPr lang="es-ES" i="1">
+                            <a:rPr lang="en-US" i="1">
                               <a:latin typeface="Cambria Math" panose="02040503050406030204" pitchFamily="18" charset="0"/>
                             </a:rPr>
                             <m:t>𝐺</m:t>
@@ -13979,7 +14057,7 @@
                         </m:e>
                         <m:sub>
                           <m:r>
-                            <a:rPr lang="es-ES" b="0" i="1" smtClean="0">
+                            <a:rPr lang="en-US" b="0" i="1" smtClean="0">
                               <a:latin typeface="Cambria Math" panose="02040503050406030204" pitchFamily="18" charset="0"/>
                             </a:rPr>
                             <m:t>𝐴𝑗𝑢𝑠𝑡𝑒</m:t>
@@ -13987,7 +14065,7 @@
                         </m:sub>
                       </m:sSub>
                       <m:r>
-                        <a:rPr lang="es-ES" i="1">
+                        <a:rPr lang="en-US" i="1">
                           <a:latin typeface="Cambria Math" panose="02040503050406030204" pitchFamily="18" charset="0"/>
                         </a:rPr>
                         <m:t>=</m:t>
@@ -13995,44 +14073,44 @@
                       <m:d>
                         <m:dPr>
                           <m:ctrlPr>
-                            <a:rPr lang="es-ES" b="0" i="1" smtClean="0">
+                            <a:rPr lang="en-US" b="0" i="1" smtClean="0">
                               <a:latin typeface="Cambria Math" panose="02040503050406030204" pitchFamily="18" charset="0"/>
                             </a:rPr>
                           </m:ctrlPr>
                         </m:dPr>
                         <m:e>
                           <m:r>
-                            <a:rPr lang="es-ES" i="1">
+                            <a:rPr lang="en-US" i="1">
                               <a:latin typeface="Cambria Math" panose="02040503050406030204" pitchFamily="18" charset="0"/>
                             </a:rPr>
                             <m:t>714</m:t>
                           </m:r>
                           <m:r>
-                            <a:rPr lang="es-ES" b="0" i="1" smtClean="0">
+                            <a:rPr lang="en-US" b="0" i="1" smtClean="0">
                               <a:latin typeface="Cambria Math" panose="02040503050406030204" pitchFamily="18" charset="0"/>
                             </a:rPr>
                             <m:t>,</m:t>
                           </m:r>
                           <m:r>
-                            <a:rPr lang="es-ES" i="1">
+                            <a:rPr lang="en-US" i="1">
                               <a:latin typeface="Cambria Math" panose="02040503050406030204" pitchFamily="18" charset="0"/>
                             </a:rPr>
                             <m:t>0±</m:t>
                           </m:r>
                           <m:r>
-                            <a:rPr lang="es-ES" b="0" i="1" smtClean="0">
+                            <a:rPr lang="en-US" b="0" i="1" smtClean="0">
                               <a:latin typeface="Cambria Math" panose="02040503050406030204" pitchFamily="18" charset="0"/>
                             </a:rPr>
                             <m:t>5</m:t>
                           </m:r>
                           <m:r>
-                            <a:rPr lang="es-ES" i="1">
+                            <a:rPr lang="en-US" i="1">
                               <a:latin typeface="Cambria Math" panose="02040503050406030204" pitchFamily="18" charset="0"/>
                             </a:rPr>
                             <m:t>,</m:t>
                           </m:r>
                           <m:r>
-                            <a:rPr lang="es-ES" b="0" i="1" smtClean="0">
+                            <a:rPr lang="en-US" b="0" i="1" smtClean="0">
                               <a:latin typeface="Cambria Math" panose="02040503050406030204" pitchFamily="18" charset="0"/>
                             </a:rPr>
                             <m:t>0</m:t>
@@ -14040,7 +14118,7 @@
                         </m:e>
                       </m:d>
                       <m:r>
-                        <a:rPr lang="es-ES" i="1">
+                        <a:rPr lang="en-US" i="1">
                           <a:latin typeface="Cambria Math" panose="02040503050406030204" pitchFamily="18" charset="0"/>
                         </a:rPr>
                         <m:t>·</m:t>
@@ -14048,14 +14126,14 @@
                       <m:sSup>
                         <m:sSupPr>
                           <m:ctrlPr>
-                            <a:rPr lang="es-ES" i="1">
+                            <a:rPr lang="en-US" i="1">
                               <a:latin typeface="Cambria Math" panose="02040503050406030204" pitchFamily="18" charset="0"/>
                             </a:rPr>
                           </m:ctrlPr>
                         </m:sSupPr>
                         <m:e>
                           <m:r>
-                            <a:rPr lang="es-ES" i="1">
+                            <a:rPr lang="en-US" i="1">
                               <a:latin typeface="Cambria Math" panose="02040503050406030204" pitchFamily="18" charset="0"/>
                             </a:rPr>
                             <m:t>10</m:t>
@@ -14063,7 +14141,7 @@
                         </m:e>
                         <m:sup>
                           <m:r>
-                            <a:rPr lang="es-ES" i="1">
+                            <a:rPr lang="en-US" i="1">
                               <a:latin typeface="Cambria Math" panose="02040503050406030204" pitchFamily="18" charset="0"/>
                             </a:rPr>
                             <m:t>6</m:t>
@@ -14073,7 +14151,7 @@
                     </m:oMath>
                   </m:oMathPara>
                 </a14:m>
-                <a:endParaRPr lang="es-ES" dirty="0" smtClean="0"/>
+                <a:endParaRPr lang="en-US" dirty="0" smtClean="0"/>
               </a:p>
               <a:p>
                 <a:pPr marL="0" indent="0">
@@ -14088,14 +14166,14 @@
                       <m:sSub>
                         <m:sSubPr>
                           <m:ctrlPr>
-                            <a:rPr lang="es-ES" b="0" i="1" smtClean="0">
+                            <a:rPr lang="en-US" b="0" i="1" smtClean="0">
                               <a:latin typeface="Cambria Math" panose="02040503050406030204" pitchFamily="18" charset="0"/>
                             </a:rPr>
                           </m:ctrlPr>
                         </m:sSubPr>
                         <m:e>
                           <m:r>
-                            <a:rPr lang="es-ES" b="0" i="1" smtClean="0">
+                            <a:rPr lang="en-US" b="0" i="1" smtClean="0">
                               <a:latin typeface="Cambria Math" panose="02040503050406030204" pitchFamily="18" charset="0"/>
                             </a:rPr>
                             <m:t>𝜎</m:t>
@@ -14103,7 +14181,7 @@
                         </m:e>
                         <m:sub>
                           <m:r>
-                            <a:rPr lang="es-ES" b="0" i="1" smtClean="0">
+                            <a:rPr lang="en-US" b="0" i="1" smtClean="0">
                               <a:latin typeface="Cambria Math" panose="02040503050406030204" pitchFamily="18" charset="0"/>
                             </a:rPr>
                             <m:t>𝑟𝑒𝑙</m:t>
@@ -14111,7 +14189,7 @@
                         </m:sub>
                       </m:sSub>
                       <m:r>
-                        <a:rPr lang="es-ES" b="0" i="1" smtClean="0">
+                        <a:rPr lang="en-US" b="0" i="1" smtClean="0">
                           <a:latin typeface="Cambria Math" panose="02040503050406030204" pitchFamily="18" charset="0"/>
                         </a:rPr>
                         <m:t>≈0,28%</m:t>
@@ -14119,7 +14197,7 @@
                     </m:oMath>
                   </m:oMathPara>
                 </a14:m>
-                <a:endParaRPr lang="es-ES" dirty="0" smtClean="0"/>
+                <a:endParaRPr lang="en-US" dirty="0" smtClean="0"/>
               </a:p>
               <a:p>
                 <a:pPr marL="274320" lvl="1" indent="0">
@@ -14130,7 +14208,7 @@
             </p:txBody>
           </p:sp>
         </mc:Choice>
-        <mc:Fallback xmlns="">
+        <mc:Fallback>
           <p:sp>
             <p:nvSpPr>
               <p:cNvPr id="3" name="Marcador de contenido 2"/>
@@ -14260,7 +14338,7 @@
                   <a:srgbClr val="FF0000"/>
                 </a:solidFill>
               </a:rPr>
-              <a:t>23</a:t>
+              <a:t>14</a:t>
             </a:r>
             <a:endParaRPr lang="es-ES" sz="2000" dirty="0">
               <a:solidFill>
@@ -14608,6 +14686,1286 @@
 </file>
 
 <file path=ppt/slides/slide18.xml><?xml version="1.0" encoding="utf-8"?>
+<p:sld xmlns:a="http://schemas.openxmlformats.org/drawingml/2006/main" xmlns:r="http://schemas.openxmlformats.org/officeDocument/2006/relationships" xmlns:p="http://schemas.openxmlformats.org/presentationml/2006/main">
+  <p:cSld>
+    <p:spTree>
+      <p:nvGrpSpPr>
+        <p:cNvPr id="1" name=""/>
+        <p:cNvGrpSpPr/>
+        <p:nvPr/>
+      </p:nvGrpSpPr>
+      <p:grpSpPr>
+        <a:xfrm>
+          <a:off x="0" y="0"/>
+          <a:ext cx="0" cy="0"/>
+          <a:chOff x="0" y="0"/>
+          <a:chExt cx="0" cy="0"/>
+        </a:xfrm>
+      </p:grpSpPr>
+      <p:sp>
+        <p:nvSpPr>
+          <p:cNvPr id="2" name="Título 1"/>
+          <p:cNvSpPr>
+            <a:spLocks noGrp="1"/>
+          </p:cNvSpPr>
+          <p:nvPr>
+            <p:ph type="title"/>
+          </p:nvPr>
+        </p:nvSpPr>
+        <p:spPr/>
+        <p:txBody>
+          <a:bodyPr>
+            <a:normAutofit fontScale="90000"/>
+          </a:bodyPr>
+          <a:lstStyle/>
+          <a:p>
+            <a:r>
+              <a:rPr lang="en-US" dirty="0"/>
+              <a:t>Extending to several channels.</a:t>
+            </a:r>
+            <a:br>
+              <a:rPr lang="en-US" dirty="0"/>
+            </a:br>
+            <a:endParaRPr lang="en-US" dirty="0"/>
+          </a:p>
+        </p:txBody>
+      </p:sp>
+      <mc:AlternateContent xmlns:mc="http://schemas.openxmlformats.org/markup-compatibility/2006">
+        <mc:Choice xmlns:a14="http://schemas.microsoft.com/office/drawing/2010/main" Requires="a14">
+          <p:sp>
+            <p:nvSpPr>
+              <p:cNvPr id="3" name="Marcador de contenido 2"/>
+              <p:cNvSpPr>
+                <a:spLocks noGrp="1"/>
+              </p:cNvSpPr>
+              <p:nvPr>
+                <p:ph idx="1"/>
+              </p:nvPr>
+            </p:nvSpPr>
+            <p:spPr>
+              <a:xfrm>
+                <a:off x="395536" y="1556792"/>
+                <a:ext cx="8066858" cy="4752528"/>
+              </a:xfrm>
+            </p:spPr>
+            <p:txBody>
+              <a:bodyPr/>
+              <a:lstStyle/>
+              <a:p>
+                <a:r>
+                  <a:rPr lang="en-US" dirty="0" smtClean="0"/>
+                  <a:t>Development of the method which allow us maintain de value of the gain</a:t>
+                </a:r>
+              </a:p>
+              <a:p>
+                <a:r>
+                  <a:rPr lang="en-US" dirty="0" smtClean="0"/>
+                  <a:t>Extend this method to several channels.</a:t>
+                </a:r>
+              </a:p>
+              <a:p>
+                <a:r>
+                  <a:rPr lang="en-US" dirty="0" smtClean="0"/>
+                  <a:t>We need automate this process.</a:t>
+                </a:r>
+              </a:p>
+              <a:p>
+                <a:r>
+                  <a:rPr lang="en-US" dirty="0" smtClean="0"/>
+                  <a:t>This process of the automation include:</a:t>
+                </a:r>
+              </a:p>
+              <a:p>
+                <a:pPr lvl="1"/>
+                <a:r>
+                  <a:rPr lang="en-US" dirty="0" smtClean="0"/>
+                  <a:t>Charge spectrum </a:t>
+                </a:r>
+                <a14:m>
+                  <m:oMath xmlns:m="http://schemas.openxmlformats.org/officeDocument/2006/math">
+                    <m:r>
+                      <a:rPr lang="es-ES" b="0" i="1" smtClean="0">
+                        <a:latin typeface="Cambria Math" panose="02040503050406030204" pitchFamily="18" charset="0"/>
+                      </a:rPr>
+                      <m:t>→</m:t>
+                    </m:r>
+                  </m:oMath>
+                </a14:m>
+                <a:r>
+                  <a:rPr lang="en-US" dirty="0" smtClean="0"/>
+                  <a:t> Value of the gain.</a:t>
+                </a:r>
+              </a:p>
+              <a:p>
+                <a:pPr lvl="1"/>
+                <a14:m>
+                  <m:oMath xmlns:m="http://schemas.openxmlformats.org/officeDocument/2006/math">
+                    <m:r>
+                      <a:rPr lang="es-ES" i="1">
+                        <a:latin typeface="Cambria Math" panose="02040503050406030204" pitchFamily="18" charset="0"/>
+                      </a:rPr>
+                      <m:t>𝐺</m:t>
+                    </m:r>
+                    <m:r>
+                      <a:rPr lang="es-ES" i="1">
+                        <a:latin typeface="Cambria Math" panose="02040503050406030204" pitchFamily="18" charset="0"/>
+                      </a:rPr>
+                      <m:t>=</m:t>
+                    </m:r>
+                    <m:r>
+                      <a:rPr lang="es-ES" i="1">
+                        <a:latin typeface="Cambria Math" panose="02040503050406030204" pitchFamily="18" charset="0"/>
+                      </a:rPr>
+                      <m:t>𝑎𝑇</m:t>
+                    </m:r>
+                    <m:r>
+                      <a:rPr lang="es-ES" i="1">
+                        <a:latin typeface="Cambria Math" panose="02040503050406030204" pitchFamily="18" charset="0"/>
+                      </a:rPr>
+                      <m:t>+</m:t>
+                    </m:r>
+                    <m:r>
+                      <a:rPr lang="es-ES" i="1">
+                        <a:latin typeface="Cambria Math" panose="02040503050406030204" pitchFamily="18" charset="0"/>
+                      </a:rPr>
+                      <m:t>𝑏</m:t>
+                    </m:r>
+                  </m:oMath>
+                </a14:m>
+                <a:endParaRPr lang="es-ES" dirty="0"/>
+              </a:p>
+              <a:p>
+                <a:pPr lvl="1"/>
+                <a14:m>
+                  <m:oMath xmlns:m="http://schemas.openxmlformats.org/officeDocument/2006/math">
+                    <m:r>
+                      <a:rPr lang="es-ES" i="1">
+                        <a:latin typeface="Cambria Math" panose="02040503050406030204" pitchFamily="18" charset="0"/>
+                      </a:rPr>
+                      <m:t>𝐺</m:t>
+                    </m:r>
+                    <m:r>
+                      <a:rPr lang="es-ES" i="1">
+                        <a:latin typeface="Cambria Math" panose="02040503050406030204" pitchFamily="18" charset="0"/>
+                      </a:rPr>
+                      <m:t>=</m:t>
+                    </m:r>
+                    <m:r>
+                      <a:rPr lang="es-ES" i="1">
+                        <a:latin typeface="Cambria Math" panose="02040503050406030204" pitchFamily="18" charset="0"/>
+                      </a:rPr>
+                      <m:t>𝑐𝑉</m:t>
+                    </m:r>
+                    <m:r>
+                      <a:rPr lang="es-ES" i="1">
+                        <a:latin typeface="Cambria Math" panose="02040503050406030204" pitchFamily="18" charset="0"/>
+                      </a:rPr>
+                      <m:t>+</m:t>
+                    </m:r>
+                    <m:r>
+                      <a:rPr lang="es-ES" i="1">
+                        <a:latin typeface="Cambria Math" panose="02040503050406030204" pitchFamily="18" charset="0"/>
+                      </a:rPr>
+                      <m:t>𝑑</m:t>
+                    </m:r>
+                  </m:oMath>
+                </a14:m>
+                <a:endParaRPr lang="es-ES" dirty="0" smtClean="0"/>
+              </a:p>
+              <a:p>
+                <a:pPr lvl="1"/>
+                <a14:m>
+                  <m:oMath xmlns:m="http://schemas.openxmlformats.org/officeDocument/2006/math">
+                    <m:r>
+                      <m:rPr>
+                        <m:sty m:val="p"/>
+                      </m:rPr>
+                      <a:rPr lang="es-ES">
+                        <a:latin typeface="Cambria Math" panose="02040503050406030204" pitchFamily="18" charset="0"/>
+                      </a:rPr>
+                      <m:t>Δ</m:t>
+                    </m:r>
+                    <m:sSub>
+                      <m:sSubPr>
+                        <m:ctrlPr>
+                          <a:rPr lang="es-ES" i="1">
+                            <a:latin typeface="Cambria Math" panose="02040503050406030204" pitchFamily="18" charset="0"/>
+                          </a:rPr>
+                        </m:ctrlPr>
+                      </m:sSubPr>
+                      <m:e>
+                        <m:r>
+                          <a:rPr lang="es-ES" i="1">
+                            <a:latin typeface="Cambria Math" panose="02040503050406030204" pitchFamily="18" charset="0"/>
+                          </a:rPr>
+                          <m:t>𝑉</m:t>
+                        </m:r>
+                      </m:e>
+                      <m:sub>
+                        <m:r>
+                          <a:rPr lang="es-ES" i="1">
+                            <a:latin typeface="Cambria Math" panose="02040503050406030204" pitchFamily="18" charset="0"/>
+                          </a:rPr>
+                          <m:t>𝑜𝑝</m:t>
+                        </m:r>
+                      </m:sub>
+                    </m:sSub>
+                    <m:r>
+                      <a:rPr lang="es-ES" i="1">
+                        <a:latin typeface="Cambria Math" panose="02040503050406030204" pitchFamily="18" charset="0"/>
+                      </a:rPr>
+                      <m:t>=</m:t>
+                    </m:r>
+                    <m:r>
+                      <a:rPr lang="es-ES" i="1">
+                        <a:latin typeface="Cambria Math" panose="02040503050406030204" pitchFamily="18" charset="0"/>
+                      </a:rPr>
+                      <m:t>𝑒</m:t>
+                    </m:r>
+                    <m:r>
+                      <m:rPr>
+                        <m:sty m:val="p"/>
+                      </m:rPr>
+                      <a:rPr lang="es-ES">
+                        <a:latin typeface="Cambria Math" panose="02040503050406030204" pitchFamily="18" charset="0"/>
+                      </a:rPr>
+                      <m:t>Δ</m:t>
+                    </m:r>
+                    <m:r>
+                      <a:rPr lang="es-ES" i="1">
+                        <a:latin typeface="Cambria Math" panose="02040503050406030204" pitchFamily="18" charset="0"/>
+                      </a:rPr>
+                      <m:t>𝑇</m:t>
+                    </m:r>
+                  </m:oMath>
+                </a14:m>
+                <a:endParaRPr lang="en-US" dirty="0" smtClean="0"/>
+              </a:p>
+              <a:p>
+                <a:pPr lvl="1"/>
+                <a:r>
+                  <a:rPr lang="en-US" dirty="0" smtClean="0"/>
+                  <a:t>Database</a:t>
+                </a:r>
+              </a:p>
+              <a:p>
+                <a:pPr lvl="1"/>
+                <a:r>
+                  <a:rPr lang="en-US" dirty="0" smtClean="0"/>
+                  <a:t>Automation</a:t>
+                </a:r>
+                <a14:m>
+                  <m:oMath xmlns:m="http://schemas.openxmlformats.org/officeDocument/2006/math">
+                    <m:r>
+                      <a:rPr lang="es-ES" b="0" i="0" smtClean="0">
+                        <a:latin typeface="Cambria Math" panose="02040503050406030204" pitchFamily="18" charset="0"/>
+                      </a:rPr>
+                      <m:t> </m:t>
+                    </m:r>
+                    <m:r>
+                      <a:rPr lang="es-ES" b="0" i="1" smtClean="0">
+                        <a:latin typeface="Cambria Math" panose="02040503050406030204" pitchFamily="18" charset="0"/>
+                      </a:rPr>
+                      <m:t>→</m:t>
+                    </m:r>
+                  </m:oMath>
+                </a14:m>
+                <a:r>
+                  <a:rPr lang="en-US" dirty="0" smtClean="0"/>
+                  <a:t> </a:t>
+                </a:r>
+                <a:r>
+                  <a:rPr lang="en-US" dirty="0" err="1" smtClean="0"/>
+                  <a:t>Arduino</a:t>
+                </a:r>
+                <a:r>
+                  <a:rPr lang="en-US" dirty="0" smtClean="0"/>
+                  <a:t> Mega, </a:t>
+                </a:r>
+                <a:r>
+                  <a:rPr lang="en-US" dirty="0" err="1" smtClean="0"/>
+                  <a:t>LabView</a:t>
+                </a:r>
+                <a:r>
+                  <a:rPr lang="en-US" dirty="0" smtClean="0"/>
+                  <a:t>.</a:t>
+                </a:r>
+              </a:p>
+              <a:p>
+                <a:endParaRPr lang="es-ES" dirty="0"/>
+              </a:p>
+            </p:txBody>
+          </p:sp>
+        </mc:Choice>
+        <mc:Fallback>
+          <p:sp>
+            <p:nvSpPr>
+              <p:cNvPr id="3" name="Marcador de contenido 2"/>
+              <p:cNvSpPr>
+                <a:spLocks noGrp="1" noRot="1" noChangeAspect="1" noMove="1" noResize="1" noEditPoints="1" noAdjustHandles="1" noChangeArrowheads="1" noChangeShapeType="1" noTextEdit="1"/>
+              </p:cNvSpPr>
+              <p:nvPr>
+                <p:ph idx="1"/>
+              </p:nvPr>
+            </p:nvSpPr>
+            <p:spPr>
+              <a:xfrm>
+                <a:off x="395536" y="1556792"/>
+                <a:ext cx="8066858" cy="4752528"/>
+              </a:xfrm>
+              <a:blipFill rotWithShape="0">
+                <a:blip r:embed="rId2"/>
+                <a:stretch>
+                  <a:fillRect l="-227" t="-769" r="-605"/>
+                </a:stretch>
+              </a:blipFill>
+            </p:spPr>
+            <p:txBody>
+              <a:bodyPr/>
+              <a:lstStyle/>
+              <a:p>
+                <a:r>
+                  <a:rPr lang="es-ES">
+                    <a:noFill/>
+                  </a:rPr>
+                  <a:t> </a:t>
+                </a:r>
+              </a:p>
+            </p:txBody>
+          </p:sp>
+        </mc:Fallback>
+      </mc:AlternateContent>
+      <p:sp>
+        <p:nvSpPr>
+          <p:cNvPr id="6" name="Marcador de pie de página 3"/>
+          <p:cNvSpPr>
+            <a:spLocks noGrp="1"/>
+          </p:cNvSpPr>
+          <p:nvPr>
+            <p:ph type="ftr" sz="quarter" idx="11"/>
+          </p:nvPr>
+        </p:nvSpPr>
+        <p:spPr>
+          <a:xfrm>
+            <a:off x="609599" y="6473163"/>
+            <a:ext cx="4622973" cy="365125"/>
+          </a:xfrm>
+        </p:spPr>
+        <p:txBody>
+          <a:bodyPr/>
+          <a:lstStyle/>
+          <a:p>
+            <a:r>
+              <a:rPr lang="es-ES" sz="1000" dirty="0" smtClean="0"/>
+              <a:t>Marcos </a:t>
+            </a:r>
+            <a:r>
+              <a:rPr lang="es-ES" sz="1000" dirty="0" err="1" smtClean="0"/>
+              <a:t>Martinez</a:t>
+            </a:r>
+            <a:r>
+              <a:rPr lang="es-ES" sz="1000" dirty="0" smtClean="0"/>
+              <a:t> Roig </a:t>
+            </a:r>
+            <a:endParaRPr lang="es-ES" sz="1000" dirty="0"/>
+          </a:p>
+        </p:txBody>
+      </p:sp>
+      <p:sp>
+        <p:nvSpPr>
+          <p:cNvPr id="7" name="Marcador de número de diapositiva 4"/>
+          <p:cNvSpPr txBox="1">
+            <a:spLocks/>
+          </p:cNvSpPr>
+          <p:nvPr/>
+        </p:nvSpPr>
+        <p:spPr>
+          <a:xfrm>
+            <a:off x="7452320" y="6482026"/>
+            <a:ext cx="512638" cy="365125"/>
+          </a:xfrm>
+          <a:prstGeom prst="rect">
+            <a:avLst/>
+          </a:prstGeom>
+        </p:spPr>
+        <p:txBody>
+          <a:bodyPr vert="horz" lIns="91440" tIns="45720" rIns="91440" bIns="45720" rtlCol="0" anchor="ctr"/>
+          <a:lstStyle>
+            <a:defPPr>
+              <a:defRPr lang="es-ES"/>
+            </a:defPPr>
+            <a:lvl1pPr marL="0" algn="r" defTabSz="914400" rtl="0" eaLnBrk="1" latinLnBrk="0" hangingPunct="1">
+              <a:defRPr sz="900" kern="1200">
+                <a:solidFill>
+                  <a:schemeClr val="accent1"/>
+                </a:solidFill>
+                <a:latin typeface="+mn-lt"/>
+                <a:ea typeface="+mn-ea"/>
+                <a:cs typeface="+mn-cs"/>
+              </a:defRPr>
+            </a:lvl1pPr>
+            <a:lvl2pPr marL="457200" algn="l" defTabSz="914400" rtl="0" eaLnBrk="1" latinLnBrk="0" hangingPunct="1">
+              <a:defRPr sz="1800" kern="1200">
+                <a:solidFill>
+                  <a:schemeClr val="tx1"/>
+                </a:solidFill>
+                <a:latin typeface="+mn-lt"/>
+                <a:ea typeface="+mn-ea"/>
+                <a:cs typeface="+mn-cs"/>
+              </a:defRPr>
+            </a:lvl2pPr>
+            <a:lvl3pPr marL="914400" algn="l" defTabSz="914400" rtl="0" eaLnBrk="1" latinLnBrk="0" hangingPunct="1">
+              <a:defRPr sz="1800" kern="1200">
+                <a:solidFill>
+                  <a:schemeClr val="tx1"/>
+                </a:solidFill>
+                <a:latin typeface="+mn-lt"/>
+                <a:ea typeface="+mn-ea"/>
+                <a:cs typeface="+mn-cs"/>
+              </a:defRPr>
+            </a:lvl3pPr>
+            <a:lvl4pPr marL="1371600" algn="l" defTabSz="914400" rtl="0" eaLnBrk="1" latinLnBrk="0" hangingPunct="1">
+              <a:defRPr sz="1800" kern="1200">
+                <a:solidFill>
+                  <a:schemeClr val="tx1"/>
+                </a:solidFill>
+                <a:latin typeface="+mn-lt"/>
+                <a:ea typeface="+mn-ea"/>
+                <a:cs typeface="+mn-cs"/>
+              </a:defRPr>
+            </a:lvl4pPr>
+            <a:lvl5pPr marL="1828800" algn="l" defTabSz="914400" rtl="0" eaLnBrk="1" latinLnBrk="0" hangingPunct="1">
+              <a:defRPr sz="1800" kern="1200">
+                <a:solidFill>
+                  <a:schemeClr val="tx1"/>
+                </a:solidFill>
+                <a:latin typeface="+mn-lt"/>
+                <a:ea typeface="+mn-ea"/>
+                <a:cs typeface="+mn-cs"/>
+              </a:defRPr>
+            </a:lvl5pPr>
+            <a:lvl6pPr marL="2286000" algn="l" defTabSz="914400" rtl="0" eaLnBrk="1" latinLnBrk="0" hangingPunct="1">
+              <a:defRPr sz="1800" kern="1200">
+                <a:solidFill>
+                  <a:schemeClr val="tx1"/>
+                </a:solidFill>
+                <a:latin typeface="+mn-lt"/>
+                <a:ea typeface="+mn-ea"/>
+                <a:cs typeface="+mn-cs"/>
+              </a:defRPr>
+            </a:lvl6pPr>
+            <a:lvl7pPr marL="2743200" algn="l" defTabSz="914400" rtl="0" eaLnBrk="1" latinLnBrk="0" hangingPunct="1">
+              <a:defRPr sz="1800" kern="1200">
+                <a:solidFill>
+                  <a:schemeClr val="tx1"/>
+                </a:solidFill>
+                <a:latin typeface="+mn-lt"/>
+                <a:ea typeface="+mn-ea"/>
+                <a:cs typeface="+mn-cs"/>
+              </a:defRPr>
+            </a:lvl7pPr>
+            <a:lvl8pPr marL="3200400" algn="l" defTabSz="914400" rtl="0" eaLnBrk="1" latinLnBrk="0" hangingPunct="1">
+              <a:defRPr sz="1800" kern="1200">
+                <a:solidFill>
+                  <a:schemeClr val="tx1"/>
+                </a:solidFill>
+                <a:latin typeface="+mn-lt"/>
+                <a:ea typeface="+mn-ea"/>
+                <a:cs typeface="+mn-cs"/>
+              </a:defRPr>
+            </a:lvl8pPr>
+            <a:lvl9pPr marL="3657600" algn="l" defTabSz="914400" rtl="0" eaLnBrk="1" latinLnBrk="0" hangingPunct="1">
+              <a:defRPr sz="1800" kern="1200">
+                <a:solidFill>
+                  <a:schemeClr val="tx1"/>
+                </a:solidFill>
+                <a:latin typeface="+mn-lt"/>
+                <a:ea typeface="+mn-ea"/>
+                <a:cs typeface="+mn-cs"/>
+              </a:defRPr>
+            </a:lvl9pPr>
+          </a:lstStyle>
+          <a:p>
+            <a:r>
+              <a:rPr lang="es-ES" sz="2000" dirty="0" smtClean="0">
+                <a:solidFill>
+                  <a:srgbClr val="FF0000"/>
+                </a:solidFill>
+              </a:rPr>
+              <a:t>15</a:t>
+            </a:r>
+            <a:endParaRPr lang="es-ES" sz="2000" dirty="0">
+              <a:solidFill>
+                <a:srgbClr val="FF0000"/>
+              </a:solidFill>
+            </a:endParaRPr>
+          </a:p>
+        </p:txBody>
+      </p:sp>
+    </p:spTree>
+    <p:extLst>
+      <p:ext uri="{BB962C8B-B14F-4D97-AF65-F5344CB8AC3E}">
+        <p14:creationId xmlns:p14="http://schemas.microsoft.com/office/powerpoint/2010/main" val="2956725506"/>
+      </p:ext>
+    </p:extLst>
+  </p:cSld>
+  <p:clrMapOvr>
+    <a:masterClrMapping/>
+  </p:clrMapOvr>
+</p:sld>
+</file>
+
+<file path=ppt/slides/slide19.xml><?xml version="1.0" encoding="utf-8"?>
+<p:sld xmlns:a="http://schemas.openxmlformats.org/drawingml/2006/main" xmlns:r="http://schemas.openxmlformats.org/officeDocument/2006/relationships" xmlns:p="http://schemas.openxmlformats.org/presentationml/2006/main">
+  <p:cSld>
+    <p:spTree>
+      <p:nvGrpSpPr>
+        <p:cNvPr id="1" name=""/>
+        <p:cNvGrpSpPr/>
+        <p:nvPr/>
+      </p:nvGrpSpPr>
+      <p:grpSpPr>
+        <a:xfrm>
+          <a:off x="0" y="0"/>
+          <a:ext cx="0" cy="0"/>
+          <a:chOff x="0" y="0"/>
+          <a:chExt cx="0" cy="0"/>
+        </a:xfrm>
+      </p:grpSpPr>
+      <p:sp>
+        <p:nvSpPr>
+          <p:cNvPr id="2" name="Título 1"/>
+          <p:cNvSpPr>
+            <a:spLocks noGrp="1"/>
+          </p:cNvSpPr>
+          <p:nvPr>
+            <p:ph type="title"/>
+          </p:nvPr>
+        </p:nvSpPr>
+        <p:spPr/>
+        <p:txBody>
+          <a:bodyPr/>
+          <a:lstStyle/>
+          <a:p>
+            <a:r>
+              <a:rPr lang="en-US" dirty="0" err="1" smtClean="0"/>
+              <a:t>Prototipe</a:t>
+            </a:r>
+            <a:r>
+              <a:rPr lang="en-US" dirty="0" smtClean="0"/>
+              <a:t>	</a:t>
+            </a:r>
+            <a:endParaRPr lang="en-US" dirty="0"/>
+          </a:p>
+        </p:txBody>
+      </p:sp>
+      <p:sp>
+        <p:nvSpPr>
+          <p:cNvPr id="3" name="Marcador de contenido 2"/>
+          <p:cNvSpPr>
+            <a:spLocks noGrp="1"/>
+          </p:cNvSpPr>
+          <p:nvPr>
+            <p:ph idx="1"/>
+          </p:nvPr>
+        </p:nvSpPr>
+        <p:spPr>
+          <a:xfrm>
+            <a:off x="609598" y="1412776"/>
+            <a:ext cx="7562801" cy="4824536"/>
+          </a:xfrm>
+        </p:spPr>
+        <p:txBody>
+          <a:bodyPr/>
+          <a:lstStyle/>
+          <a:p>
+            <a:r>
+              <a:rPr lang="en-US" dirty="0" smtClean="0"/>
+              <a:t>First prototype: 4 or 8 channels (NEXT-100)</a:t>
+            </a:r>
+            <a:endParaRPr lang="en-US" dirty="0"/>
+          </a:p>
+        </p:txBody>
+      </p:sp>
+      <p:sp>
+        <p:nvSpPr>
+          <p:cNvPr id="6" name="Marcador de pie de página 3"/>
+          <p:cNvSpPr>
+            <a:spLocks noGrp="1"/>
+          </p:cNvSpPr>
+          <p:nvPr>
+            <p:ph type="ftr" sz="quarter" idx="11"/>
+          </p:nvPr>
+        </p:nvSpPr>
+        <p:spPr>
+          <a:xfrm>
+            <a:off x="609599" y="6473163"/>
+            <a:ext cx="4622973" cy="365125"/>
+          </a:xfrm>
+        </p:spPr>
+        <p:txBody>
+          <a:bodyPr/>
+          <a:lstStyle/>
+          <a:p>
+            <a:r>
+              <a:rPr lang="es-ES" sz="1000" dirty="0" smtClean="0"/>
+              <a:t>Marcos </a:t>
+            </a:r>
+            <a:r>
+              <a:rPr lang="es-ES" sz="1000" dirty="0" err="1" smtClean="0"/>
+              <a:t>Martinez</a:t>
+            </a:r>
+            <a:r>
+              <a:rPr lang="es-ES" sz="1000" dirty="0" smtClean="0"/>
+              <a:t> Roig </a:t>
+            </a:r>
+            <a:endParaRPr lang="es-ES" sz="1000" dirty="0"/>
+          </a:p>
+        </p:txBody>
+      </p:sp>
+      <p:sp>
+        <p:nvSpPr>
+          <p:cNvPr id="7" name="Marcador de número de diapositiva 4"/>
+          <p:cNvSpPr txBox="1">
+            <a:spLocks/>
+          </p:cNvSpPr>
+          <p:nvPr/>
+        </p:nvSpPr>
+        <p:spPr>
+          <a:xfrm>
+            <a:off x="7452320" y="6482026"/>
+            <a:ext cx="512638" cy="365125"/>
+          </a:xfrm>
+          <a:prstGeom prst="rect">
+            <a:avLst/>
+          </a:prstGeom>
+        </p:spPr>
+        <p:txBody>
+          <a:bodyPr vert="horz" lIns="91440" tIns="45720" rIns="91440" bIns="45720" rtlCol="0" anchor="ctr"/>
+          <a:lstStyle>
+            <a:defPPr>
+              <a:defRPr lang="es-ES"/>
+            </a:defPPr>
+            <a:lvl1pPr marL="0" algn="r" defTabSz="914400" rtl="0" eaLnBrk="1" latinLnBrk="0" hangingPunct="1">
+              <a:defRPr sz="900" kern="1200">
+                <a:solidFill>
+                  <a:schemeClr val="accent1"/>
+                </a:solidFill>
+                <a:latin typeface="+mn-lt"/>
+                <a:ea typeface="+mn-ea"/>
+                <a:cs typeface="+mn-cs"/>
+              </a:defRPr>
+            </a:lvl1pPr>
+            <a:lvl2pPr marL="457200" algn="l" defTabSz="914400" rtl="0" eaLnBrk="1" latinLnBrk="0" hangingPunct="1">
+              <a:defRPr sz="1800" kern="1200">
+                <a:solidFill>
+                  <a:schemeClr val="tx1"/>
+                </a:solidFill>
+                <a:latin typeface="+mn-lt"/>
+                <a:ea typeface="+mn-ea"/>
+                <a:cs typeface="+mn-cs"/>
+              </a:defRPr>
+            </a:lvl2pPr>
+            <a:lvl3pPr marL="914400" algn="l" defTabSz="914400" rtl="0" eaLnBrk="1" latinLnBrk="0" hangingPunct="1">
+              <a:defRPr sz="1800" kern="1200">
+                <a:solidFill>
+                  <a:schemeClr val="tx1"/>
+                </a:solidFill>
+                <a:latin typeface="+mn-lt"/>
+                <a:ea typeface="+mn-ea"/>
+                <a:cs typeface="+mn-cs"/>
+              </a:defRPr>
+            </a:lvl3pPr>
+            <a:lvl4pPr marL="1371600" algn="l" defTabSz="914400" rtl="0" eaLnBrk="1" latinLnBrk="0" hangingPunct="1">
+              <a:defRPr sz="1800" kern="1200">
+                <a:solidFill>
+                  <a:schemeClr val="tx1"/>
+                </a:solidFill>
+                <a:latin typeface="+mn-lt"/>
+                <a:ea typeface="+mn-ea"/>
+                <a:cs typeface="+mn-cs"/>
+              </a:defRPr>
+            </a:lvl4pPr>
+            <a:lvl5pPr marL="1828800" algn="l" defTabSz="914400" rtl="0" eaLnBrk="1" latinLnBrk="0" hangingPunct="1">
+              <a:defRPr sz="1800" kern="1200">
+                <a:solidFill>
+                  <a:schemeClr val="tx1"/>
+                </a:solidFill>
+                <a:latin typeface="+mn-lt"/>
+                <a:ea typeface="+mn-ea"/>
+                <a:cs typeface="+mn-cs"/>
+              </a:defRPr>
+            </a:lvl5pPr>
+            <a:lvl6pPr marL="2286000" algn="l" defTabSz="914400" rtl="0" eaLnBrk="1" latinLnBrk="0" hangingPunct="1">
+              <a:defRPr sz="1800" kern="1200">
+                <a:solidFill>
+                  <a:schemeClr val="tx1"/>
+                </a:solidFill>
+                <a:latin typeface="+mn-lt"/>
+                <a:ea typeface="+mn-ea"/>
+                <a:cs typeface="+mn-cs"/>
+              </a:defRPr>
+            </a:lvl6pPr>
+            <a:lvl7pPr marL="2743200" algn="l" defTabSz="914400" rtl="0" eaLnBrk="1" latinLnBrk="0" hangingPunct="1">
+              <a:defRPr sz="1800" kern="1200">
+                <a:solidFill>
+                  <a:schemeClr val="tx1"/>
+                </a:solidFill>
+                <a:latin typeface="+mn-lt"/>
+                <a:ea typeface="+mn-ea"/>
+                <a:cs typeface="+mn-cs"/>
+              </a:defRPr>
+            </a:lvl7pPr>
+            <a:lvl8pPr marL="3200400" algn="l" defTabSz="914400" rtl="0" eaLnBrk="1" latinLnBrk="0" hangingPunct="1">
+              <a:defRPr sz="1800" kern="1200">
+                <a:solidFill>
+                  <a:schemeClr val="tx1"/>
+                </a:solidFill>
+                <a:latin typeface="+mn-lt"/>
+                <a:ea typeface="+mn-ea"/>
+                <a:cs typeface="+mn-cs"/>
+              </a:defRPr>
+            </a:lvl8pPr>
+            <a:lvl9pPr marL="3657600" algn="l" defTabSz="914400" rtl="0" eaLnBrk="1" latinLnBrk="0" hangingPunct="1">
+              <a:defRPr sz="1800" kern="1200">
+                <a:solidFill>
+                  <a:schemeClr val="tx1"/>
+                </a:solidFill>
+                <a:latin typeface="+mn-lt"/>
+                <a:ea typeface="+mn-ea"/>
+                <a:cs typeface="+mn-cs"/>
+              </a:defRPr>
+            </a:lvl9pPr>
+          </a:lstStyle>
+          <a:p>
+            <a:r>
+              <a:rPr lang="es-ES" sz="2000" dirty="0" smtClean="0">
+                <a:solidFill>
+                  <a:srgbClr val="FF0000"/>
+                </a:solidFill>
+              </a:rPr>
+              <a:t>16</a:t>
+            </a:r>
+            <a:endParaRPr lang="es-ES" sz="2000" dirty="0">
+              <a:solidFill>
+                <a:srgbClr val="FF0000"/>
+              </a:solidFill>
+            </a:endParaRPr>
+          </a:p>
+        </p:txBody>
+      </p:sp>
+      <p:pic>
+        <p:nvPicPr>
+          <p:cNvPr id="8" name="Imagen 7"/>
+          <p:cNvPicPr>
+            <a:picLocks noChangeAspect="1"/>
+          </p:cNvPicPr>
+          <p:nvPr/>
+        </p:nvPicPr>
+        <p:blipFill>
+          <a:blip r:embed="rId2">
+            <a:extLst>
+              <a:ext uri="{28A0092B-C50C-407E-A947-70E740481C1C}">
+                <a14:useLocalDpi xmlns:a14="http://schemas.microsoft.com/office/drawing/2010/main" val="0"/>
+              </a:ext>
+            </a:extLst>
+          </a:blip>
+          <a:stretch>
+            <a:fillRect/>
+          </a:stretch>
+        </p:blipFill>
+        <p:spPr>
+          <a:xfrm>
+            <a:off x="395537" y="1930401"/>
+            <a:ext cx="8440616" cy="4291878"/>
+          </a:xfrm>
+          <a:prstGeom prst="rect">
+            <a:avLst/>
+          </a:prstGeom>
+        </p:spPr>
+      </p:pic>
+    </p:spTree>
+    <p:extLst>
+      <p:ext uri="{BB962C8B-B14F-4D97-AF65-F5344CB8AC3E}">
+        <p14:creationId xmlns:p14="http://schemas.microsoft.com/office/powerpoint/2010/main" val="3151680954"/>
+      </p:ext>
+    </p:extLst>
+  </p:cSld>
+  <p:clrMapOvr>
+    <a:masterClrMapping/>
+  </p:clrMapOvr>
+</p:sld>
+</file>
+
+<file path=ppt/slides/slide2.xml><?xml version="1.0" encoding="utf-8"?>
+<p:sld xmlns:a="http://schemas.openxmlformats.org/drawingml/2006/main" xmlns:r="http://schemas.openxmlformats.org/officeDocument/2006/relationships" xmlns:p="http://schemas.openxmlformats.org/presentationml/2006/main">
+  <p:cSld>
+    <p:spTree>
+      <p:nvGrpSpPr>
+        <p:cNvPr id="1" name=""/>
+        <p:cNvGrpSpPr/>
+        <p:nvPr/>
+      </p:nvGrpSpPr>
+      <p:grpSpPr>
+        <a:xfrm>
+          <a:off x="0" y="0"/>
+          <a:ext cx="0" cy="0"/>
+          <a:chOff x="0" y="0"/>
+          <a:chExt cx="0" cy="0"/>
+        </a:xfrm>
+      </p:grpSpPr>
+      <p:sp>
+        <p:nvSpPr>
+          <p:cNvPr id="2" name="Título 1"/>
+          <p:cNvSpPr>
+            <a:spLocks noGrp="1"/>
+          </p:cNvSpPr>
+          <p:nvPr>
+            <p:ph type="title"/>
+          </p:nvPr>
+        </p:nvSpPr>
+        <p:spPr/>
+        <p:txBody>
+          <a:bodyPr/>
+          <a:lstStyle/>
+          <a:p>
+            <a:r>
+              <a:rPr lang="es-ES" dirty="0" err="1" smtClean="0">
+                <a:solidFill>
+                  <a:schemeClr val="accent2"/>
+                </a:solidFill>
+              </a:rPr>
+              <a:t>Index</a:t>
+            </a:r>
+            <a:endParaRPr lang="es-ES" dirty="0">
+              <a:solidFill>
+                <a:schemeClr val="accent2"/>
+              </a:solidFill>
+            </a:endParaRPr>
+          </a:p>
+        </p:txBody>
+      </p:sp>
+      <p:sp>
+        <p:nvSpPr>
+          <p:cNvPr id="3" name="Marcador de contenido 2"/>
+          <p:cNvSpPr>
+            <a:spLocks noGrp="1"/>
+          </p:cNvSpPr>
+          <p:nvPr>
+            <p:ph idx="1"/>
+          </p:nvPr>
+        </p:nvSpPr>
+        <p:spPr>
+          <a:xfrm>
+            <a:off x="251520" y="2078315"/>
+            <a:ext cx="8503920" cy="4394848"/>
+          </a:xfrm>
+        </p:spPr>
+        <p:txBody>
+          <a:bodyPr>
+            <a:normAutofit/>
+          </a:bodyPr>
+          <a:lstStyle/>
+          <a:p>
+            <a:r>
+              <a:rPr lang="en-US" dirty="0" smtClean="0"/>
+              <a:t>Introduction </a:t>
+            </a:r>
+          </a:p>
+          <a:p>
+            <a:r>
+              <a:rPr lang="en-US" dirty="0" smtClean="0"/>
+              <a:t>Explain the method to level of one channel.</a:t>
+            </a:r>
+          </a:p>
+          <a:p>
+            <a:r>
+              <a:rPr lang="en-US" dirty="0" smtClean="0"/>
+              <a:t>Extending to several channels.</a:t>
+            </a:r>
+          </a:p>
+          <a:p>
+            <a:endParaRPr lang="en-US" dirty="0" smtClean="0"/>
+          </a:p>
+          <a:p>
+            <a:endParaRPr lang="en-US" dirty="0" smtClean="0"/>
+          </a:p>
+          <a:p>
+            <a:endParaRPr lang="en-US" dirty="0" smtClean="0"/>
+          </a:p>
+          <a:p>
+            <a:endParaRPr lang="en-US" dirty="0" smtClean="0"/>
+          </a:p>
+          <a:p>
+            <a:pPr marL="0" indent="0">
+              <a:buNone/>
+            </a:pPr>
+            <a:endParaRPr lang="es-ES" dirty="0" smtClean="0"/>
+          </a:p>
+        </p:txBody>
+      </p:sp>
+      <p:sp>
+        <p:nvSpPr>
+          <p:cNvPr id="8" name="Marcador de pie de página 3"/>
+          <p:cNvSpPr>
+            <a:spLocks noGrp="1"/>
+          </p:cNvSpPr>
+          <p:nvPr>
+            <p:ph type="ftr" sz="quarter" idx="11"/>
+          </p:nvPr>
+        </p:nvSpPr>
+        <p:spPr>
+          <a:xfrm>
+            <a:off x="609599" y="6473163"/>
+            <a:ext cx="4622973" cy="365125"/>
+          </a:xfrm>
+        </p:spPr>
+        <p:txBody>
+          <a:bodyPr/>
+          <a:lstStyle/>
+          <a:p>
+            <a:r>
+              <a:rPr lang="es-ES" sz="1000" dirty="0" smtClean="0"/>
+              <a:t>Marcos </a:t>
+            </a:r>
+            <a:r>
+              <a:rPr lang="es-ES" sz="1000" dirty="0" err="1" smtClean="0"/>
+              <a:t>Martinez</a:t>
+            </a:r>
+            <a:r>
+              <a:rPr lang="es-ES" sz="1000" dirty="0" smtClean="0"/>
+              <a:t> Roig </a:t>
+            </a:r>
+            <a:endParaRPr lang="es-ES" sz="1000" dirty="0"/>
+          </a:p>
+        </p:txBody>
+      </p:sp>
+      <p:sp>
+        <p:nvSpPr>
+          <p:cNvPr id="9" name="Marcador de número de diapositiva 4"/>
+          <p:cNvSpPr>
+            <a:spLocks noGrp="1"/>
+          </p:cNvSpPr>
+          <p:nvPr>
+            <p:ph type="sldNum" sz="quarter" idx="12"/>
+          </p:nvPr>
+        </p:nvSpPr>
+        <p:spPr>
+          <a:xfrm>
+            <a:off x="7452320" y="6482026"/>
+            <a:ext cx="512638" cy="365125"/>
+          </a:xfrm>
+        </p:spPr>
+        <p:txBody>
+          <a:bodyPr/>
+          <a:lstStyle/>
+          <a:p>
+            <a:r>
+              <a:rPr lang="es-ES" sz="2000" dirty="0">
+                <a:solidFill>
+                  <a:srgbClr val="FF0000"/>
+                </a:solidFill>
+              </a:rPr>
+              <a:t>2</a:t>
+            </a:r>
+          </a:p>
+        </p:txBody>
+      </p:sp>
+    </p:spTree>
+    <p:extLst>
+      <p:ext uri="{BB962C8B-B14F-4D97-AF65-F5344CB8AC3E}">
+        <p14:creationId xmlns:p14="http://schemas.microsoft.com/office/powerpoint/2010/main" val="1666221019"/>
+      </p:ext>
+    </p:extLst>
+  </p:cSld>
+  <p:clrMapOvr>
+    <a:masterClrMapping/>
+  </p:clrMapOvr>
+  <p:timing>
+    <p:tnLst>
+      <p:par>
+        <p:cTn id="1" dur="indefinite" restart="never" nodeType="tmRoot">
+          <p:childTnLst>
+            <p:seq concurrent="1" nextAc="seek">
+              <p:cTn id="2" dur="indefinite" nodeType="mainSeq">
+                <p:childTnLst>
+                  <p:par>
+                    <p:cTn id="3" fill="hold">
+                      <p:stCondLst>
+                        <p:cond delay="indefinite"/>
+                      </p:stCondLst>
+                      <p:childTnLst>
+                        <p:par>
+                          <p:cTn id="4" fill="hold">
+                            <p:stCondLst>
+                              <p:cond delay="0"/>
+                            </p:stCondLst>
+                            <p:childTnLst>
+                              <p:par>
+                                <p:cTn id="5" presetID="22" presetClass="entr" presetSubtype="4" fill="hold" nodeType="clickEffect">
+                                  <p:stCondLst>
+                                    <p:cond delay="0"/>
+                                  </p:stCondLst>
+                                  <p:childTnLst>
+                                    <p:set>
+                                      <p:cBhvr>
+                                        <p:cTn id="6" dur="1" fill="hold">
+                                          <p:stCondLst>
+                                            <p:cond delay="0"/>
+                                          </p:stCondLst>
+                                        </p:cTn>
+                                        <p:tgtEl>
+                                          <p:spTgt spid="3">
+                                            <p:txEl>
+                                              <p:pRg st="1" end="1"/>
+                                            </p:txEl>
+                                          </p:spTgt>
+                                        </p:tgtEl>
+                                        <p:attrNameLst>
+                                          <p:attrName>style.visibility</p:attrName>
+                                        </p:attrNameLst>
+                                      </p:cBhvr>
+                                      <p:to>
+                                        <p:strVal val="visible"/>
+                                      </p:to>
+                                    </p:set>
+                                    <p:animEffect transition="in" filter="wipe(down)">
+                                      <p:cBhvr>
+                                        <p:cTn id="7" dur="500"/>
+                                        <p:tgtEl>
+                                          <p:spTgt spid="3">
+                                            <p:txEl>
+                                              <p:pRg st="1" end="1"/>
+                                            </p:txEl>
+                                          </p:spTgt>
+                                        </p:tgtEl>
+                                      </p:cBhvr>
+                                    </p:animEffect>
+                                  </p:childTnLst>
+                                </p:cTn>
+                              </p:par>
+                            </p:childTnLst>
+                          </p:cTn>
+                        </p:par>
+                      </p:childTnLst>
+                    </p:cTn>
+                  </p:par>
+                  <p:par>
+                    <p:cTn id="8" fill="hold">
+                      <p:stCondLst>
+                        <p:cond delay="indefinite"/>
+                      </p:stCondLst>
+                      <p:childTnLst>
+                        <p:par>
+                          <p:cTn id="9" fill="hold">
+                            <p:stCondLst>
+                              <p:cond delay="0"/>
+                            </p:stCondLst>
+                            <p:childTnLst>
+                              <p:par>
+                                <p:cTn id="10" presetID="22" presetClass="entr" presetSubtype="4" fill="hold" nodeType="clickEffect">
+                                  <p:stCondLst>
+                                    <p:cond delay="0"/>
+                                  </p:stCondLst>
+                                  <p:childTnLst>
+                                    <p:set>
+                                      <p:cBhvr>
+                                        <p:cTn id="11" dur="1" fill="hold">
+                                          <p:stCondLst>
+                                            <p:cond delay="0"/>
+                                          </p:stCondLst>
+                                        </p:cTn>
+                                        <p:tgtEl>
+                                          <p:spTgt spid="3">
+                                            <p:txEl>
+                                              <p:pRg st="2" end="2"/>
+                                            </p:txEl>
+                                          </p:spTgt>
+                                        </p:tgtEl>
+                                        <p:attrNameLst>
+                                          <p:attrName>style.visibility</p:attrName>
+                                        </p:attrNameLst>
+                                      </p:cBhvr>
+                                      <p:to>
+                                        <p:strVal val="visible"/>
+                                      </p:to>
+                                    </p:set>
+                                    <p:animEffect transition="in" filter="wipe(down)">
+                                      <p:cBhvr>
+                                        <p:cTn id="12" dur="500"/>
+                                        <p:tgtEl>
+                                          <p:spTgt spid="3">
+                                            <p:txEl>
+                                              <p:pRg st="2" end="2"/>
+                                            </p:txEl>
+                                          </p:spTgt>
+                                        </p:tgtEl>
+                                      </p:cBhvr>
+                                    </p:animEffect>
+                                  </p:childTnLst>
+                                </p:cTn>
+                              </p:par>
+                            </p:childTnLst>
+                          </p:cTn>
+                        </p:par>
+                      </p:childTnLst>
+                    </p:cTn>
+                  </p:par>
+                </p:childTnLst>
+              </p:cTn>
+              <p:prevCondLst>
+                <p:cond evt="onPrev" delay="0">
+                  <p:tgtEl>
+                    <p:sldTgt/>
+                  </p:tgtEl>
+                </p:cond>
+              </p:prevCondLst>
+              <p:nextCondLst>
+                <p:cond evt="onNext" delay="0">
+                  <p:tgtEl>
+                    <p:sldTgt/>
+                  </p:tgtEl>
+                </p:cond>
+              </p:nextCondLst>
+            </p:seq>
+          </p:childTnLst>
+        </p:cTn>
+      </p:par>
+    </p:tnLst>
+  </p:timing>
+</p:sld>
+</file>
+
+<file path=ppt/slides/slide20.xml><?xml version="1.0" encoding="utf-8"?>
+<p:sld xmlns:a="http://schemas.openxmlformats.org/drawingml/2006/main" xmlns:r="http://schemas.openxmlformats.org/officeDocument/2006/relationships" xmlns:p="http://schemas.openxmlformats.org/presentationml/2006/main">
+  <p:cSld>
+    <p:spTree>
+      <p:nvGrpSpPr>
+        <p:cNvPr id="1" name=""/>
+        <p:cNvGrpSpPr/>
+        <p:nvPr/>
+      </p:nvGrpSpPr>
+      <p:grpSpPr>
+        <a:xfrm>
+          <a:off x="0" y="0"/>
+          <a:ext cx="0" cy="0"/>
+          <a:chOff x="0" y="0"/>
+          <a:chExt cx="0" cy="0"/>
+        </a:xfrm>
+      </p:grpSpPr>
+      <p:sp>
+        <p:nvSpPr>
+          <p:cNvPr id="2" name="Título 1"/>
+          <p:cNvSpPr>
+            <a:spLocks noGrp="1"/>
+          </p:cNvSpPr>
+          <p:nvPr>
+            <p:ph type="title"/>
+          </p:nvPr>
+        </p:nvSpPr>
+        <p:spPr/>
+        <p:txBody>
+          <a:bodyPr/>
+          <a:lstStyle/>
+          <a:p>
+            <a:r>
+              <a:rPr lang="en-US" dirty="0" smtClean="0"/>
+              <a:t>This is all</a:t>
+            </a:r>
+            <a:endParaRPr lang="en-US" dirty="0"/>
+          </a:p>
+        </p:txBody>
+      </p:sp>
+      <p:sp>
+        <p:nvSpPr>
+          <p:cNvPr id="4" name="Marcador de pie de página 3"/>
+          <p:cNvSpPr>
+            <a:spLocks noGrp="1"/>
+          </p:cNvSpPr>
+          <p:nvPr>
+            <p:ph type="ftr" sz="quarter" idx="11"/>
+          </p:nvPr>
+        </p:nvSpPr>
+        <p:spPr/>
+        <p:txBody>
+          <a:bodyPr/>
+          <a:lstStyle/>
+          <a:p>
+            <a:r>
+              <a:rPr lang="es-ES" smtClean="0"/>
+              <a:t>Marcos Martinez Roig </a:t>
+            </a:r>
+            <a:endParaRPr lang="es-ES"/>
+          </a:p>
+        </p:txBody>
+      </p:sp>
+      <p:sp>
+        <p:nvSpPr>
+          <p:cNvPr id="5" name="Marcador de número de diapositiva 4"/>
+          <p:cNvSpPr>
+            <a:spLocks noGrp="1"/>
+          </p:cNvSpPr>
+          <p:nvPr>
+            <p:ph type="sldNum" sz="quarter" idx="12"/>
+          </p:nvPr>
+        </p:nvSpPr>
+        <p:spPr/>
+        <p:txBody>
+          <a:bodyPr/>
+          <a:lstStyle/>
+          <a:p>
+            <a:fld id="{F897EA5C-5595-467C-8911-89E59E67D731}" type="slidenum">
+              <a:rPr lang="es-ES" smtClean="0"/>
+              <a:t>20</a:t>
+            </a:fld>
+            <a:endParaRPr lang="es-ES"/>
+          </a:p>
+        </p:txBody>
+      </p:sp>
+      <p:pic>
+        <p:nvPicPr>
+          <p:cNvPr id="7" name="Imagen 6"/>
+          <p:cNvPicPr>
+            <a:picLocks noChangeAspect="1"/>
+          </p:cNvPicPr>
+          <p:nvPr/>
+        </p:nvPicPr>
+        <p:blipFill>
+          <a:blip r:embed="rId2">
+            <a:extLst>
+              <a:ext uri="{28A0092B-C50C-407E-A947-70E740481C1C}">
+                <a14:useLocalDpi xmlns:a14="http://schemas.microsoft.com/office/drawing/2010/main" val="0"/>
+              </a:ext>
+            </a:extLst>
+          </a:blip>
+          <a:stretch>
+            <a:fillRect/>
+          </a:stretch>
+        </p:blipFill>
+        <p:spPr>
+          <a:xfrm>
+            <a:off x="1907704" y="1628800"/>
+            <a:ext cx="5291995" cy="3963888"/>
+          </a:xfrm>
+          <a:prstGeom prst="rect">
+            <a:avLst/>
+          </a:prstGeom>
+        </p:spPr>
+      </p:pic>
+    </p:spTree>
+    <p:extLst>
+      <p:ext uri="{BB962C8B-B14F-4D97-AF65-F5344CB8AC3E}">
+        <p14:creationId xmlns:p14="http://schemas.microsoft.com/office/powerpoint/2010/main" val="2532102343"/>
+      </p:ext>
+    </p:extLst>
+  </p:cSld>
+  <p:clrMapOvr>
+    <a:masterClrMapping/>
+  </p:clrMapOvr>
+</p:sld>
+</file>
+
+<file path=ppt/slides/slide21.xml><?xml version="1.0" encoding="utf-8"?>
 <p:sld xmlns:a="http://schemas.openxmlformats.org/drawingml/2006/main" xmlns:r="http://schemas.openxmlformats.org/officeDocument/2006/relationships" xmlns:p="http://schemas.openxmlformats.org/presentationml/2006/main" show="0">
   <p:cSld>
     <p:spTree>
@@ -14837,11 +16195,11 @@
   <p:clrMapOvr>
     <a:masterClrMapping/>
   </p:clrMapOvr>
-  <mc:AlternateContent xmlns:mc="http://schemas.openxmlformats.org/markup-compatibility/2006">
-    <mc:Choice xmlns:p14="http://schemas.microsoft.com/office/powerpoint/2010/main" Requires="p14">
+  <mc:AlternateContent xmlns:mc="http://schemas.openxmlformats.org/markup-compatibility/2006" xmlns:p14="http://schemas.microsoft.com/office/powerpoint/2010/main">
+    <mc:Choice Requires="p14">
       <p:transition spd="slow" p14:dur="2000"/>
     </mc:Choice>
-    <mc:Fallback>
+    <mc:Fallback xmlns="">
       <p:transition spd="slow"/>
     </mc:Fallback>
   </mc:AlternateContent>
@@ -15183,7 +16541,7 @@
 </p:sld>
 </file>
 
-<file path=ppt/slides/slide19.xml><?xml version="1.0" encoding="utf-8"?>
+<file path=ppt/slides/slide22.xml><?xml version="1.0" encoding="utf-8"?>
 <p:sld xmlns:a="http://schemas.openxmlformats.org/drawingml/2006/main" xmlns:r="http://schemas.openxmlformats.org/officeDocument/2006/relationships" xmlns:p="http://schemas.openxmlformats.org/presentationml/2006/main" show="0">
   <p:cSld>
     <p:spTree>
@@ -15839,352 +17197,7 @@
 </p:sld>
 </file>
 
-<file path=ppt/slides/slide2.xml><?xml version="1.0" encoding="utf-8"?>
-<p:sld xmlns:a="http://schemas.openxmlformats.org/drawingml/2006/main" xmlns:r="http://schemas.openxmlformats.org/officeDocument/2006/relationships" xmlns:p="http://schemas.openxmlformats.org/presentationml/2006/main">
-  <p:cSld>
-    <p:spTree>
-      <p:nvGrpSpPr>
-        <p:cNvPr id="1" name=""/>
-        <p:cNvGrpSpPr/>
-        <p:nvPr/>
-      </p:nvGrpSpPr>
-      <p:grpSpPr>
-        <a:xfrm>
-          <a:off x="0" y="0"/>
-          <a:ext cx="0" cy="0"/>
-          <a:chOff x="0" y="0"/>
-          <a:chExt cx="0" cy="0"/>
-        </a:xfrm>
-      </p:grpSpPr>
-      <p:sp>
-        <p:nvSpPr>
-          <p:cNvPr id="2" name="Título 1"/>
-          <p:cNvSpPr>
-            <a:spLocks noGrp="1"/>
-          </p:cNvSpPr>
-          <p:nvPr>
-            <p:ph type="title"/>
-          </p:nvPr>
-        </p:nvSpPr>
-        <p:spPr/>
-        <p:txBody>
-          <a:bodyPr/>
-          <a:lstStyle/>
-          <a:p>
-            <a:r>
-              <a:rPr lang="es-ES" dirty="0" err="1" smtClean="0">
-                <a:solidFill>
-                  <a:schemeClr val="accent2"/>
-                </a:solidFill>
-              </a:rPr>
-              <a:t>Index</a:t>
-            </a:r>
-            <a:endParaRPr lang="es-ES" dirty="0">
-              <a:solidFill>
-                <a:schemeClr val="accent2"/>
-              </a:solidFill>
-            </a:endParaRPr>
-          </a:p>
-        </p:txBody>
-      </p:sp>
-      <p:sp>
-        <p:nvSpPr>
-          <p:cNvPr id="3" name="Marcador de contenido 2"/>
-          <p:cNvSpPr>
-            <a:spLocks noGrp="1"/>
-          </p:cNvSpPr>
-          <p:nvPr>
-            <p:ph idx="1"/>
-          </p:nvPr>
-        </p:nvSpPr>
-        <p:spPr>
-          <a:xfrm>
-            <a:off x="251520" y="2078315"/>
-            <a:ext cx="8503920" cy="4394848"/>
-          </a:xfrm>
-        </p:spPr>
-        <p:txBody>
-          <a:bodyPr>
-            <a:normAutofit/>
-          </a:bodyPr>
-          <a:lstStyle/>
-          <a:p>
-            <a:r>
-              <a:rPr lang="en-US" dirty="0" smtClean="0"/>
-              <a:t>Introduction </a:t>
-            </a:r>
-          </a:p>
-          <a:p>
-            <a:r>
-              <a:rPr lang="en-US" dirty="0" smtClean="0"/>
-              <a:t>Explain the method to level of one channel.</a:t>
-            </a:r>
-          </a:p>
-          <a:p>
-            <a:r>
-              <a:rPr lang="en-US" dirty="0" smtClean="0"/>
-              <a:t>Extending to several channels.</a:t>
-            </a:r>
-            <a:endParaRPr lang="en-US" dirty="0" smtClean="0"/>
-          </a:p>
-          <a:p>
-            <a:endParaRPr lang="en-US" dirty="0" smtClean="0"/>
-          </a:p>
-          <a:p>
-            <a:endParaRPr lang="en-US" dirty="0" smtClean="0"/>
-          </a:p>
-          <a:p>
-            <a:endParaRPr lang="en-US" dirty="0" smtClean="0"/>
-          </a:p>
-          <a:p>
-            <a:endParaRPr lang="en-US" dirty="0" smtClean="0"/>
-          </a:p>
-          <a:p>
-            <a:pPr marL="0" indent="0">
-              <a:buNone/>
-            </a:pPr>
-            <a:endParaRPr lang="es-ES" dirty="0" smtClean="0"/>
-          </a:p>
-        </p:txBody>
-      </p:sp>
-      <p:sp>
-        <p:nvSpPr>
-          <p:cNvPr id="8" name="Marcador de pie de página 3"/>
-          <p:cNvSpPr>
-            <a:spLocks noGrp="1"/>
-          </p:cNvSpPr>
-          <p:nvPr>
-            <p:ph type="ftr" sz="quarter" idx="11"/>
-          </p:nvPr>
-        </p:nvSpPr>
-        <p:spPr>
-          <a:xfrm>
-            <a:off x="609599" y="6473163"/>
-            <a:ext cx="4622973" cy="365125"/>
-          </a:xfrm>
-        </p:spPr>
-        <p:txBody>
-          <a:bodyPr/>
-          <a:lstStyle/>
-          <a:p>
-            <a:r>
-              <a:rPr lang="es-ES" sz="1000" dirty="0" smtClean="0"/>
-              <a:t>Marcos </a:t>
-            </a:r>
-            <a:r>
-              <a:rPr lang="es-ES" sz="1000" dirty="0" err="1" smtClean="0"/>
-              <a:t>Martinez</a:t>
-            </a:r>
-            <a:r>
-              <a:rPr lang="es-ES" sz="1000" dirty="0" smtClean="0"/>
-              <a:t> Roig </a:t>
-            </a:r>
-            <a:endParaRPr lang="es-ES" sz="1000" dirty="0"/>
-          </a:p>
-        </p:txBody>
-      </p:sp>
-      <p:sp>
-        <p:nvSpPr>
-          <p:cNvPr id="9" name="Marcador de número de diapositiva 4"/>
-          <p:cNvSpPr>
-            <a:spLocks noGrp="1"/>
-          </p:cNvSpPr>
-          <p:nvPr>
-            <p:ph type="sldNum" sz="quarter" idx="12"/>
-          </p:nvPr>
-        </p:nvSpPr>
-        <p:spPr>
-          <a:xfrm>
-            <a:off x="7452320" y="6482026"/>
-            <a:ext cx="512638" cy="365125"/>
-          </a:xfrm>
-        </p:spPr>
-        <p:txBody>
-          <a:bodyPr/>
-          <a:lstStyle/>
-          <a:p>
-            <a:r>
-              <a:rPr lang="es-ES" sz="2000" dirty="0">
-                <a:solidFill>
-                  <a:srgbClr val="FF0000"/>
-                </a:solidFill>
-              </a:rPr>
-              <a:t>2</a:t>
-            </a:r>
-            <a:endParaRPr lang="es-ES" sz="2000" dirty="0">
-              <a:solidFill>
-                <a:srgbClr val="FF0000"/>
-              </a:solidFill>
-            </a:endParaRPr>
-          </a:p>
-        </p:txBody>
-      </p:sp>
-    </p:spTree>
-    <p:extLst>
-      <p:ext uri="{BB962C8B-B14F-4D97-AF65-F5344CB8AC3E}">
-        <p14:creationId xmlns:p14="http://schemas.microsoft.com/office/powerpoint/2010/main" val="1666221019"/>
-      </p:ext>
-    </p:extLst>
-  </p:cSld>
-  <p:clrMapOvr>
-    <a:masterClrMapping/>
-  </p:clrMapOvr>
-  <p:timing>
-    <p:tnLst>
-      <p:par>
-        <p:cTn id="1" dur="indefinite" restart="never" nodeType="tmRoot">
-          <p:childTnLst>
-            <p:seq concurrent="1" nextAc="seek">
-              <p:cTn id="2" dur="indefinite" nodeType="mainSeq">
-                <p:childTnLst>
-                  <p:par>
-                    <p:cTn id="3" fill="hold">
-                      <p:stCondLst>
-                        <p:cond delay="indefinite"/>
-                      </p:stCondLst>
-                      <p:childTnLst>
-                        <p:par>
-                          <p:cTn id="4" fill="hold">
-                            <p:stCondLst>
-                              <p:cond delay="0"/>
-                            </p:stCondLst>
-                            <p:childTnLst>
-                              <p:par>
-                                <p:cTn id="5" presetID="22" presetClass="entr" presetSubtype="4" fill="hold" nodeType="clickEffect">
-                                  <p:stCondLst>
-                                    <p:cond delay="0"/>
-                                  </p:stCondLst>
-                                  <p:childTnLst>
-                                    <p:set>
-                                      <p:cBhvr>
-                                        <p:cTn id="6" dur="1" fill="hold">
-                                          <p:stCondLst>
-                                            <p:cond delay="0"/>
-                                          </p:stCondLst>
-                                        </p:cTn>
-                                        <p:tgtEl>
-                                          <p:spTgt spid="3">
-                                            <p:txEl>
-                                              <p:pRg st="1" end="1"/>
-                                            </p:txEl>
-                                          </p:spTgt>
-                                        </p:tgtEl>
-                                        <p:attrNameLst>
-                                          <p:attrName>style.visibility</p:attrName>
-                                        </p:attrNameLst>
-                                      </p:cBhvr>
-                                      <p:to>
-                                        <p:strVal val="visible"/>
-                                      </p:to>
-                                    </p:set>
-                                    <p:animEffect transition="in" filter="wipe(down)">
-                                      <p:cBhvr>
-                                        <p:cTn id="7" dur="500"/>
-                                        <p:tgtEl>
-                                          <p:spTgt spid="3">
-                                            <p:txEl>
-                                              <p:pRg st="1" end="1"/>
-                                            </p:txEl>
-                                          </p:spTgt>
-                                        </p:tgtEl>
-                                      </p:cBhvr>
-                                    </p:animEffect>
-                                  </p:childTnLst>
-                                </p:cTn>
-                              </p:par>
-                            </p:childTnLst>
-                          </p:cTn>
-                        </p:par>
-                      </p:childTnLst>
-                    </p:cTn>
-                  </p:par>
-                  <p:par>
-                    <p:cTn id="8" fill="hold">
-                      <p:stCondLst>
-                        <p:cond delay="indefinite"/>
-                      </p:stCondLst>
-                      <p:childTnLst>
-                        <p:par>
-                          <p:cTn id="9" fill="hold">
-                            <p:stCondLst>
-                              <p:cond delay="0"/>
-                            </p:stCondLst>
-                            <p:childTnLst>
-                              <p:par>
-                                <p:cTn id="10" presetID="22" presetClass="entr" presetSubtype="4" fill="hold" nodeType="clickEffect">
-                                  <p:stCondLst>
-                                    <p:cond delay="0"/>
-                                  </p:stCondLst>
-                                  <p:childTnLst>
-                                    <p:set>
-                                      <p:cBhvr>
-                                        <p:cTn id="11" dur="1" fill="hold">
-                                          <p:stCondLst>
-                                            <p:cond delay="0"/>
-                                          </p:stCondLst>
-                                        </p:cTn>
-                                        <p:tgtEl>
-                                          <p:spTgt spid="3">
-                                            <p:txEl>
-                                              <p:pRg st="2" end="2"/>
-                                            </p:txEl>
-                                          </p:spTgt>
-                                        </p:tgtEl>
-                                        <p:attrNameLst>
-                                          <p:attrName>style.visibility</p:attrName>
-                                        </p:attrNameLst>
-                                      </p:cBhvr>
-                                      <p:to>
-                                        <p:strVal val="visible"/>
-                                      </p:to>
-                                    </p:set>
-                                    <p:animEffect transition="in" filter="wipe(down)">
-                                      <p:cBhvr>
-                                        <p:cTn id="12" dur="500"/>
-                                        <p:tgtEl>
-                                          <p:spTgt spid="3">
-                                            <p:txEl>
-                                              <p:pRg st="2" end="2"/>
-                                            </p:txEl>
-                                          </p:spTgt>
-                                        </p:tgtEl>
-                                      </p:cBhvr>
-                                    </p:animEffect>
-                                  </p:childTnLst>
-                                </p:cTn>
-                              </p:par>
-                            </p:childTnLst>
-                          </p:cTn>
-                        </p:par>
-                      </p:childTnLst>
-                    </p:cTn>
-                  </p:par>
-                </p:childTnLst>
-              </p:cTn>
-              <p:prevCondLst>
-                <p:cond evt="onPrev" delay="0">
-                  <p:tgtEl>
-                    <p:sldTgt/>
-                  </p:tgtEl>
-                </p:cond>
-              </p:prevCondLst>
-              <p:nextCondLst>
-                <p:cond evt="onNext" delay="0">
-                  <p:tgtEl>
-                    <p:sldTgt/>
-                  </p:tgtEl>
-                </p:cond>
-              </p:nextCondLst>
-            </p:seq>
-          </p:childTnLst>
-        </p:cTn>
-      </p:par>
-    </p:tnLst>
-  </p:timing>
-</p:sld>
-</file>
-
-<file path=ppt/slides/slide20.xml><?xml version="1.0" encoding="utf-8"?>
+<file path=ppt/slides/slide23.xml><?xml version="1.0" encoding="utf-8"?>
 <p:sld xmlns:a="http://schemas.openxmlformats.org/drawingml/2006/main" xmlns:r="http://schemas.openxmlformats.org/officeDocument/2006/relationships" xmlns:p="http://schemas.openxmlformats.org/presentationml/2006/main" show="0">
   <p:cSld>
     <p:spTree>
@@ -16434,11 +17447,11 @@
   <p:clrMapOvr>
     <a:masterClrMapping/>
   </p:clrMapOvr>
-  <mc:AlternateContent xmlns:mc="http://schemas.openxmlformats.org/markup-compatibility/2006">
-    <mc:Choice xmlns:p14="http://schemas.microsoft.com/office/powerpoint/2010/main" Requires="p14">
+  <mc:AlternateContent xmlns:mc="http://schemas.openxmlformats.org/markup-compatibility/2006" xmlns:p14="http://schemas.microsoft.com/office/powerpoint/2010/main">
+    <mc:Choice Requires="p14">
       <p:transition spd="slow" p14:dur="2000"/>
     </mc:Choice>
-    <mc:Fallback>
+    <mc:Fallback xmlns="">
       <p:transition spd="slow"/>
     </mc:Fallback>
   </mc:AlternateContent>
@@ -16780,7 +17793,7 @@
 </p:sld>
 </file>
 
-<file path=ppt/slides/slide21.xml><?xml version="1.0" encoding="utf-8"?>
+<file path=ppt/slides/slide24.xml><?xml version="1.0" encoding="utf-8"?>
 <p:sld xmlns:a="http://schemas.openxmlformats.org/drawingml/2006/main" xmlns:r="http://schemas.openxmlformats.org/officeDocument/2006/relationships" xmlns:p="http://schemas.openxmlformats.org/presentationml/2006/main" show="0">
   <p:cSld>
     <p:spTree>
@@ -17129,7 +18142,7 @@
           <a:p>
             <a:fld id="{F897EA5C-5595-467C-8911-89E59E67D731}" type="slidenum">
               <a:rPr lang="es-ES" smtClean="0"/>
-              <a:t>21</a:t>
+              <a:t>24</a:t>
             </a:fld>
             <a:endParaRPr lang="es-ES"/>
           </a:p>
@@ -17369,7 +18382,7 @@
 </p:sld>
 </file>
 
-<file path=ppt/slides/slide22.xml><?xml version="1.0" encoding="utf-8"?>
+<file path=ppt/slides/slide25.xml><?xml version="1.0" encoding="utf-8"?>
 <p:sld xmlns:a="http://schemas.openxmlformats.org/drawingml/2006/main" xmlns:r="http://schemas.openxmlformats.org/officeDocument/2006/relationships" xmlns:p="http://schemas.openxmlformats.org/presentationml/2006/main" show="0">
   <p:cSld>
     <p:spTree>
@@ -17585,7 +18598,7 @@
           <a:p>
             <a:fld id="{F897EA5C-5595-467C-8911-89E59E67D731}" type="slidenum">
               <a:rPr lang="es-ES" smtClean="0"/>
-              <a:t>22</a:t>
+              <a:t>25</a:t>
             </a:fld>
             <a:endParaRPr lang="es-ES"/>
           </a:p>
@@ -17619,7 +18632,7 @@
 </p:sld>
 </file>
 
-<file path=ppt/slides/slide23.xml><?xml version="1.0" encoding="utf-8"?>
+<file path=ppt/slides/slide26.xml><?xml version="1.0" encoding="utf-8"?>
 <p:sld xmlns:a="http://schemas.openxmlformats.org/drawingml/2006/main" xmlns:r="http://schemas.openxmlformats.org/officeDocument/2006/relationships" xmlns:p="http://schemas.openxmlformats.org/presentationml/2006/main" show="0">
   <p:cSld>
     <p:spTree>
@@ -17987,7 +19000,7 @@
           <a:p>
             <a:fld id="{F897EA5C-5595-467C-8911-89E59E67D731}" type="slidenum">
               <a:rPr lang="es-ES" smtClean="0"/>
-              <a:t>23</a:t>
+              <a:t>26</a:t>
             </a:fld>
             <a:endParaRPr lang="es-ES"/>
           </a:p>
@@ -18166,7 +19179,7 @@
 </p:sld>
 </file>
 
-<file path=ppt/slides/slide24.xml><?xml version="1.0" encoding="utf-8"?>
+<file path=ppt/slides/slide27.xml><?xml version="1.0" encoding="utf-8"?>
 <p:sld xmlns:a="http://schemas.openxmlformats.org/drawingml/2006/main" xmlns:r="http://schemas.openxmlformats.org/officeDocument/2006/relationships" xmlns:p="http://schemas.openxmlformats.org/presentationml/2006/main" show="0">
   <p:cSld>
     <p:spTree>
@@ -18333,7 +19346,7 @@
           <a:p>
             <a:fld id="{F897EA5C-5595-467C-8911-89E59E67D731}" type="slidenum">
               <a:rPr lang="es-ES" smtClean="0"/>
-              <a:t>24</a:t>
+              <a:t>27</a:t>
             </a:fld>
             <a:endParaRPr lang="es-ES"/>
           </a:p>
@@ -18756,7 +19769,7 @@
 </p:sld>
 </file>
 
-<file path=ppt/slides/slide25.xml><?xml version="1.0" encoding="utf-8"?>
+<file path=ppt/slides/slide28.xml><?xml version="1.0" encoding="utf-8"?>
 <p:sld xmlns:a="http://schemas.openxmlformats.org/drawingml/2006/main" xmlns:r="http://schemas.openxmlformats.org/officeDocument/2006/relationships" xmlns:p="http://schemas.openxmlformats.org/presentationml/2006/main" show="0">
   <p:cSld>
     <p:spTree>
@@ -18873,7 +19886,7 @@
           <a:p>
             <a:fld id="{F897EA5C-5595-467C-8911-89E59E67D731}" type="slidenum">
               <a:rPr lang="es-ES" smtClean="0"/>
-              <a:t>25</a:t>
+              <a:t>28</a:t>
             </a:fld>
             <a:endParaRPr lang="es-ES"/>
           </a:p>
@@ -18955,8 +19968,8 @@
           </a:p>
         </p:txBody>
       </p:sp>
-      <mc:AlternateContent xmlns:mc="http://schemas.openxmlformats.org/markup-compatibility/2006">
-        <mc:Choice xmlns:a14="http://schemas.microsoft.com/office/drawing/2010/main" Requires="a14">
+      <mc:AlternateContent xmlns:mc="http://schemas.openxmlformats.org/markup-compatibility/2006" xmlns:a14="http://schemas.microsoft.com/office/drawing/2010/main">
+        <mc:Choice Requires="a14">
           <p:sp>
             <p:nvSpPr>
               <p:cNvPr id="3" name="Marcador de contenido 2"/>
@@ -18981,11 +19994,7 @@
               <a:p>
                 <a:r>
                   <a:rPr lang="en-US" dirty="0" smtClean="0"/>
-                  <a:t>We nee</a:t>
-                </a:r>
-                <a:r>
-                  <a:rPr lang="en-US" dirty="0" smtClean="0"/>
-                  <a:t>d use </a:t>
+                  <a:t>We need use </a:t>
                 </a:r>
                 <a:r>
                   <a:rPr lang="en-US" dirty="0" err="1" smtClean="0"/>
@@ -19000,11 +20009,7 @@
                 <a:pPr lvl="1"/>
                 <a:r>
                   <a:rPr lang="en-US" dirty="0" err="1" smtClean="0"/>
-                  <a:t>SiPM</a:t>
-                </a:r>
-                <a:r>
-                  <a:rPr lang="en-US" dirty="0" err="1" smtClean="0"/>
-                  <a:t>s</a:t>
+                  <a:t>SiPMs</a:t>
                 </a:r>
                 <a:r>
                   <a:rPr lang="en-US" dirty="0" smtClean="0"/>
@@ -19045,13 +20050,8 @@
               <a:p>
                 <a:r>
                   <a:rPr lang="en-US" dirty="0" smtClean="0"/>
-                  <a:t>But we have found new problems</a:t>
+                  <a:t>But we have found new problems:</a:t>
                 </a:r>
-                <a:r>
-                  <a:rPr lang="en-US" dirty="0" smtClean="0"/>
-                  <a:t>:</a:t>
-                </a:r>
-                <a:endParaRPr lang="en-US" dirty="0" smtClean="0"/>
               </a:p>
               <a:p>
                 <a:pPr lvl="1"/>
@@ -19075,7 +20075,6 @@
                   <a:rPr lang="en-US" dirty="0" smtClean="0"/>
                   <a:t>We have had to develop a method which allow to maintain the constant gain.</a:t>
                 </a:r>
-                <a:endParaRPr lang="en-US" dirty="0" smtClean="0"/>
               </a:p>
               <a:p>
                 <a:endParaRPr lang="es-ES" dirty="0"/>
@@ -19101,7 +20100,7 @@
             </p:txBody>
           </p:sp>
         </mc:Choice>
-        <mc:Fallback>
+        <mc:Fallback xmlns="">
           <p:sp>
             <p:nvSpPr>
               <p:cNvPr id="3" name="Marcador de contenido 2"/>
@@ -19203,11 +20202,6 @@
               </a:rPr>
               <a:t>3</a:t>
             </a:r>
-            <a:endParaRPr lang="es-ES" sz="2000" dirty="0">
-              <a:solidFill>
-                <a:srgbClr val="FF0000"/>
-              </a:solidFill>
-            </a:endParaRPr>
           </a:p>
         </p:txBody>
       </p:sp>
@@ -19668,8 +20662,8 @@
           </a:p>
         </p:txBody>
       </p:sp>
-      <mc:AlternateContent xmlns:mc="http://schemas.openxmlformats.org/markup-compatibility/2006">
-        <mc:Choice xmlns:a14="http://schemas.microsoft.com/office/drawing/2010/main" Requires="a14">
+      <mc:AlternateContent xmlns:mc="http://schemas.openxmlformats.org/markup-compatibility/2006" xmlns:a14="http://schemas.microsoft.com/office/drawing/2010/main">
+        <mc:Choice Requires="a14">
           <p:sp>
             <p:nvSpPr>
               <p:cNvPr id="3" name="Marcador de contenido 2"/>
@@ -19709,11 +20703,7 @@
               <a:p>
                 <a:r>
                   <a:rPr lang="en-US" dirty="0" smtClean="0"/>
-                  <a:t>M</a:t>
-                </a:r>
-                <a:r>
-                  <a:rPr lang="en-US" dirty="0" smtClean="0"/>
-                  <a:t>odel of the </a:t>
+                  <a:t>Model of the </a:t>
                 </a:r>
                 <a:r>
                   <a:rPr lang="en-US" dirty="0" err="1" smtClean="0"/>
@@ -19721,11 +20711,7 @@
                 </a:r>
                 <a:r>
                   <a:rPr lang="en-US" dirty="0" smtClean="0"/>
-                  <a:t> (In this job): </a:t>
-                </a:r>
-                <a:r>
-                  <a:rPr lang="en-US" dirty="0" smtClean="0"/>
-                  <a:t>Hamamatsu Photonics, </a:t>
+                  <a:t> (In this job): Hamamatsu Photonics, </a:t>
                 </a:r>
                 <a14:m>
                   <m:oMath xmlns:m="http://schemas.openxmlformats.org/officeDocument/2006/math">
@@ -19842,19 +20828,7 @@
               <a:p>
                 <a:r>
                   <a:rPr lang="en-US" dirty="0" smtClean="0"/>
-                  <a:t>The f</a:t>
-                </a:r>
-                <a:r>
-                  <a:rPr lang="en-US" dirty="0" smtClean="0"/>
-                  <a:t>inal model wil</a:t>
-                </a:r>
-                <a:r>
-                  <a:rPr lang="en-US" dirty="0" smtClean="0"/>
-                  <a:t>l be</a:t>
-                </a:r>
-                <a:r>
-                  <a:rPr lang="en-US" dirty="0" smtClean="0"/>
-                  <a:t>: </a:t>
+                  <a:t>The final model will be: </a:t>
                 </a:r>
                 <a:r>
                   <a:rPr lang="en-US" dirty="0" err="1" smtClean="0"/>
@@ -19891,7 +20865,7 @@
             </p:txBody>
           </p:sp>
         </mc:Choice>
-        <mc:Fallback>
+        <mc:Fallback xmlns="">
           <p:sp>
             <p:nvSpPr>
               <p:cNvPr id="3" name="Marcador de contenido 2"/>
@@ -20053,11 +21027,6 @@
               </a:rPr>
               <a:t>4</a:t>
             </a:r>
-            <a:endParaRPr lang="es-ES" sz="2000" dirty="0">
-              <a:solidFill>
-                <a:srgbClr val="FF0000"/>
-              </a:solidFill>
-            </a:endParaRPr>
           </a:p>
         </p:txBody>
       </p:sp>
@@ -21186,8 +22155,8 @@
           </a:p>
         </p:txBody>
       </p:sp>
-      <mc:AlternateContent xmlns:mc="http://schemas.openxmlformats.org/markup-compatibility/2006">
-        <mc:Choice xmlns:a14="http://schemas.microsoft.com/office/drawing/2010/main" Requires="a14">
+      <mc:AlternateContent xmlns:mc="http://schemas.openxmlformats.org/markup-compatibility/2006" xmlns:a14="http://schemas.microsoft.com/office/drawing/2010/main">
+        <mc:Choice Requires="a14">
           <p:sp>
             <p:nvSpPr>
               <p:cNvPr id="3" name="Marcador de contenido 2"/>
@@ -21222,11 +22191,7 @@
                 <a:pPr lvl="1"/>
                 <a:r>
                   <a:rPr lang="en-US" sz="2000" dirty="0" smtClean="0"/>
-                  <a:t>Control system of the temperature </a:t>
-                </a:r>
-                <a:r>
-                  <a:rPr lang="en-US" sz="2000" dirty="0" smtClean="0"/>
-                  <a:t>(DYCOMETAL, CCM 81)</a:t>
+                  <a:t>Control system of the temperature (DYCOMETAL, CCM 81)</a:t>
                 </a:r>
               </a:p>
               <a:p>
@@ -21243,7 +22208,6 @@
                   <a:rPr lang="en-US" sz="2000" dirty="0" smtClean="0"/>
                   <a:t>Faraday cage.</a:t>
                 </a:r>
-                <a:endParaRPr lang="en-US" sz="2000" dirty="0" smtClean="0"/>
               </a:p>
               <a:p>
                 <a:pPr lvl="1"/>
@@ -21251,7 +22215,6 @@
                   <a:rPr lang="en-US" sz="2000" dirty="0" smtClean="0"/>
                   <a:t>Voltage generator:</a:t>
                 </a:r>
-                <a:endParaRPr lang="en-US" sz="2000" dirty="0" smtClean="0"/>
               </a:p>
               <a:p>
                 <a:pPr lvl="2"/>
@@ -21433,7 +22396,6 @@
                   <a:rPr lang="en-US" sz="2000" dirty="0" smtClean="0"/>
                   <a:t>Pulse generator</a:t>
                 </a:r>
-                <a:endParaRPr lang="en-US" sz="2000" dirty="0" smtClean="0"/>
               </a:p>
               <a:p>
                 <a:pPr lvl="1"/>
@@ -21660,7 +22622,7 @@
             </p:txBody>
           </p:sp>
         </mc:Choice>
-        <mc:Fallback>
+        <mc:Fallback xmlns="">
           <p:sp>
             <p:nvSpPr>
               <p:cNvPr id="3" name="Marcador de contenido 2"/>
@@ -21870,11 +22832,11 @@
   <p:clrMapOvr>
     <a:masterClrMapping/>
   </p:clrMapOvr>
-  <mc:AlternateContent xmlns:mc="http://schemas.openxmlformats.org/markup-compatibility/2006">
-    <mc:Choice xmlns:p14="http://schemas.microsoft.com/office/powerpoint/2010/main" Requires="p14">
+  <mc:AlternateContent xmlns:mc="http://schemas.openxmlformats.org/markup-compatibility/2006" xmlns:p14="http://schemas.microsoft.com/office/powerpoint/2010/main">
+    <mc:Choice Requires="p14">
       <p:transition spd="slow" p14:dur="2000"/>
     </mc:Choice>
-    <mc:Fallback>
+    <mc:Fallback xmlns="">
       <p:transition spd="slow"/>
     </mc:Fallback>
   </mc:AlternateContent>
@@ -22846,8 +23808,8 @@
           </a:p>
         </p:txBody>
       </p:sp>
-      <mc:AlternateContent xmlns:mc="http://schemas.openxmlformats.org/markup-compatibility/2006">
-        <mc:Choice xmlns:a14="http://schemas.microsoft.com/office/drawing/2010/main" Requires="a14">
+      <mc:AlternateContent xmlns:mc="http://schemas.openxmlformats.org/markup-compatibility/2006" xmlns:a14="http://schemas.microsoft.com/office/drawing/2010/main">
+        <mc:Choice Requires="a14">
           <p:sp>
             <p:nvSpPr>
               <p:cNvPr id="3" name="Marcador de contenido 2"/>
@@ -22896,11 +23858,7 @@
                 </a:r>
                 <a:r>
                   <a:rPr lang="es-ES" sz="2000" dirty="0" smtClean="0"/>
-                  <a:t> (T=25ºC</a:t>
-                </a:r>
-                <a:r>
-                  <a:rPr lang="es-ES" sz="2000" dirty="0" smtClean="0"/>
-                  <a:t>, H=60%, </a:t>
+                  <a:t> (T=25ºC, H=60%, </a:t>
                 </a:r>
                 <a14:m>
                   <m:oMath xmlns:m="http://schemas.openxmlformats.org/officeDocument/2006/math">
@@ -23031,7 +23989,6 @@
                   <a:rPr lang="es-ES" sz="2000" dirty="0" smtClean="0"/>
                   <a:t>:</a:t>
                 </a:r>
-                <a:endParaRPr lang="es-ES" sz="2000" dirty="0" smtClean="0"/>
               </a:p>
               <a:p>
                 <a:pPr marL="0" indent="0">
@@ -23238,7 +24195,7 @@
             </p:txBody>
           </p:sp>
         </mc:Choice>
-        <mc:Fallback>
+        <mc:Fallback xmlns="">
           <p:sp>
             <p:nvSpPr>
               <p:cNvPr id="3" name="Marcador de contenido 2"/>
@@ -23840,8 +24797,8 @@
           </a:p>
         </p:txBody>
       </p:sp>
-      <mc:AlternateContent xmlns:mc="http://schemas.openxmlformats.org/markup-compatibility/2006">
-        <mc:Choice xmlns:a14="http://schemas.microsoft.com/office/drawing/2010/main" Requires="a14">
+      <mc:AlternateContent xmlns:mc="http://schemas.openxmlformats.org/markup-compatibility/2006" xmlns:a14="http://schemas.microsoft.com/office/drawing/2010/main">
+        <mc:Choice Requires="a14">
           <p:sp>
             <p:nvSpPr>
               <p:cNvPr id="3" name="Marcador de contenido 2"/>
@@ -23868,7 +24825,6 @@
                   <a:rPr lang="en-US" sz="2000" dirty="0" smtClean="0"/>
                   <a:t>Out signal of the system:</a:t>
                 </a:r>
-                <a:endParaRPr lang="en-US" sz="2000" dirty="0" smtClean="0"/>
               </a:p>
               <a:p>
                 <a:endParaRPr lang="en-US" sz="2000" dirty="0"/>
@@ -23932,7 +24888,7 @@
             </p:txBody>
           </p:sp>
         </mc:Choice>
-        <mc:Fallback>
+        <mc:Fallback xmlns="">
           <p:sp>
             <p:nvSpPr>
               <p:cNvPr id="3" name="Marcador de contenido 2"/>

--- a/Burdeos/presentación1.pptx
+++ b/Burdeos/presentación1.pptx
@@ -5,7 +5,7 @@
     <p:sldMasterId id="2147483689" r:id="rId1"/>
   </p:sldMasterIdLst>
   <p:notesMasterIdLst>
-    <p:notesMasterId r:id="rId30"/>
+    <p:notesMasterId r:id="rId28"/>
   </p:notesMasterIdLst>
   <p:sldIdLst>
     <p:sldId id="256" r:id="rId2"/>
@@ -17,25 +17,23 @@
     <p:sldId id="277" r:id="rId8"/>
     <p:sldId id="279" r:id="rId9"/>
     <p:sldId id="348" r:id="rId10"/>
-    <p:sldId id="283" r:id="rId11"/>
-    <p:sldId id="349" r:id="rId12"/>
-    <p:sldId id="284" r:id="rId13"/>
-    <p:sldId id="285" r:id="rId14"/>
-    <p:sldId id="289" r:id="rId15"/>
-    <p:sldId id="291" r:id="rId16"/>
-    <p:sldId id="293" r:id="rId17"/>
-    <p:sldId id="296" r:id="rId18"/>
-    <p:sldId id="364" r:id="rId19"/>
-    <p:sldId id="365" r:id="rId20"/>
-    <p:sldId id="366" r:id="rId21"/>
-    <p:sldId id="342" r:id="rId22"/>
-    <p:sldId id="337" r:id="rId23"/>
-    <p:sldId id="351" r:id="rId24"/>
-    <p:sldId id="338" r:id="rId25"/>
-    <p:sldId id="339" r:id="rId26"/>
-    <p:sldId id="340" r:id="rId27"/>
-    <p:sldId id="341" r:id="rId28"/>
-    <p:sldId id="360" r:id="rId29"/>
+    <p:sldId id="349" r:id="rId11"/>
+    <p:sldId id="284" r:id="rId12"/>
+    <p:sldId id="285" r:id="rId13"/>
+    <p:sldId id="289" r:id="rId14"/>
+    <p:sldId id="291" r:id="rId15"/>
+    <p:sldId id="293" r:id="rId16"/>
+    <p:sldId id="296" r:id="rId17"/>
+    <p:sldId id="364" r:id="rId18"/>
+    <p:sldId id="365" r:id="rId19"/>
+    <p:sldId id="366" r:id="rId20"/>
+    <p:sldId id="342" r:id="rId21"/>
+    <p:sldId id="337" r:id="rId22"/>
+    <p:sldId id="351" r:id="rId23"/>
+    <p:sldId id="338" r:id="rId24"/>
+    <p:sldId id="340" r:id="rId25"/>
+    <p:sldId id="341" r:id="rId26"/>
+    <p:sldId id="360" r:id="rId27"/>
   </p:sldIdLst>
   <p:sldSz cx="9144000" cy="6858000" type="screen4x3"/>
   <p:notesSz cx="6858000" cy="9144000"/>
@@ -261,7 +259,7 @@
           <a:p>
             <a:fld id="{3CCA3A62-AF02-4C91-A0AB-FD249BAC753A}" type="datetimeFigureOut">
               <a:rPr lang="es-ES" smtClean="0"/>
-              <a:t>23/09/2017</a:t>
+              <a:t>24/09/2017</a:t>
             </a:fld>
             <a:endParaRPr lang="es-ES"/>
           </a:p>
@@ -594,7 +592,7 @@
           <a:p>
             <a:fld id="{69116D93-7B06-4B9A-935B-684CF695FB42}" type="slidenum">
               <a:rPr lang="es-ES" smtClean="0"/>
-              <a:t>22</a:t>
+              <a:t>21</a:t>
             </a:fld>
             <a:endParaRPr lang="es-ES"/>
           </a:p>
@@ -1408,7 +1406,7 @@
           <a:p>
             <a:fld id="{7D1569E6-12FB-47CF-B624-C4476DFBB945}" type="datetime1">
               <a:rPr lang="es-ES" smtClean="0"/>
-              <a:t>23/09/2017</a:t>
+              <a:t>24/09/2017</a:t>
             </a:fld>
             <a:endParaRPr lang="es-ES"/>
           </a:p>
@@ -1663,7 +1661,7 @@
           <a:p>
             <a:fld id="{D91B2A1C-5AD3-412E-99B9-AA3FB091008E}" type="datetime1">
               <a:rPr lang="es-ES" smtClean="0"/>
-              <a:t>23/09/2017</a:t>
+              <a:t>24/09/2017</a:t>
             </a:fld>
             <a:endParaRPr lang="es-ES"/>
           </a:p>
@@ -1981,7 +1979,7 @@
           <a:p>
             <a:fld id="{19E953BC-2C57-4025-B7D6-BC7B9D61A65B}" type="datetime1">
               <a:rPr lang="es-ES" smtClean="0"/>
-              <a:t>23/09/2017</a:t>
+              <a:t>24/09/2017</a:t>
             </a:fld>
             <a:endParaRPr lang="es-ES"/>
           </a:p>
@@ -2318,7 +2316,7 @@
           <a:p>
             <a:fld id="{C0F73854-6B26-48D7-A34D-3C31506A1958}" type="datetime1">
               <a:rPr lang="es-ES" smtClean="0"/>
-              <a:t>23/09/2017</a:t>
+              <a:t>24/09/2017</a:t>
             </a:fld>
             <a:endParaRPr lang="es-ES"/>
           </a:p>
@@ -2636,7 +2634,7 @@
           <a:p>
             <a:fld id="{7ACBBFB8-66E4-4E3A-964F-8291A5E8FD4F}" type="datetime1">
               <a:rPr lang="es-ES" smtClean="0"/>
-              <a:t>23/09/2017</a:t>
+              <a:t>24/09/2017</a:t>
             </a:fld>
             <a:endParaRPr lang="es-ES"/>
           </a:p>
@@ -3033,7 +3031,7 @@
           <a:p>
             <a:fld id="{4E4973EE-E19E-4BB9-8627-D07095A3F8B8}" type="datetime1">
               <a:rPr lang="es-ES" smtClean="0"/>
-              <a:t>23/09/2017</a:t>
+              <a:t>24/09/2017</a:t>
             </a:fld>
             <a:endParaRPr lang="es-ES"/>
           </a:p>
@@ -3207,7 +3205,7 @@
           <a:p>
             <a:fld id="{50A259D3-527B-4DFB-BB44-AE5F1183D494}" type="datetime1">
               <a:rPr lang="es-ES" smtClean="0"/>
-              <a:t>23/09/2017</a:t>
+              <a:t>24/09/2017</a:t>
             </a:fld>
             <a:endParaRPr lang="es-ES"/>
           </a:p>
@@ -3391,7 +3389,7 @@
           <a:p>
             <a:fld id="{58A9F396-2C36-4719-A680-B94F9B6D6B94}" type="datetime1">
               <a:rPr lang="es-ES" smtClean="0"/>
-              <a:t>23/09/2017</a:t>
+              <a:t>24/09/2017</a:t>
             </a:fld>
             <a:endParaRPr lang="es-ES"/>
           </a:p>
@@ -3571,7 +3569,7 @@
           <a:p>
             <a:fld id="{8A8762EF-8268-448A-9801-F1529112F5C8}" type="datetime1">
               <a:rPr lang="es-ES" smtClean="0"/>
-              <a:t>23/09/2017</a:t>
+              <a:t>24/09/2017</a:t>
             </a:fld>
             <a:endParaRPr lang="es-ES"/>
           </a:p>
@@ -3822,7 +3820,7 @@
           <a:p>
             <a:fld id="{359C7F4A-1225-4C83-B04B-714278AC3CC4}" type="datetime1">
               <a:rPr lang="es-ES" smtClean="0"/>
-              <a:t>23/09/2017</a:t>
+              <a:t>24/09/2017</a:t>
             </a:fld>
             <a:endParaRPr lang="es-ES"/>
           </a:p>
@@ -4123,7 +4121,7 @@
           <a:p>
             <a:fld id="{5A0002B5-A71F-4D6B-93F0-2350C18F18CC}" type="datetime1">
               <a:rPr lang="es-ES" smtClean="0"/>
-              <a:t>23/09/2017</a:t>
+              <a:t>24/09/2017</a:t>
             </a:fld>
             <a:endParaRPr lang="es-ES"/>
           </a:p>
@@ -4506,7 +4504,7 @@
           <a:p>
             <a:fld id="{CFF2F460-582E-4E40-B6A8-8700DCF74AB1}" type="datetime1">
               <a:rPr lang="es-ES" smtClean="0"/>
-              <a:t>23/09/2017</a:t>
+              <a:t>24/09/2017</a:t>
             </a:fld>
             <a:endParaRPr lang="es-ES"/>
           </a:p>
@@ -4633,7 +4631,7 @@
           <a:p>
             <a:fld id="{068DE315-C778-4C54-B55F-BE00E2EF2818}" type="datetime1">
               <a:rPr lang="es-ES" smtClean="0"/>
-              <a:t>23/09/2017</a:t>
+              <a:t>24/09/2017</a:t>
             </a:fld>
             <a:endParaRPr lang="es-ES"/>
           </a:p>
@@ -4732,7 +4730,7 @@
           <a:p>
             <a:fld id="{968876FA-D5F0-41DB-9C99-CBD465177766}" type="datetime1">
               <a:rPr lang="es-ES" smtClean="0"/>
-              <a:t>23/09/2017</a:t>
+              <a:t>24/09/2017</a:t>
             </a:fld>
             <a:endParaRPr lang="es-ES"/>
           </a:p>
@@ -4991,7 +4989,7 @@
           <a:p>
             <a:fld id="{D61BDB96-2FE2-438F-8476-A34E7A3F489C}" type="datetime1">
               <a:rPr lang="es-ES" smtClean="0"/>
-              <a:t>23/09/2017</a:t>
+              <a:t>24/09/2017</a:t>
             </a:fld>
             <a:endParaRPr lang="es-ES"/>
           </a:p>
@@ -5258,7 +5256,7 @@
           <a:p>
             <a:fld id="{2C3A7930-17A1-4384-9927-2AD440394734}" type="datetime1">
               <a:rPr lang="es-ES" smtClean="0"/>
-              <a:t>23/09/2017</a:t>
+              <a:t>24/09/2017</a:t>
             </a:fld>
             <a:endParaRPr lang="es-ES"/>
           </a:p>
@@ -6077,7 +6075,7 @@
           <a:p>
             <a:fld id="{9987A604-2D62-4679-9E5F-770BB76C4FF0}" type="datetime1">
               <a:rPr lang="es-ES" smtClean="0"/>
-              <a:t>23/09/2017</a:t>
+              <a:t>24/09/2017</a:t>
             </a:fld>
             <a:endParaRPr lang="es-ES"/>
           </a:p>
@@ -7029,559 +7027,6 @@
 </file>
 
 <file path=ppt/slides/slide10.xml><?xml version="1.0" encoding="utf-8"?>
-<p:sld xmlns:a="http://schemas.openxmlformats.org/drawingml/2006/main" xmlns:r="http://schemas.openxmlformats.org/officeDocument/2006/relationships" xmlns:p="http://schemas.openxmlformats.org/presentationml/2006/main" show="0">
-  <p:cSld>
-    <p:spTree>
-      <p:nvGrpSpPr>
-        <p:cNvPr id="1" name=""/>
-        <p:cNvGrpSpPr/>
-        <p:nvPr/>
-      </p:nvGrpSpPr>
-      <p:grpSpPr>
-        <a:xfrm>
-          <a:off x="0" y="0"/>
-          <a:ext cx="0" cy="0"/>
-          <a:chOff x="0" y="0"/>
-          <a:chExt cx="0" cy="0"/>
-        </a:xfrm>
-      </p:grpSpPr>
-      <p:sp>
-        <p:nvSpPr>
-          <p:cNvPr id="2" name="Título 1"/>
-          <p:cNvSpPr>
-            <a:spLocks noGrp="1"/>
-          </p:cNvSpPr>
-          <p:nvPr>
-            <p:ph type="title"/>
-          </p:nvPr>
-        </p:nvSpPr>
-        <p:spPr/>
-        <p:txBody>
-          <a:bodyPr/>
-          <a:lstStyle/>
-          <a:p>
-            <a:r>
-              <a:rPr lang="es-ES" dirty="0" smtClean="0">
-                <a:solidFill>
-                  <a:schemeClr val="accent2"/>
-                </a:solidFill>
-              </a:rPr>
-              <a:t>Resultados </a:t>
-            </a:r>
-            <a:endParaRPr lang="es-ES" dirty="0">
-              <a:solidFill>
-                <a:schemeClr val="accent2"/>
-              </a:solidFill>
-            </a:endParaRPr>
-          </a:p>
-        </p:txBody>
-      </p:sp>
-      <mc:AlternateContent xmlns:mc="http://schemas.openxmlformats.org/markup-compatibility/2006" xmlns:a14="http://schemas.microsoft.com/office/drawing/2010/main">
-        <mc:Choice Requires="a14">
-          <p:sp>
-            <p:nvSpPr>
-              <p:cNvPr id="3" name="Marcador de contenido 2"/>
-              <p:cNvSpPr>
-                <a:spLocks noGrp="1"/>
-              </p:cNvSpPr>
-              <p:nvPr>
-                <p:ph idx="1"/>
-              </p:nvPr>
-            </p:nvSpPr>
-            <p:spPr>
-              <a:xfrm>
-                <a:off x="301752" y="1527048"/>
-                <a:ext cx="8503920" cy="4926288"/>
-              </a:xfrm>
-            </p:spPr>
-            <p:txBody>
-              <a:bodyPr>
-                <a:normAutofit lnSpcReduction="10000"/>
-              </a:bodyPr>
-              <a:lstStyle/>
-              <a:p>
-                <a:r>
-                  <a:rPr lang="es-ES" dirty="0" smtClean="0"/>
-                  <a:t>Calculo de la ganancia:</a:t>
-                </a:r>
-              </a:p>
-              <a:p>
-                <a:pPr lvl="1"/>
-                <a:r>
-                  <a:rPr lang="es-ES" dirty="0" smtClean="0"/>
-                  <a:t>Método 2:</a:t>
-                </a:r>
-              </a:p>
-              <a:p>
-                <a:pPr marL="274320" lvl="1" indent="0">
-                  <a:buNone/>
-                </a:pPr>
-                <a14:m>
-                  <m:oMathPara xmlns:m="http://schemas.openxmlformats.org/officeDocument/2006/math">
-                    <m:oMathParaPr>
-                      <m:jc m:val="centerGroup"/>
-                    </m:oMathParaPr>
-                    <m:oMath xmlns:m="http://schemas.openxmlformats.org/officeDocument/2006/math">
-                      <m:r>
-                        <a:rPr lang="es-ES" b="0" i="1" smtClean="0">
-                          <a:latin typeface="Cambria Math" panose="02040503050406030204" pitchFamily="18" charset="0"/>
-                        </a:rPr>
-                        <m:t>𝐶𝑒𝑛𝑡𝑟𝑜</m:t>
-                      </m:r>
-                      <m:r>
-                        <a:rPr lang="es-ES" b="0" i="1" smtClean="0">
-                          <a:latin typeface="Cambria Math" panose="02040503050406030204" pitchFamily="18" charset="0"/>
-                        </a:rPr>
-                        <m:t> </m:t>
-                      </m:r>
-                      <m:r>
-                        <a:rPr lang="es-ES" b="0" i="1" smtClean="0">
-                          <a:latin typeface="Cambria Math" panose="02040503050406030204" pitchFamily="18" charset="0"/>
-                        </a:rPr>
-                        <m:t>𝑝𝑖𝑐𝑜</m:t>
-                      </m:r>
-                      <m:d>
-                        <m:dPr>
-                          <m:ctrlPr>
-                            <a:rPr lang="es-ES" b="0" i="1" smtClean="0">
-                              <a:latin typeface="Cambria Math" panose="02040503050406030204" pitchFamily="18" charset="0"/>
-                            </a:rPr>
-                          </m:ctrlPr>
-                        </m:dPr>
-                        <m:e>
-                          <m:r>
-                            <a:rPr lang="es-ES" b="0" i="1" smtClean="0">
-                              <a:latin typeface="Cambria Math" panose="02040503050406030204" pitchFamily="18" charset="0"/>
-                            </a:rPr>
-                            <m:t>𝑉</m:t>
-                          </m:r>
-                        </m:e>
-                      </m:d>
-                      <m:r>
-                        <a:rPr lang="es-ES" b="0" i="1" smtClean="0">
-                          <a:latin typeface="Cambria Math" panose="02040503050406030204" pitchFamily="18" charset="0"/>
-                        </a:rPr>
-                        <m:t>=</m:t>
-                      </m:r>
-                      <m:r>
-                        <a:rPr lang="es-ES" b="0" i="1" smtClean="0">
-                          <a:latin typeface="Cambria Math" panose="02040503050406030204" pitchFamily="18" charset="0"/>
-                        </a:rPr>
-                        <m:t>𝐺𝑒𝑅</m:t>
-                      </m:r>
-                      <m:sSub>
-                        <m:sSubPr>
-                          <m:ctrlPr>
-                            <a:rPr lang="es-ES" b="0" i="1" smtClean="0">
-                              <a:latin typeface="Cambria Math" panose="02040503050406030204" pitchFamily="18" charset="0"/>
-                            </a:rPr>
-                          </m:ctrlPr>
-                        </m:sSubPr>
-                        <m:e>
-                          <m:r>
-                            <a:rPr lang="es-ES" b="0" i="1" smtClean="0">
-                              <a:latin typeface="Cambria Math" panose="02040503050406030204" pitchFamily="18" charset="0"/>
-                            </a:rPr>
-                            <m:t>𝑁</m:t>
-                          </m:r>
-                        </m:e>
-                        <m:sub>
-                          <m:r>
-                            <a:rPr lang="es-ES" b="0" i="1" smtClean="0">
-                              <a:latin typeface="Cambria Math" panose="02040503050406030204" pitchFamily="18" charset="0"/>
-                            </a:rPr>
-                            <m:t>𝛾</m:t>
-                          </m:r>
-                        </m:sub>
-                      </m:sSub>
-                      <m:r>
-                        <a:rPr lang="es-ES" b="0" i="1" smtClean="0">
-                          <a:latin typeface="Cambria Math" panose="02040503050406030204" pitchFamily="18" charset="0"/>
-                        </a:rPr>
-                        <m:t>+</m:t>
-                      </m:r>
-                      <m:sSub>
-                        <m:sSubPr>
-                          <m:ctrlPr>
-                            <a:rPr lang="es-ES" b="0" i="1" smtClean="0">
-                              <a:latin typeface="Cambria Math" panose="02040503050406030204" pitchFamily="18" charset="0"/>
-                            </a:rPr>
-                          </m:ctrlPr>
-                        </m:sSubPr>
-                        <m:e>
-                          <m:r>
-                            <a:rPr lang="es-ES" b="0" i="1" smtClean="0">
-                              <a:latin typeface="Cambria Math" panose="02040503050406030204" pitchFamily="18" charset="0"/>
-                            </a:rPr>
-                            <m:t>𝑘</m:t>
-                          </m:r>
-                        </m:e>
-                        <m:sub>
-                          <m:r>
-                            <a:rPr lang="es-ES" b="0" i="1" smtClean="0">
-                              <a:latin typeface="Cambria Math" panose="02040503050406030204" pitchFamily="18" charset="0"/>
-                            </a:rPr>
-                            <m:t>0</m:t>
-                          </m:r>
-                        </m:sub>
-                      </m:sSub>
-                    </m:oMath>
-                  </m:oMathPara>
-                </a14:m>
-                <a:endParaRPr lang="es-ES" b="0" dirty="0" smtClean="0"/>
-              </a:p>
-              <a:p>
-                <a:pPr marL="274320" lvl="1" indent="0">
-                  <a:buNone/>
-                </a:pPr>
-                <a:endParaRPr lang="es-ES" dirty="0" smtClean="0"/>
-              </a:p>
-              <a:p>
-                <a:pPr marL="274320" lvl="1" indent="0">
-                  <a:buNone/>
-                </a:pPr>
-                <a:endParaRPr lang="es-ES" b="0" dirty="0" smtClean="0"/>
-              </a:p>
-              <a:p>
-                <a:pPr marL="274320" lvl="1" indent="0">
-                  <a:buNone/>
-                </a:pPr>
-                <a:endParaRPr lang="es-ES" dirty="0"/>
-              </a:p>
-              <a:p>
-                <a:pPr marL="274320" lvl="1" indent="0">
-                  <a:buNone/>
-                </a:pPr>
-                <a:endParaRPr lang="es-ES" b="0" dirty="0" smtClean="0"/>
-              </a:p>
-              <a:p>
-                <a:pPr marL="274320" lvl="1" indent="0">
-                  <a:buNone/>
-                </a:pPr>
-                <a:endParaRPr lang="es-ES" dirty="0"/>
-              </a:p>
-              <a:p>
-                <a:pPr marL="274320" lvl="1" indent="0">
-                  <a:buNone/>
-                </a:pPr>
-                <a:endParaRPr lang="es-ES" b="0" dirty="0" smtClean="0"/>
-              </a:p>
-              <a:p>
-                <a:pPr marL="274320" lvl="1" indent="0">
-                  <a:buNone/>
-                </a:pPr>
-                <a:endParaRPr lang="es-ES" dirty="0"/>
-              </a:p>
-              <a:p>
-                <a:pPr marL="274320" lvl="1" indent="0">
-                  <a:buNone/>
-                </a:pPr>
-                <a:endParaRPr lang="es-ES" b="0" dirty="0" smtClean="0"/>
-              </a:p>
-              <a:p>
-                <a:pPr marL="274320" lvl="1" indent="0">
-                  <a:buNone/>
-                </a:pPr>
-                <a:endParaRPr lang="es-ES" dirty="0"/>
-              </a:p>
-              <a:p>
-                <a:pPr marL="274320" lvl="1" indent="0">
-                  <a:buNone/>
-                </a:pPr>
-                <a:endParaRPr lang="es-ES" b="0" dirty="0" smtClean="0"/>
-              </a:p>
-              <a:p>
-                <a:pPr marL="274320" lvl="1" indent="0" algn="ctr">
-                  <a:buNone/>
-                </a:pPr>
-                <a:r>
-                  <a:rPr lang="es-ES" dirty="0" smtClean="0"/>
-                  <a:t>Incluye errores </a:t>
-                </a:r>
-                <a14:m>
-                  <m:oMath xmlns:m="http://schemas.openxmlformats.org/officeDocument/2006/math">
-                    <m:r>
-                      <a:rPr lang="es-ES" b="0" i="1" smtClean="0">
-                        <a:latin typeface="Cambria Math" panose="02040503050406030204" pitchFamily="18" charset="0"/>
-                      </a:rPr>
-                      <m:t>→</m:t>
-                    </m:r>
-                  </m:oMath>
-                </a14:m>
-                <a:r>
-                  <a:rPr lang="es-ES" dirty="0" smtClean="0"/>
-                  <a:t> No apreciables</a:t>
-                </a:r>
-                <a:endParaRPr lang="es-ES" dirty="0"/>
-              </a:p>
-              <a:p>
-                <a:pPr marL="274320" lvl="1" indent="0">
-                  <a:buNone/>
-                </a:pPr>
-                <a:endParaRPr lang="es-ES" b="0" dirty="0" smtClean="0"/>
-              </a:p>
-              <a:p>
-                <a:pPr marL="274320" lvl="1" indent="0">
-                  <a:buNone/>
-                </a:pPr>
-                <a:endParaRPr lang="es-ES" dirty="0"/>
-              </a:p>
-            </p:txBody>
-          </p:sp>
-        </mc:Choice>
-        <mc:Fallback xmlns="">
-          <p:sp>
-            <p:nvSpPr>
-              <p:cNvPr id="3" name="Marcador de contenido 2"/>
-              <p:cNvSpPr>
-                <a:spLocks noGrp="1" noRot="1" noChangeAspect="1" noMove="1" noResize="1" noEditPoints="1" noAdjustHandles="1" noChangeArrowheads="1" noChangeShapeType="1" noTextEdit="1"/>
-              </p:cNvSpPr>
-              <p:nvPr>
-                <p:ph idx="1"/>
-              </p:nvPr>
-            </p:nvSpPr>
-            <p:spPr>
-              <a:xfrm>
-                <a:off x="301752" y="1527048"/>
-                <a:ext cx="8503920" cy="4926288"/>
-              </a:xfrm>
-              <a:blipFill rotWithShape="0">
-                <a:blip r:embed="rId2"/>
-                <a:stretch>
-                  <a:fillRect l="-215" t="-1361"/>
-                </a:stretch>
-              </a:blipFill>
-            </p:spPr>
-            <p:txBody>
-              <a:bodyPr/>
-              <a:lstStyle/>
-              <a:p>
-                <a:r>
-                  <a:rPr lang="es-ES">
-                    <a:noFill/>
-                  </a:rPr>
-                  <a:t> </a:t>
-                </a:r>
-              </a:p>
-            </p:txBody>
-          </p:sp>
-        </mc:Fallback>
-      </mc:AlternateContent>
-      <p:pic>
-        <p:nvPicPr>
-          <p:cNvPr id="4" name="Imagen 3"/>
-          <p:cNvPicPr>
-            <a:picLocks noChangeAspect="1"/>
-          </p:cNvPicPr>
-          <p:nvPr/>
-        </p:nvPicPr>
-        <p:blipFill>
-          <a:blip r:embed="rId3">
-            <a:extLst>
-              <a:ext uri="{28A0092B-C50C-407E-A947-70E740481C1C}">
-                <a14:useLocalDpi xmlns:a14="http://schemas.microsoft.com/office/drawing/2010/main" val="0"/>
-              </a:ext>
-            </a:extLst>
-          </a:blip>
-          <a:stretch>
-            <a:fillRect/>
-          </a:stretch>
-        </p:blipFill>
-        <p:spPr>
-          <a:xfrm>
-            <a:off x="107504" y="2654981"/>
-            <a:ext cx="7992888" cy="3240360"/>
-          </a:xfrm>
-          <a:prstGeom prst="rect">
-            <a:avLst/>
-          </a:prstGeom>
-        </p:spPr>
-      </p:pic>
-      <p:sp>
-        <p:nvSpPr>
-          <p:cNvPr id="7" name="Marcador de pie de página 3"/>
-          <p:cNvSpPr>
-            <a:spLocks noGrp="1"/>
-          </p:cNvSpPr>
-          <p:nvPr>
-            <p:ph type="ftr" sz="quarter" idx="11"/>
-          </p:nvPr>
-        </p:nvSpPr>
-        <p:spPr>
-          <a:xfrm>
-            <a:off x="609599" y="6473163"/>
-            <a:ext cx="4622973" cy="365125"/>
-          </a:xfrm>
-        </p:spPr>
-        <p:txBody>
-          <a:bodyPr/>
-          <a:lstStyle/>
-          <a:p>
-            <a:r>
-              <a:rPr lang="es-ES" sz="1000" dirty="0" smtClean="0"/>
-              <a:t>Marcos </a:t>
-            </a:r>
-            <a:r>
-              <a:rPr lang="es-ES" sz="1000" dirty="0" err="1" smtClean="0"/>
-              <a:t>Martinez</a:t>
-            </a:r>
-            <a:r>
-              <a:rPr lang="es-ES" sz="1000" dirty="0" smtClean="0"/>
-              <a:t> Roig </a:t>
-            </a:r>
-            <a:endParaRPr lang="es-ES" sz="1000" dirty="0"/>
-          </a:p>
-        </p:txBody>
-      </p:sp>
-      <p:sp>
-        <p:nvSpPr>
-          <p:cNvPr id="8" name="Marcador de número de diapositiva 4"/>
-          <p:cNvSpPr>
-            <a:spLocks noGrp="1"/>
-          </p:cNvSpPr>
-          <p:nvPr>
-            <p:ph type="sldNum" sz="quarter" idx="12"/>
-          </p:nvPr>
-        </p:nvSpPr>
-        <p:spPr>
-          <a:xfrm>
-            <a:off x="7452320" y="6482026"/>
-            <a:ext cx="512638" cy="365125"/>
-          </a:xfrm>
-        </p:spPr>
-        <p:txBody>
-          <a:bodyPr/>
-          <a:lstStyle/>
-          <a:p>
-            <a:r>
-              <a:rPr lang="es-ES" sz="2000" dirty="0" smtClean="0">
-                <a:solidFill>
-                  <a:srgbClr val="FF0000"/>
-                </a:solidFill>
-              </a:rPr>
-              <a:t>19</a:t>
-            </a:r>
-            <a:endParaRPr lang="es-ES" sz="2000" dirty="0">
-              <a:solidFill>
-                <a:srgbClr val="FF0000"/>
-              </a:solidFill>
-            </a:endParaRPr>
-          </a:p>
-        </p:txBody>
-      </p:sp>
-    </p:spTree>
-    <p:extLst>
-      <p:ext uri="{BB962C8B-B14F-4D97-AF65-F5344CB8AC3E}">
-        <p14:creationId xmlns:p14="http://schemas.microsoft.com/office/powerpoint/2010/main" val="80123936"/>
-      </p:ext>
-    </p:extLst>
-  </p:cSld>
-  <p:clrMapOvr>
-    <a:masterClrMapping/>
-  </p:clrMapOvr>
-  <mc:AlternateContent xmlns:mc="http://schemas.openxmlformats.org/markup-compatibility/2006" xmlns:p14="http://schemas.microsoft.com/office/powerpoint/2010/main">
-    <mc:Choice Requires="p14">
-      <p:transition spd="slow" p14:dur="2000"/>
-    </mc:Choice>
-    <mc:Fallback xmlns="">
-      <p:transition spd="slow"/>
-    </mc:Fallback>
-  </mc:AlternateContent>
-  <p:timing>
-    <p:tnLst>
-      <p:par>
-        <p:cTn id="1" dur="indefinite" restart="never" nodeType="tmRoot">
-          <p:childTnLst>
-            <p:seq concurrent="1" nextAc="seek">
-              <p:cTn id="2" dur="indefinite" nodeType="mainSeq">
-                <p:childTnLst>
-                  <p:par>
-                    <p:cTn id="3" fill="hold">
-                      <p:stCondLst>
-                        <p:cond delay="indefinite"/>
-                      </p:stCondLst>
-                      <p:childTnLst>
-                        <p:par>
-                          <p:cTn id="4" fill="hold">
-                            <p:stCondLst>
-                              <p:cond delay="0"/>
-                            </p:stCondLst>
-                            <p:childTnLst>
-                              <p:par>
-                                <p:cTn id="5" presetID="22" presetClass="entr" presetSubtype="4" fill="hold" nodeType="clickEffect">
-                                  <p:stCondLst>
-                                    <p:cond delay="0"/>
-                                  </p:stCondLst>
-                                  <p:childTnLst>
-                                    <p:set>
-                                      <p:cBhvr>
-                                        <p:cTn id="6" dur="1" fill="hold">
-                                          <p:stCondLst>
-                                            <p:cond delay="0"/>
-                                          </p:stCondLst>
-                                        </p:cTn>
-                                        <p:tgtEl>
-                                          <p:spTgt spid="3">
-                                            <p:txEl>
-                                              <p:pRg st="13" end="13"/>
-                                            </p:txEl>
-                                          </p:spTgt>
-                                        </p:tgtEl>
-                                        <p:attrNameLst>
-                                          <p:attrName>style.visibility</p:attrName>
-                                        </p:attrNameLst>
-                                      </p:cBhvr>
-                                      <p:to>
-                                        <p:strVal val="visible"/>
-                                      </p:to>
-                                    </p:set>
-                                    <p:animEffect transition="in" filter="wipe(down)">
-                                      <p:cBhvr>
-                                        <p:cTn id="7" dur="500"/>
-                                        <p:tgtEl>
-                                          <p:spTgt spid="3">
-                                            <p:txEl>
-                                              <p:pRg st="13" end="13"/>
-                                            </p:txEl>
-                                          </p:spTgt>
-                                        </p:tgtEl>
-                                      </p:cBhvr>
-                                    </p:animEffect>
-                                  </p:childTnLst>
-                                </p:cTn>
-                              </p:par>
-                            </p:childTnLst>
-                          </p:cTn>
-                        </p:par>
-                      </p:childTnLst>
-                    </p:cTn>
-                  </p:par>
-                </p:childTnLst>
-              </p:cTn>
-              <p:prevCondLst>
-                <p:cond evt="onPrev" delay="0">
-                  <p:tgtEl>
-                    <p:sldTgt/>
-                  </p:tgtEl>
-                </p:cond>
-              </p:prevCondLst>
-              <p:nextCondLst>
-                <p:cond evt="onNext" delay="0">
-                  <p:tgtEl>
-                    <p:sldTgt/>
-                  </p:tgtEl>
-                </p:cond>
-              </p:nextCondLst>
-            </p:seq>
-          </p:childTnLst>
-        </p:cTn>
-      </p:par>
-    </p:tnLst>
-  </p:timing>
-</p:sld>
-</file>
-
-<file path=ppt/slides/slide11.xml><?xml version="1.0" encoding="utf-8"?>
 <p:sld xmlns:a="http://schemas.openxmlformats.org/drawingml/2006/main" xmlns:r="http://schemas.openxmlformats.org/officeDocument/2006/relationships" xmlns:p="http://schemas.openxmlformats.org/presentationml/2006/main">
   <p:cSld>
     <p:spTree>
@@ -8524,6 +7969,189 @@
                       </p:childTnLst>
                     </p:cTn>
                   </p:par>
+                  <p:par>
+                    <p:cTn id="11" fill="hold">
+                      <p:stCondLst>
+                        <p:cond delay="indefinite"/>
+                      </p:stCondLst>
+                      <p:childTnLst>
+                        <p:par>
+                          <p:cTn id="12" fill="hold">
+                            <p:stCondLst>
+                              <p:cond delay="0"/>
+                            </p:stCondLst>
+                            <p:childTnLst>
+                              <p:par>
+                                <p:cTn id="13" presetID="22" presetClass="entr" presetSubtype="4" fill="hold" nodeType="clickEffect">
+                                  <p:stCondLst>
+                                    <p:cond delay="0"/>
+                                  </p:stCondLst>
+                                  <p:childTnLst>
+                                    <p:set>
+                                      <p:cBhvr>
+                                        <p:cTn id="14" dur="1" fill="hold">
+                                          <p:stCondLst>
+                                            <p:cond delay="0"/>
+                                          </p:stCondLst>
+                                        </p:cTn>
+                                        <p:tgtEl>
+                                          <p:spTgt spid="3">
+                                            <p:txEl>
+                                              <p:pRg st="11" end="11"/>
+                                            </p:txEl>
+                                          </p:spTgt>
+                                        </p:tgtEl>
+                                        <p:attrNameLst>
+                                          <p:attrName>style.visibility</p:attrName>
+                                        </p:attrNameLst>
+                                      </p:cBhvr>
+                                      <p:to>
+                                        <p:strVal val="visible"/>
+                                      </p:to>
+                                    </p:set>
+                                    <p:animEffect transition="in" filter="wipe(down)">
+                                      <p:cBhvr>
+                                        <p:cTn id="15" dur="500"/>
+                                        <p:tgtEl>
+                                          <p:spTgt spid="3">
+                                            <p:txEl>
+                                              <p:pRg st="11" end="11"/>
+                                            </p:txEl>
+                                          </p:spTgt>
+                                        </p:tgtEl>
+                                      </p:cBhvr>
+                                    </p:animEffect>
+                                  </p:childTnLst>
+                                </p:cTn>
+                              </p:par>
+                            </p:childTnLst>
+                          </p:cTn>
+                        </p:par>
+                      </p:childTnLst>
+                    </p:cTn>
+                  </p:par>
+                  <p:par>
+                    <p:cTn id="16" fill="hold">
+                      <p:stCondLst>
+                        <p:cond delay="indefinite"/>
+                      </p:stCondLst>
+                      <p:childTnLst>
+                        <p:par>
+                          <p:cTn id="17" fill="hold">
+                            <p:stCondLst>
+                              <p:cond delay="0"/>
+                            </p:stCondLst>
+                            <p:childTnLst>
+                              <p:par>
+                                <p:cTn id="18" presetID="22" presetClass="entr" presetSubtype="4" fill="hold" nodeType="clickEffect">
+                                  <p:stCondLst>
+                                    <p:cond delay="0"/>
+                                  </p:stCondLst>
+                                  <p:childTnLst>
+                                    <p:set>
+                                      <p:cBhvr>
+                                        <p:cTn id="19" dur="1" fill="hold">
+                                          <p:stCondLst>
+                                            <p:cond delay="0"/>
+                                          </p:stCondLst>
+                                        </p:cTn>
+                                        <p:tgtEl>
+                                          <p:spTgt spid="3">
+                                            <p:txEl>
+                                              <p:pRg st="12" end="12"/>
+                                            </p:txEl>
+                                          </p:spTgt>
+                                        </p:tgtEl>
+                                        <p:attrNameLst>
+                                          <p:attrName>style.visibility</p:attrName>
+                                        </p:attrNameLst>
+                                      </p:cBhvr>
+                                      <p:to>
+                                        <p:strVal val="visible"/>
+                                      </p:to>
+                                    </p:set>
+                                    <p:animEffect transition="in" filter="wipe(down)">
+                                      <p:cBhvr>
+                                        <p:cTn id="20" dur="500"/>
+                                        <p:tgtEl>
+                                          <p:spTgt spid="3">
+                                            <p:txEl>
+                                              <p:pRg st="12" end="12"/>
+                                            </p:txEl>
+                                          </p:spTgt>
+                                        </p:tgtEl>
+                                      </p:cBhvr>
+                                    </p:animEffect>
+                                  </p:childTnLst>
+                                </p:cTn>
+                              </p:par>
+                            </p:childTnLst>
+                          </p:cTn>
+                        </p:par>
+                      </p:childTnLst>
+                    </p:cTn>
+                  </p:par>
+                  <p:par>
+                    <p:cTn id="21" fill="hold">
+                      <p:stCondLst>
+                        <p:cond delay="indefinite"/>
+                      </p:stCondLst>
+                      <p:childTnLst>
+                        <p:par>
+                          <p:cTn id="22" fill="hold">
+                            <p:stCondLst>
+                              <p:cond delay="0"/>
+                            </p:stCondLst>
+                            <p:childTnLst>
+                              <p:par>
+                                <p:cTn id="23" presetID="22" presetClass="entr" presetSubtype="4" fill="hold" nodeType="clickEffect">
+                                  <p:stCondLst>
+                                    <p:cond delay="0"/>
+                                  </p:stCondLst>
+                                  <p:childTnLst>
+                                    <p:set>
+                                      <p:cBhvr>
+                                        <p:cTn id="24" dur="1" fill="hold">
+                                          <p:stCondLst>
+                                            <p:cond delay="0"/>
+                                          </p:stCondLst>
+                                        </p:cTn>
+                                        <p:tgtEl>
+                                          <p:spTgt spid="3">
+                                            <p:txEl>
+                                              <p:pRg st="13" end="13"/>
+                                            </p:txEl>
+                                          </p:spTgt>
+                                        </p:tgtEl>
+                                        <p:attrNameLst>
+                                          <p:attrName>style.visibility</p:attrName>
+                                        </p:attrNameLst>
+                                      </p:cBhvr>
+                                      <p:to>
+                                        <p:strVal val="visible"/>
+                                      </p:to>
+                                    </p:set>
+                                    <p:animEffect transition="in" filter="wipe(down)">
+                                      <p:cBhvr>
+                                        <p:cTn id="25" dur="500"/>
+                                        <p:tgtEl>
+                                          <p:spTgt spid="3">
+                                            <p:txEl>
+                                              <p:pRg st="13" end="13"/>
+                                            </p:txEl>
+                                          </p:spTgt>
+                                        </p:tgtEl>
+                                      </p:cBhvr>
+                                    </p:animEffect>
+                                  </p:childTnLst>
+                                </p:cTn>
+                              </p:par>
+                            </p:childTnLst>
+                          </p:cTn>
+                        </p:par>
+                      </p:childTnLst>
+                    </p:cTn>
+                  </p:par>
                 </p:childTnLst>
               </p:cTn>
               <p:prevCondLst>
@@ -8552,7 +8180,7 @@
 </p:sld>
 </file>
 
-<file path=ppt/slides/slide12.xml><?xml version="1.0" encoding="utf-8"?>
+<file path=ppt/slides/slide11.xml><?xml version="1.0" encoding="utf-8"?>
 <p:sld xmlns:a="http://schemas.openxmlformats.org/drawingml/2006/main" xmlns:r="http://schemas.openxmlformats.org/officeDocument/2006/relationships" xmlns:p="http://schemas.openxmlformats.org/presentationml/2006/main" show="0">
   <p:cSld>
     <p:spTree>
@@ -9240,7 +8868,7 @@
           <a:p>
             <a:fld id="{F897EA5C-5595-467C-8911-89E59E67D731}" type="slidenum">
               <a:rPr lang="es-ES" smtClean="0"/>
-              <a:t>12</a:t>
+              <a:t>11</a:t>
             </a:fld>
             <a:endParaRPr lang="es-ES"/>
           </a:p>
@@ -9713,7 +9341,7 @@
 </p:sld>
 </file>
 
-<file path=ppt/slides/slide13.xml><?xml version="1.0" encoding="utf-8"?>
+<file path=ppt/slides/slide12.xml><?xml version="1.0" encoding="utf-8"?>
 <p:sld xmlns:a="http://schemas.openxmlformats.org/drawingml/2006/main" xmlns:r="http://schemas.openxmlformats.org/officeDocument/2006/relationships" xmlns:p="http://schemas.openxmlformats.org/presentationml/2006/main">
   <p:cSld>
     <p:spTree>
@@ -10546,7 +10174,7 @@
 </p:sld>
 </file>
 
-<file path=ppt/slides/slide14.xml><?xml version="1.0" encoding="utf-8"?>
+<file path=ppt/slides/slide13.xml><?xml version="1.0" encoding="utf-8"?>
 <p:sld xmlns:a="http://schemas.openxmlformats.org/drawingml/2006/main" xmlns:r="http://schemas.openxmlformats.org/officeDocument/2006/relationships" xmlns:p="http://schemas.openxmlformats.org/presentationml/2006/main">
   <p:cSld>
     <p:spTree>
@@ -10584,23 +10212,7 @@
                   <a:schemeClr val="accent2"/>
                 </a:solidFill>
               </a:rPr>
-              <a:t>Calibration </a:t>
-            </a:r>
-            <a:r>
-              <a:rPr lang="en-US" dirty="0" smtClean="0">
-                <a:solidFill>
-                  <a:schemeClr val="accent2"/>
-                </a:solidFill>
-              </a:rPr>
-              <a:t>i</a:t>
-            </a:r>
-            <a:r>
-              <a:rPr lang="en-US" dirty="0" smtClean="0">
-                <a:solidFill>
-                  <a:schemeClr val="accent2"/>
-                </a:solidFill>
-              </a:rPr>
-              <a:t>n temperature</a:t>
+              <a:t>Calibration in temperature</a:t>
             </a:r>
             <a:r>
               <a:rPr lang="es-ES" dirty="0" smtClean="0">
@@ -11184,7 +10796,7 @@
 </p:sld>
 </file>
 
-<file path=ppt/slides/slide15.xml><?xml version="1.0" encoding="utf-8"?>
+<file path=ppt/slides/slide14.xml><?xml version="1.0" encoding="utf-8"?>
 <p:sld xmlns:a="http://schemas.openxmlformats.org/drawingml/2006/main" xmlns:r="http://schemas.openxmlformats.org/officeDocument/2006/relationships" xmlns:p="http://schemas.openxmlformats.org/presentationml/2006/main">
   <p:cSld>
     <p:spTree>
@@ -11227,23 +10839,7 @@
                   <a:schemeClr val="accent2"/>
                 </a:solidFill>
               </a:rPr>
-              <a:t>Calibration </a:t>
-            </a:r>
-            <a:r>
-              <a:rPr lang="en-US" dirty="0" smtClean="0">
-                <a:solidFill>
-                  <a:schemeClr val="accent2"/>
-                </a:solidFill>
-              </a:rPr>
-              <a:t>i</a:t>
-            </a:r>
-            <a:r>
-              <a:rPr lang="en-US" dirty="0" smtClean="0">
-                <a:solidFill>
-                  <a:schemeClr val="accent2"/>
-                </a:solidFill>
-              </a:rPr>
-              <a:t>n supply voltage</a:t>
+              <a:t>Calibration in supply voltage</a:t>
             </a:r>
             <a:endParaRPr lang="en-US" dirty="0">
               <a:solidFill>
@@ -12197,7 +11793,7 @@
 </p:sld>
 </file>
 
-<file path=ppt/slides/slide16.xml><?xml version="1.0" encoding="utf-8"?>
+<file path=ppt/slides/slide15.xml><?xml version="1.0" encoding="utf-8"?>
 <p:sld xmlns:a="http://schemas.openxmlformats.org/drawingml/2006/main" xmlns:r="http://schemas.openxmlformats.org/officeDocument/2006/relationships" xmlns:p="http://schemas.openxmlformats.org/presentationml/2006/main">
   <p:cSld>
     <p:spTree>
@@ -12230,12 +11826,12 @@
           <a:lstStyle/>
           <a:p>
             <a:r>
-              <a:rPr lang="es-ES" dirty="0" smtClean="0">
+              <a:rPr lang="en-US" dirty="0">
                 <a:solidFill>
                   <a:schemeClr val="accent2"/>
                 </a:solidFill>
               </a:rPr>
-              <a:t>Estabilización de la ganancia</a:t>
+              <a:t>Stabilization of the gain</a:t>
             </a:r>
             <a:endParaRPr lang="es-ES" dirty="0">
               <a:solidFill>
@@ -12245,8 +11841,8 @@
           </a:p>
         </p:txBody>
       </p:sp>
-      <mc:AlternateContent xmlns:mc="http://schemas.openxmlformats.org/markup-compatibility/2006" xmlns:a14="http://schemas.microsoft.com/office/drawing/2010/main">
-        <mc:Choice Requires="a14">
+      <mc:AlternateContent xmlns:mc="http://schemas.openxmlformats.org/markup-compatibility/2006">
+        <mc:Choice xmlns:a14="http://schemas.microsoft.com/office/drawing/2010/main" Requires="a14">
           <p:sp>
             <p:nvSpPr>
               <p:cNvPr id="3" name="Marcador de contenido 2"/>
@@ -12270,9 +11866,10 @@
               <a:lstStyle/>
               <a:p>
                 <a:r>
-                  <a:rPr lang="es-ES" dirty="0" smtClean="0"/>
-                  <a:t>Estudio con el voltaje operacional y la temperatura:</a:t>
+                  <a:rPr lang="en-US" dirty="0" smtClean="0"/>
+                  <a:t>Both dependence (temperature and supply voltage):</a:t>
                 </a:r>
+                <a:endParaRPr lang="en-US" dirty="0" smtClean="0"/>
               </a:p>
               <a:p>
                 <a:pPr marL="0" indent="0">
@@ -12285,7 +11882,7 @@
                     </m:oMathParaPr>
                     <m:oMath xmlns:m="http://schemas.openxmlformats.org/officeDocument/2006/math">
                       <m:r>
-                        <a:rPr lang="es-ES" b="0" i="1" smtClean="0">
+                        <a:rPr lang="en-US" b="0" i="1" smtClean="0">
                           <a:latin typeface="Cambria Math" panose="02040503050406030204" pitchFamily="18" charset="0"/>
                         </a:rPr>
                         <m:t>𝐺</m:t>
@@ -12293,7 +11890,7 @@
                       <m:d>
                         <m:dPr>
                           <m:ctrlPr>
-                            <a:rPr lang="es-ES" b="0" i="1" smtClean="0">
+                            <a:rPr lang="en-US" b="0" i="1" smtClean="0">
                               <a:latin typeface="Cambria Math" panose="02040503050406030204" pitchFamily="18" charset="0"/>
                             </a:rPr>
                           </m:ctrlPr>
@@ -12302,14 +11899,14 @@
                           <m:sSub>
                             <m:sSubPr>
                               <m:ctrlPr>
-                                <a:rPr lang="es-ES" b="0" i="1" smtClean="0">
+                                <a:rPr lang="en-US" b="0" i="1" smtClean="0">
                                   <a:latin typeface="Cambria Math" panose="02040503050406030204" pitchFamily="18" charset="0"/>
                                 </a:rPr>
                               </m:ctrlPr>
                             </m:sSubPr>
                             <m:e>
                               <m:r>
-                                <a:rPr lang="es-ES" b="0" i="1" smtClean="0">
+                                <a:rPr lang="en-US" b="0" i="1" smtClean="0">
                                   <a:latin typeface="Cambria Math" panose="02040503050406030204" pitchFamily="18" charset="0"/>
                                 </a:rPr>
                                 <m:t>𝑉</m:t>
@@ -12317,7 +11914,7 @@
                             </m:e>
                             <m:sub>
                               <m:r>
-                                <a:rPr lang="es-ES" b="0" i="1" smtClean="0">
+                                <a:rPr lang="en-US" b="0" i="1" smtClean="0">
                                   <a:latin typeface="Cambria Math" panose="02040503050406030204" pitchFamily="18" charset="0"/>
                                 </a:rPr>
                                 <m:t>𝑜𝑝</m:t>
@@ -12327,13 +11924,13 @@
                         </m:e>
                       </m:d>
                       <m:r>
-                        <a:rPr lang="es-ES" b="0" i="1" smtClean="0">
+                        <a:rPr lang="en-US" b="0" i="1" smtClean="0">
                           <a:latin typeface="Cambria Math" panose="02040503050406030204" pitchFamily="18" charset="0"/>
                         </a:rPr>
                         <m:t>=</m:t>
                       </m:r>
                       <m:r>
-                        <a:rPr lang="es-ES" b="0" i="1" smtClean="0">
+                        <a:rPr lang="en-US" b="0" i="1" smtClean="0">
                           <a:latin typeface="Cambria Math" panose="02040503050406030204" pitchFamily="18" charset="0"/>
                         </a:rPr>
                         <m:t>𝑐</m:t>
@@ -12341,14 +11938,14 @@
                       <m:sSub>
                         <m:sSubPr>
                           <m:ctrlPr>
-                            <a:rPr lang="es-ES" b="0" i="1" smtClean="0">
+                            <a:rPr lang="en-US" b="0" i="1" smtClean="0">
                               <a:latin typeface="Cambria Math" panose="02040503050406030204" pitchFamily="18" charset="0"/>
                             </a:rPr>
                           </m:ctrlPr>
                         </m:sSubPr>
                         <m:e>
                           <m:r>
-                            <a:rPr lang="es-ES" b="0" i="1" smtClean="0">
+                            <a:rPr lang="en-US" b="0" i="1" smtClean="0">
                               <a:latin typeface="Cambria Math" panose="02040503050406030204" pitchFamily="18" charset="0"/>
                             </a:rPr>
                             <m:t>𝑉</m:t>
@@ -12356,7 +11953,7 @@
                         </m:e>
                         <m:sub>
                           <m:r>
-                            <a:rPr lang="es-ES" b="0" i="1" smtClean="0">
+                            <a:rPr lang="en-US" b="0" i="1" smtClean="0">
                               <a:latin typeface="Cambria Math" panose="02040503050406030204" pitchFamily="18" charset="0"/>
                             </a:rPr>
                             <m:t>𝑜𝑝</m:t>
@@ -12364,25 +11961,25 @@
                         </m:sub>
                       </m:sSub>
                       <m:r>
-                        <a:rPr lang="es-ES" b="0" i="1" smtClean="0">
+                        <a:rPr lang="en-US" b="0" i="1" smtClean="0">
                           <a:latin typeface="Cambria Math" panose="02040503050406030204" pitchFamily="18" charset="0"/>
                         </a:rPr>
                         <m:t>+</m:t>
                       </m:r>
                       <m:r>
-                        <a:rPr lang="es-ES" b="0" i="1" smtClean="0">
+                        <a:rPr lang="en-US" b="0" i="1" smtClean="0">
                           <a:latin typeface="Cambria Math" panose="02040503050406030204" pitchFamily="18" charset="0"/>
                         </a:rPr>
                         <m:t>𝑑</m:t>
                       </m:r>
                       <m:r>
-                        <a:rPr lang="es-ES" b="0" i="1" smtClean="0">
+                        <a:rPr lang="en-US" b="0" i="1" smtClean="0">
                           <a:latin typeface="Cambria Math" panose="02040503050406030204" pitchFamily="18" charset="0"/>
                         </a:rPr>
                         <m:t>;                 </m:t>
                       </m:r>
                       <m:r>
-                        <a:rPr lang="es-ES" i="1">
+                        <a:rPr lang="en-US" i="1">
                           <a:latin typeface="Cambria Math" panose="02040503050406030204" pitchFamily="18" charset="0"/>
                         </a:rPr>
                         <m:t>𝐺</m:t>
@@ -12390,14 +11987,14 @@
                       <m:d>
                         <m:dPr>
                           <m:ctrlPr>
-                            <a:rPr lang="es-ES" i="1">
+                            <a:rPr lang="en-US" i="1">
                               <a:latin typeface="Cambria Math" panose="02040503050406030204" pitchFamily="18" charset="0"/>
                             </a:rPr>
                           </m:ctrlPr>
                         </m:dPr>
                         <m:e>
                           <m:r>
-                            <a:rPr lang="es-ES" b="0" i="1" smtClean="0">
+                            <a:rPr lang="en-US" b="0" i="1" smtClean="0">
                               <a:latin typeface="Cambria Math" panose="02040503050406030204" pitchFamily="18" charset="0"/>
                             </a:rPr>
                             <m:t>𝑇</m:t>
@@ -12405,25 +12002,25 @@
                         </m:e>
                       </m:d>
                       <m:r>
-                        <a:rPr lang="es-ES" i="1">
+                        <a:rPr lang="en-US" i="1">
                           <a:latin typeface="Cambria Math" panose="02040503050406030204" pitchFamily="18" charset="0"/>
                         </a:rPr>
                         <m:t>=</m:t>
                       </m:r>
                       <m:r>
-                        <a:rPr lang="es-ES" b="0" i="1" smtClean="0">
+                        <a:rPr lang="en-US" b="0" i="1" smtClean="0">
                           <a:latin typeface="Cambria Math" panose="02040503050406030204" pitchFamily="18" charset="0"/>
                         </a:rPr>
                         <m:t>𝑎𝑇</m:t>
                       </m:r>
                       <m:r>
-                        <a:rPr lang="es-ES" i="1">
+                        <a:rPr lang="en-US" i="1">
                           <a:latin typeface="Cambria Math" panose="02040503050406030204" pitchFamily="18" charset="0"/>
                         </a:rPr>
                         <m:t>+</m:t>
                       </m:r>
                       <m:r>
-                        <a:rPr lang="es-ES" b="0" i="1" smtClean="0">
+                        <a:rPr lang="en-US" b="0" i="1" smtClean="0">
                           <a:latin typeface="Cambria Math" panose="02040503050406030204" pitchFamily="18" charset="0"/>
                         </a:rPr>
                         <m:t>𝑏</m:t>
@@ -12431,13 +12028,18 @@
                     </m:oMath>
                   </m:oMathPara>
                 </a14:m>
-                <a:endParaRPr lang="es-ES" dirty="0" smtClean="0"/>
+                <a:endParaRPr lang="en-US" dirty="0" smtClean="0"/>
               </a:p>
               <a:p>
                 <a:r>
-                  <a:rPr lang="es-ES" dirty="0" smtClean="0"/>
-                  <a:t>Ecuación de compensación:</a:t>
+                  <a:rPr lang="en-US" dirty="0" smtClean="0"/>
+                  <a:t>Equation of compensation</a:t>
                 </a:r>
+                <a:r>
+                  <a:rPr lang="en-US" dirty="0" smtClean="0"/>
+                  <a:t>:</a:t>
+                </a:r>
+                <a:endParaRPr lang="en-US" dirty="0" smtClean="0"/>
               </a:p>
               <a:p>
                 <a:pPr marL="0" indent="0">
@@ -12453,7 +12055,7 @@
                         <m:rPr>
                           <m:sty m:val="p"/>
                         </m:rPr>
-                        <a:rPr lang="es-ES">
+                        <a:rPr lang="en-US">
                           <a:latin typeface="Cambria Math" panose="02040503050406030204" pitchFamily="18" charset="0"/>
                         </a:rPr>
                         <m:t>Δ</m:t>
@@ -12461,14 +12063,14 @@
                       <m:sSub>
                         <m:sSubPr>
                           <m:ctrlPr>
-                            <a:rPr lang="es-ES" i="1">
+                            <a:rPr lang="en-US" i="1">
                               <a:latin typeface="Cambria Math" panose="02040503050406030204" pitchFamily="18" charset="0"/>
                             </a:rPr>
                           </m:ctrlPr>
                         </m:sSubPr>
                         <m:e>
                           <m:r>
-                            <a:rPr lang="es-ES" i="1">
+                            <a:rPr lang="en-US" i="1">
                               <a:latin typeface="Cambria Math" panose="02040503050406030204" pitchFamily="18" charset="0"/>
                             </a:rPr>
                             <m:t>𝑉</m:t>
@@ -12476,7 +12078,7 @@
                         </m:e>
                         <m:sub>
                           <m:r>
-                            <a:rPr lang="es-ES" i="1">
+                            <a:rPr lang="en-US" i="1">
                               <a:latin typeface="Cambria Math" panose="02040503050406030204" pitchFamily="18" charset="0"/>
                             </a:rPr>
                             <m:t>𝑜𝑝</m:t>
@@ -12484,13 +12086,13 @@
                         </m:sub>
                       </m:sSub>
                       <m:r>
-                        <a:rPr lang="es-ES" i="1">
+                        <a:rPr lang="en-US" i="1">
                           <a:latin typeface="Cambria Math" panose="02040503050406030204" pitchFamily="18" charset="0"/>
                         </a:rPr>
                         <m:t>=</m:t>
                       </m:r>
                       <m:r>
-                        <a:rPr lang="es-ES" i="1">
+                        <a:rPr lang="en-US" i="1">
                           <a:latin typeface="Cambria Math" panose="02040503050406030204" pitchFamily="18" charset="0"/>
                         </a:rPr>
                         <m:t>𝑒</m:t>
@@ -12499,19 +12101,19 @@
                         <m:rPr>
                           <m:sty m:val="p"/>
                         </m:rPr>
-                        <a:rPr lang="es-ES">
+                        <a:rPr lang="en-US">
                           <a:latin typeface="Cambria Math" panose="02040503050406030204" pitchFamily="18" charset="0"/>
                         </a:rPr>
                         <m:t>Δ</m:t>
                       </m:r>
                       <m:r>
-                        <a:rPr lang="es-ES" i="1">
+                        <a:rPr lang="en-US" i="1">
                           <a:latin typeface="Cambria Math" panose="02040503050406030204" pitchFamily="18" charset="0"/>
                         </a:rPr>
                         <m:t>𝑇</m:t>
                       </m:r>
                       <m:r>
-                        <a:rPr lang="es-ES" b="0" i="1" smtClean="0">
+                        <a:rPr lang="en-US" b="0" i="1" smtClean="0">
                           <a:latin typeface="Cambria Math" panose="02040503050406030204" pitchFamily="18" charset="0"/>
                         </a:rPr>
                         <m:t>=</m:t>
@@ -12519,14 +12121,14 @@
                       <m:d>
                         <m:dPr>
                           <m:ctrlPr>
-                            <a:rPr lang="es-ES" b="0" i="1" smtClean="0">
+                            <a:rPr lang="en-US" b="0" i="1" smtClean="0">
                               <a:latin typeface="Cambria Math" panose="02040503050406030204" pitchFamily="18" charset="0"/>
                             </a:rPr>
                           </m:ctrlPr>
                         </m:dPr>
                         <m:e>
                           <m:r>
-                            <a:rPr lang="es-ES" i="1">
+                            <a:rPr lang="en-US" i="1">
                               <a:latin typeface="Cambria Math" panose="02040503050406030204" pitchFamily="18" charset="0"/>
                             </a:rPr>
                             <m:t>59,9±1,3</m:t>
@@ -12535,14 +12137,14 @@
                             <m:fPr>
                               <m:type m:val="skw"/>
                               <m:ctrlPr>
-                                <a:rPr lang="es-ES" i="1">
+                                <a:rPr lang="en-US" i="1">
                                   <a:latin typeface="Cambria Math" panose="02040503050406030204" pitchFamily="18" charset="0"/>
                                 </a:rPr>
                               </m:ctrlPr>
                             </m:fPr>
                             <m:num>
                               <m:r>
-                                <a:rPr lang="es-ES" i="1">
+                                <a:rPr lang="en-US" i="1">
                                   <a:latin typeface="Cambria Math" panose="02040503050406030204" pitchFamily="18" charset="0"/>
                                 </a:rPr>
                                 <m:t>𝑚𝑉</m:t>
@@ -12550,13 +12152,13 @@
                             </m:num>
                             <m:den>
                               <m:r>
-                                <a:rPr lang="es-ES" i="1">
+                                <a:rPr lang="en-US" i="1">
                                   <a:latin typeface="Cambria Math" panose="02040503050406030204" pitchFamily="18" charset="0"/>
                                 </a:rPr>
                                 <m:t>º</m:t>
                               </m:r>
                               <m:r>
-                                <a:rPr lang="es-ES" i="1">
+                                <a:rPr lang="en-US" i="1">
                                   <a:latin typeface="Cambria Math" panose="02040503050406030204" pitchFamily="18" charset="0"/>
                                 </a:rPr>
                                 <m:t>𝐶</m:t>
@@ -12566,7 +12168,7 @@
                         </m:e>
                       </m:d>
                       <m:r>
-                        <a:rPr lang="es-ES" b="0" i="0" smtClean="0">
+                        <a:rPr lang="en-US" b="0" i="0" smtClean="0">
                           <a:latin typeface="Cambria Math" panose="02040503050406030204" pitchFamily="18" charset="0"/>
                         </a:rPr>
                         <m:t>·</m:t>
@@ -12575,13 +12177,13 @@
                         <m:rPr>
                           <m:sty m:val="p"/>
                         </m:rPr>
-                        <a:rPr lang="es-ES" b="0" i="0" smtClean="0">
+                        <a:rPr lang="en-US" b="0" i="0" smtClean="0">
                           <a:latin typeface="Cambria Math" panose="02040503050406030204" pitchFamily="18" charset="0"/>
                         </a:rPr>
                         <m:t>Δ</m:t>
                       </m:r>
                       <m:r>
-                        <a:rPr lang="es-ES" b="0" i="1" smtClean="0">
+                        <a:rPr lang="en-US" b="0" i="1" smtClean="0">
                           <a:latin typeface="Cambria Math" panose="02040503050406030204" pitchFamily="18" charset="0"/>
                         </a:rPr>
                         <m:t>𝑇</m:t>
@@ -12589,13 +12191,14 @@
                     </m:oMath>
                   </m:oMathPara>
                 </a14:m>
-                <a:endParaRPr lang="es-ES" dirty="0" smtClean="0"/>
+                <a:endParaRPr lang="en-US" dirty="0" smtClean="0"/>
               </a:p>
               <a:p>
                 <a:r>
-                  <a:rPr lang="es-ES" dirty="0"/>
-                  <a:t>Necesidad de situación de referencia.</a:t>
+                  <a:rPr lang="en-US" dirty="0" smtClean="0"/>
+                  <a:t>We need a reference situation:</a:t>
                 </a:r>
+                <a:endParaRPr lang="en-US" dirty="0"/>
               </a:p>
               <a:p>
                 <a:pPr marL="0" indent="0">
@@ -12610,7 +12213,7 @@
                       <m:d>
                         <m:dPr>
                           <m:ctrlPr>
-                            <a:rPr lang="es-ES" i="1">
+                            <a:rPr lang="en-US" i="1">
                               <a:latin typeface="Cambria Math" panose="02040503050406030204" pitchFamily="18" charset="0"/>
                             </a:rPr>
                           </m:ctrlPr>
@@ -12619,14 +12222,14 @@
                           <m:sSub>
                             <m:sSubPr>
                               <m:ctrlPr>
-                                <a:rPr lang="es-ES" i="1">
+                                <a:rPr lang="en-US" i="1">
                                   <a:latin typeface="Cambria Math" panose="02040503050406030204" pitchFamily="18" charset="0"/>
                                 </a:rPr>
                               </m:ctrlPr>
                             </m:sSubPr>
                             <m:e>
                               <m:r>
-                                <a:rPr lang="es-ES" i="1">
+                                <a:rPr lang="en-US" i="1">
                                   <a:latin typeface="Cambria Math" panose="02040503050406030204" pitchFamily="18" charset="0"/>
                                 </a:rPr>
                                 <m:t>𝑉</m:t>
@@ -12634,7 +12237,7 @@
                             </m:e>
                             <m:sub>
                               <m:r>
-                                <a:rPr lang="es-ES" i="1">
+                                <a:rPr lang="en-US" i="1">
                                   <a:latin typeface="Cambria Math" panose="02040503050406030204" pitchFamily="18" charset="0"/>
                                 </a:rPr>
                                 <m:t>𝑓</m:t>
@@ -12642,7 +12245,7 @@
                             </m:sub>
                           </m:sSub>
                           <m:r>
-                            <a:rPr lang="es-ES" i="1">
+                            <a:rPr lang="en-US" i="1">
                               <a:latin typeface="Cambria Math" panose="02040503050406030204" pitchFamily="18" charset="0"/>
                             </a:rPr>
                             <m:t>−</m:t>
@@ -12650,14 +12253,14 @@
                           <m:sSub>
                             <m:sSubPr>
                               <m:ctrlPr>
-                                <a:rPr lang="es-ES" i="1">
+                                <a:rPr lang="en-US" i="1">
                                   <a:latin typeface="Cambria Math" panose="02040503050406030204" pitchFamily="18" charset="0"/>
                                 </a:rPr>
                               </m:ctrlPr>
                             </m:sSubPr>
                             <m:e>
                               <m:r>
-                                <a:rPr lang="es-ES" i="1">
+                                <a:rPr lang="en-US" i="1">
                                   <a:latin typeface="Cambria Math" panose="02040503050406030204" pitchFamily="18" charset="0"/>
                                 </a:rPr>
                                 <m:t>𝑉</m:t>
@@ -12665,7 +12268,7 @@
                             </m:e>
                             <m:sub>
                               <m:r>
-                                <a:rPr lang="es-ES" i="1">
+                                <a:rPr lang="en-US" i="1">
                                   <a:latin typeface="Cambria Math" panose="02040503050406030204" pitchFamily="18" charset="0"/>
                                 </a:rPr>
                                 <m:t>𝑖</m:t>
@@ -12675,13 +12278,13 @@
                         </m:e>
                       </m:d>
                       <m:r>
-                        <a:rPr lang="es-ES" i="1">
+                        <a:rPr lang="en-US" i="1">
                           <a:latin typeface="Cambria Math" panose="02040503050406030204" pitchFamily="18" charset="0"/>
                         </a:rPr>
                         <m:t>=</m:t>
                       </m:r>
                       <m:r>
-                        <a:rPr lang="es-ES" i="1">
+                        <a:rPr lang="en-US" i="1">
                           <a:latin typeface="Cambria Math" panose="02040503050406030204" pitchFamily="18" charset="0"/>
                         </a:rPr>
                         <m:t>𝑒</m:t>
@@ -12689,7 +12292,7 @@
                       <m:d>
                         <m:dPr>
                           <m:ctrlPr>
-                            <a:rPr lang="es-ES" i="1">
+                            <a:rPr lang="en-US" i="1">
                               <a:latin typeface="Cambria Math" panose="02040503050406030204" pitchFamily="18" charset="0"/>
                             </a:rPr>
                           </m:ctrlPr>
@@ -12698,14 +12301,14 @@
                           <m:sSub>
                             <m:sSubPr>
                               <m:ctrlPr>
-                                <a:rPr lang="es-ES" i="1">
+                                <a:rPr lang="en-US" i="1">
                                   <a:latin typeface="Cambria Math" panose="02040503050406030204" pitchFamily="18" charset="0"/>
                                 </a:rPr>
                               </m:ctrlPr>
                             </m:sSubPr>
                             <m:e>
                               <m:r>
-                                <a:rPr lang="es-ES" i="1">
+                                <a:rPr lang="en-US" i="1">
                                   <a:latin typeface="Cambria Math" panose="02040503050406030204" pitchFamily="18" charset="0"/>
                                 </a:rPr>
                                 <m:t>𝑇</m:t>
@@ -12713,7 +12316,7 @@
                             </m:e>
                             <m:sub>
                               <m:r>
-                                <a:rPr lang="es-ES" i="1">
+                                <a:rPr lang="en-US" i="1">
                                   <a:latin typeface="Cambria Math" panose="02040503050406030204" pitchFamily="18" charset="0"/>
                                 </a:rPr>
                                 <m:t>𝑓</m:t>
@@ -12721,7 +12324,7 @@
                             </m:sub>
                           </m:sSub>
                           <m:r>
-                            <a:rPr lang="es-ES" i="1">
+                            <a:rPr lang="en-US" i="1">
                               <a:latin typeface="Cambria Math" panose="02040503050406030204" pitchFamily="18" charset="0"/>
                             </a:rPr>
                             <m:t>−</m:t>
@@ -12729,14 +12332,14 @@
                           <m:sSub>
                             <m:sSubPr>
                               <m:ctrlPr>
-                                <a:rPr lang="es-ES" i="1">
+                                <a:rPr lang="en-US" i="1">
                                   <a:latin typeface="Cambria Math" panose="02040503050406030204" pitchFamily="18" charset="0"/>
                                 </a:rPr>
                               </m:ctrlPr>
                             </m:sSubPr>
                             <m:e>
                               <m:r>
-                                <a:rPr lang="es-ES" i="1">
+                                <a:rPr lang="en-US" i="1">
                                   <a:latin typeface="Cambria Math" panose="02040503050406030204" pitchFamily="18" charset="0"/>
                                 </a:rPr>
                                 <m:t>𝑇</m:t>
@@ -12744,7 +12347,7 @@
                             </m:e>
                             <m:sub>
                               <m:r>
-                                <a:rPr lang="es-ES" i="1">
+                                <a:rPr lang="en-US" i="1">
                                   <a:latin typeface="Cambria Math" panose="02040503050406030204" pitchFamily="18" charset="0"/>
                                 </a:rPr>
                                 <m:t>𝑖</m:t>
@@ -12756,7 +12359,7 @@
                     </m:oMath>
                   </m:oMathPara>
                 </a14:m>
-                <a:endParaRPr lang="es-ES" dirty="0"/>
+                <a:endParaRPr lang="en-US" dirty="0"/>
               </a:p>
               <a:p>
                 <a:pPr marL="0" indent="0">
@@ -12769,7 +12372,7 @@
                     </m:oMathParaPr>
                     <m:oMath xmlns:m="http://schemas.openxmlformats.org/officeDocument/2006/math">
                       <m:r>
-                        <a:rPr lang="es-ES" i="1">
+                        <a:rPr lang="en-US" i="1">
                           <a:latin typeface="Cambria Math" panose="02040503050406030204" pitchFamily="18" charset="0"/>
                         </a:rPr>
                         <m:t>𝐺</m:t>
@@ -12777,7 +12380,7 @@
                       <m:d>
                         <m:dPr>
                           <m:ctrlPr>
-                            <a:rPr lang="es-ES" i="1">
+                            <a:rPr lang="en-US" i="1">
                               <a:latin typeface="Cambria Math" panose="02040503050406030204" pitchFamily="18" charset="0"/>
                             </a:rPr>
                           </m:ctrlPr>
@@ -12786,14 +12389,14 @@
                           <m:sSub>
                             <m:sSubPr>
                               <m:ctrlPr>
-                                <a:rPr lang="es-ES" i="1">
+                                <a:rPr lang="en-US" i="1">
                                   <a:latin typeface="Cambria Math" panose="02040503050406030204" pitchFamily="18" charset="0"/>
                                 </a:rPr>
                               </m:ctrlPr>
                             </m:sSubPr>
                             <m:e>
                               <m:r>
-                                <a:rPr lang="es-ES" i="1">
+                                <a:rPr lang="en-US" i="1">
                                   <a:latin typeface="Cambria Math" panose="02040503050406030204" pitchFamily="18" charset="0"/>
                                 </a:rPr>
                                 <m:t>𝑉</m:t>
@@ -12801,7 +12404,7 @@
                             </m:e>
                             <m:sub>
                               <m:r>
-                                <a:rPr lang="es-ES" i="1">
+                                <a:rPr lang="en-US" i="1">
                                   <a:latin typeface="Cambria Math" panose="02040503050406030204" pitchFamily="18" charset="0"/>
                                 </a:rPr>
                                 <m:t>𝑜𝑝</m:t>
@@ -12809,7 +12412,7 @@
                             </m:sub>
                           </m:sSub>
                           <m:r>
-                            <a:rPr lang="es-ES" i="1">
+                            <a:rPr lang="en-US" i="1">
                               <a:latin typeface="Cambria Math" panose="02040503050406030204" pitchFamily="18" charset="0"/>
                             </a:rPr>
                             <m:t>=</m:t>
@@ -12817,14 +12420,14 @@
                           <m:sSub>
                             <m:sSubPr>
                               <m:ctrlPr>
-                                <a:rPr lang="es-ES" i="1">
+                                <a:rPr lang="en-US" i="1">
                                   <a:latin typeface="Cambria Math" panose="02040503050406030204" pitchFamily="18" charset="0"/>
                                 </a:rPr>
                               </m:ctrlPr>
                             </m:sSubPr>
                             <m:e>
                               <m:r>
-                                <a:rPr lang="es-ES" i="1">
+                                <a:rPr lang="en-US" i="1">
                                   <a:latin typeface="Cambria Math" panose="02040503050406030204" pitchFamily="18" charset="0"/>
                                 </a:rPr>
                                 <m:t>𝑉</m:t>
@@ -12832,7 +12435,7 @@
                             </m:e>
                             <m:sub>
                               <m:r>
-                                <a:rPr lang="es-ES" i="1">
+                                <a:rPr lang="en-US" i="1">
                                   <a:latin typeface="Cambria Math" panose="02040503050406030204" pitchFamily="18" charset="0"/>
                                 </a:rPr>
                                 <m:t>𝑖</m:t>
@@ -12840,19 +12443,19 @@
                             </m:sub>
                           </m:sSub>
                           <m:r>
-                            <a:rPr lang="es-ES" i="1">
+                            <a:rPr lang="en-US" i="1">
                               <a:latin typeface="Cambria Math" panose="02040503050406030204" pitchFamily="18" charset="0"/>
                             </a:rPr>
                             <m:t>;</m:t>
                           </m:r>
                           <m:r>
-                            <a:rPr lang="es-ES" i="1">
+                            <a:rPr lang="en-US" i="1">
                               <a:latin typeface="Cambria Math" panose="02040503050406030204" pitchFamily="18" charset="0"/>
                             </a:rPr>
                             <m:t>𝑇</m:t>
                           </m:r>
                           <m:r>
-                            <a:rPr lang="es-ES" i="1">
+                            <a:rPr lang="en-US" i="1">
                               <a:latin typeface="Cambria Math" panose="02040503050406030204" pitchFamily="18" charset="0"/>
                             </a:rPr>
                             <m:t>=</m:t>
@@ -12860,14 +12463,14 @@
                           <m:sSub>
                             <m:sSubPr>
                               <m:ctrlPr>
-                                <a:rPr lang="es-ES" i="1">
+                                <a:rPr lang="en-US" i="1">
                                   <a:latin typeface="Cambria Math" panose="02040503050406030204" pitchFamily="18" charset="0"/>
                                 </a:rPr>
                               </m:ctrlPr>
                             </m:sSubPr>
                             <m:e>
                               <m:r>
-                                <a:rPr lang="es-ES" i="1">
+                                <a:rPr lang="en-US" i="1">
                                   <a:latin typeface="Cambria Math" panose="02040503050406030204" pitchFamily="18" charset="0"/>
                                 </a:rPr>
                                 <m:t>𝑇</m:t>
@@ -12875,7 +12478,7 @@
                             </m:e>
                             <m:sub>
                               <m:r>
-                                <a:rPr lang="es-ES" i="1">
+                                <a:rPr lang="en-US" i="1">
                                   <a:latin typeface="Cambria Math" panose="02040503050406030204" pitchFamily="18" charset="0"/>
                                 </a:rPr>
                                 <m:t>𝑖</m:t>
@@ -12885,48 +12488,45 @@
                         </m:e>
                       </m:d>
                       <m:r>
-                        <a:rPr lang="es-ES" i="1">
+                        <a:rPr lang="en-US" i="1">
                           <a:latin typeface="Cambria Math" panose="02040503050406030204" pitchFamily="18" charset="0"/>
                         </a:rPr>
                         <m:t>=</m:t>
                       </m:r>
                       <m:r>
-                        <a:rPr lang="es-ES" i="1">
+                        <a:rPr lang="en-US" i="1">
                           <a:latin typeface="Cambria Math" panose="02040503050406030204" pitchFamily="18" charset="0"/>
                         </a:rPr>
-                        <m:t>𝑐𝑜𝑛𝑠𝑡𝑎𝑛𝑡𝑒</m:t>
+                        <m:t>𝑐𝑜𝑛𝑠𝑡𝑎𝑛𝑡</m:t>
                       </m:r>
                     </m:oMath>
                   </m:oMathPara>
                 </a14:m>
-                <a:endParaRPr lang="es-ES" dirty="0" smtClean="0"/>
+                <a:endParaRPr lang="en-US" dirty="0" smtClean="0"/>
               </a:p>
               <a:p>
                 <a:r>
-                  <a:rPr lang="es-ES" dirty="0"/>
-                  <a:t>Comprobación:</a:t>
+                  <a:rPr lang="en-US" dirty="0" smtClean="0"/>
+                  <a:t>Check:</a:t>
                 </a:r>
+                <a:endParaRPr lang="en-US" dirty="0"/>
               </a:p>
               <a:p>
                 <a:pPr lvl="1"/>
                 <a:r>
-                  <a:rPr lang="es-ES" dirty="0"/>
-                  <a:t>Situación </a:t>
-                </a:r>
-                <a:r>
-                  <a:rPr lang="es-ES" dirty="0" smtClean="0"/>
-                  <a:t>anterior. </a:t>
+                  <a:rPr lang="en-US" dirty="0" smtClean="0"/>
+                  <a:t>The previous situation. </a:t>
                 </a:r>
                 <a14:m>
                   <m:oMath xmlns:m="http://schemas.openxmlformats.org/officeDocument/2006/math">
                     <m:r>
-                      <a:rPr lang="es-ES" i="1" dirty="0" smtClean="0">
+                      <a:rPr lang="en-US" i="1" smtClean="0">
                         <a:latin typeface="Cambria Math" panose="02040503050406030204" pitchFamily="18" charset="0"/>
                       </a:rPr>
                       <m:t>𝐺</m:t>
                     </m:r>
                     <m:r>
-                      <a:rPr lang="es-ES" i="1" dirty="0" smtClean="0">
+                      <a:rPr lang="en-US" i="1" smtClean="0">
                         <a:latin typeface="Cambria Math" panose="02040503050406030204" pitchFamily="18" charset="0"/>
                       </a:rPr>
                       <m:t>=7,18·</m:t>
@@ -12934,14 +12534,14 @@
                     <m:sSup>
                       <m:sSupPr>
                         <m:ctrlPr>
-                          <a:rPr lang="es-ES" b="0" i="1" dirty="0" smtClean="0">
+                          <a:rPr lang="en-US" b="0" i="1" smtClean="0">
                             <a:latin typeface="Cambria Math" panose="02040503050406030204" pitchFamily="18" charset="0"/>
                           </a:rPr>
                         </m:ctrlPr>
                       </m:sSupPr>
                       <m:e>
                         <m:r>
-                          <a:rPr lang="es-ES" b="0" i="1" dirty="0" smtClean="0">
+                          <a:rPr lang="en-US" b="0" i="1" smtClean="0">
                             <a:latin typeface="Cambria Math" panose="02040503050406030204" pitchFamily="18" charset="0"/>
                           </a:rPr>
                           <m:t>10</m:t>
@@ -12949,7 +12549,7 @@
                       </m:e>
                       <m:sup>
                         <m:r>
-                          <a:rPr lang="es-ES" b="0" i="1" dirty="0" smtClean="0">
+                          <a:rPr lang="en-US" b="0" i="1" smtClean="0">
                             <a:latin typeface="Cambria Math" panose="02040503050406030204" pitchFamily="18" charset="0"/>
                           </a:rPr>
                           <m:t>6</m:t>
@@ -12957,37 +12557,37 @@
                       </m:sup>
                     </m:sSup>
                     <m:r>
-                      <a:rPr lang="es-ES" i="1" dirty="0" smtClean="0">
+                      <a:rPr lang="en-US" i="1" smtClean="0">
                         <a:latin typeface="Cambria Math" panose="02040503050406030204" pitchFamily="18" charset="0"/>
                       </a:rPr>
                       <m:t>, </m:t>
                     </m:r>
                     <m:r>
-                      <a:rPr lang="es-ES" b="0" i="1" dirty="0" smtClean="0">
+                      <a:rPr lang="en-US" b="0" i="1" smtClean="0">
                         <a:latin typeface="Cambria Math" panose="02040503050406030204" pitchFamily="18" charset="0"/>
                       </a:rPr>
                       <m:t> </m:t>
                     </m:r>
                     <m:r>
-                      <a:rPr lang="es-ES" i="1" dirty="0" smtClean="0">
+                      <a:rPr lang="en-US" i="1" smtClean="0">
                         <a:latin typeface="Cambria Math" panose="02040503050406030204" pitchFamily="18" charset="0"/>
                       </a:rPr>
                       <m:t>𝑇</m:t>
                     </m:r>
                     <m:r>
-                      <a:rPr lang="es-ES" i="1" dirty="0" smtClean="0">
+                      <a:rPr lang="en-US" i="1" smtClean="0">
                         <a:latin typeface="Cambria Math" panose="02040503050406030204" pitchFamily="18" charset="0"/>
                       </a:rPr>
                       <m:t>=25º</m:t>
                     </m:r>
                     <m:r>
-                      <a:rPr lang="es-ES" i="1" dirty="0" smtClean="0">
+                      <a:rPr lang="en-US" i="1" smtClean="0">
                         <a:latin typeface="Cambria Math" panose="02040503050406030204" pitchFamily="18" charset="0"/>
                       </a:rPr>
                       <m:t>𝐶</m:t>
                     </m:r>
                     <m:r>
-                      <a:rPr lang="es-ES" i="1" dirty="0" smtClean="0">
+                      <a:rPr lang="en-US" i="1" smtClean="0">
                         <a:latin typeface="Cambria Math" panose="02040503050406030204" pitchFamily="18" charset="0"/>
                       </a:rPr>
                       <m:t>,  </m:t>
@@ -12995,14 +12595,14 @@
                     <m:sSub>
                       <m:sSubPr>
                         <m:ctrlPr>
-                          <a:rPr lang="es-ES" b="0" i="1" dirty="0" smtClean="0">
+                          <a:rPr lang="en-US" b="0" i="1" smtClean="0">
                             <a:latin typeface="Cambria Math" panose="02040503050406030204" pitchFamily="18" charset="0"/>
                           </a:rPr>
                         </m:ctrlPr>
                       </m:sSubPr>
                       <m:e>
                         <m:r>
-                          <a:rPr lang="es-ES" b="0" i="1" dirty="0" smtClean="0">
+                          <a:rPr lang="en-US" b="0" i="1" smtClean="0">
                             <a:latin typeface="Cambria Math" panose="02040503050406030204" pitchFamily="18" charset="0"/>
                           </a:rPr>
                           <m:t>𝑉</m:t>
@@ -13010,7 +12610,7 @@
                       </m:e>
                       <m:sub>
                         <m:r>
-                          <a:rPr lang="es-ES" b="0" i="1" dirty="0" smtClean="0">
+                          <a:rPr lang="en-US" b="0" i="1" smtClean="0">
                             <a:latin typeface="Cambria Math" panose="02040503050406030204" pitchFamily="18" charset="0"/>
                           </a:rPr>
                           <m:t>𝑜𝑝</m:t>
@@ -13018,13 +12618,13 @@
                       </m:sub>
                     </m:sSub>
                     <m:r>
-                      <a:rPr lang="es-ES" b="0" i="1" dirty="0" smtClean="0">
+                      <a:rPr lang="en-US" b="0" i="1" smtClean="0">
                         <a:latin typeface="Cambria Math" panose="02040503050406030204" pitchFamily="18" charset="0"/>
                       </a:rPr>
                       <m:t>=53,57 </m:t>
                     </m:r>
                     <m:r>
-                      <a:rPr lang="es-ES" b="0" i="1" dirty="0" smtClean="0">
+                      <a:rPr lang="en-US" b="0" i="1" smtClean="0">
                         <a:latin typeface="Cambria Math" panose="02040503050406030204" pitchFamily="18" charset="0"/>
                       </a:rPr>
                       <m:t>𝑉</m:t>
@@ -13032,23 +12632,23 @@
                   </m:oMath>
                 </a14:m>
                 <a:r>
-                  <a:rPr lang="es-ES" dirty="0" smtClean="0"/>
+                  <a:rPr lang="en-US" dirty="0" smtClean="0"/>
                   <a:t> </a:t>
                 </a:r>
-                <a:endParaRPr lang="es-ES" dirty="0"/>
+                <a:endParaRPr lang="en-US" dirty="0"/>
               </a:p>
               <a:p>
                 <a:pPr lvl="1"/>
                 <a14:m>
                   <m:oMath xmlns:m="http://schemas.openxmlformats.org/officeDocument/2006/math">
                     <m:r>
-                      <a:rPr lang="es-ES" i="1">
+                      <a:rPr lang="en-US" i="1">
                         <a:latin typeface="Cambria Math" panose="02040503050406030204" pitchFamily="18" charset="0"/>
                       </a:rPr>
                       <m:t>𝑇</m:t>
                     </m:r>
                     <m:r>
-                      <a:rPr lang="es-ES" i="1">
+                      <a:rPr lang="en-US" i="1">
                         <a:latin typeface="Cambria Math" panose="02040503050406030204" pitchFamily="18" charset="0"/>
                         <a:ea typeface="Cambria Math" panose="02040503050406030204" pitchFamily="18" charset="0"/>
                       </a:rPr>
@@ -13059,7 +12659,7 @@
                         <m:begChr m:val="["/>
                         <m:endChr m:val="]"/>
                         <m:ctrlPr>
-                          <a:rPr lang="es-ES" i="1">
+                          <a:rPr lang="en-US" i="1">
                             <a:latin typeface="Cambria Math" panose="02040503050406030204" pitchFamily="18" charset="0"/>
                             <a:ea typeface="Cambria Math" panose="02040503050406030204" pitchFamily="18" charset="0"/>
                           </a:rPr>
@@ -13067,7 +12667,7 @@
                       </m:dPr>
                       <m:e>
                         <m:r>
-                          <a:rPr lang="es-ES" i="1">
+                          <a:rPr lang="en-US" i="1">
                             <a:latin typeface="Cambria Math" panose="02040503050406030204" pitchFamily="18" charset="0"/>
                             <a:ea typeface="Cambria Math" panose="02040503050406030204" pitchFamily="18" charset="0"/>
                           </a:rPr>
@@ -13076,14 +12676,14 @@
                       </m:e>
                     </m:d>
                     <m:r>
-                      <a:rPr lang="es-ES" i="1">
+                      <a:rPr lang="en-US" i="1">
                         <a:latin typeface="Cambria Math" panose="02040503050406030204" pitchFamily="18" charset="0"/>
                         <a:ea typeface="Cambria Math" panose="02040503050406030204" pitchFamily="18" charset="0"/>
                       </a:rPr>
                       <m:t> º</m:t>
                     </m:r>
                     <m:r>
-                      <a:rPr lang="es-ES" i="1">
+                      <a:rPr lang="en-US" i="1">
                         <a:latin typeface="Cambria Math" panose="02040503050406030204" pitchFamily="18" charset="0"/>
                         <a:ea typeface="Cambria Math" panose="02040503050406030204" pitchFamily="18" charset="0"/>
                       </a:rPr>
@@ -13091,7 +12691,7 @@
                     </m:r>
                   </m:oMath>
                 </a14:m>
-                <a:endParaRPr lang="es-ES" dirty="0"/>
+                <a:endParaRPr lang="en-US" dirty="0"/>
               </a:p>
               <a:p>
                 <a:pPr lvl="1"/>
@@ -13101,38 +12701,38 @@
                       <m:rPr>
                         <m:sty m:val="p"/>
                       </m:rPr>
-                      <a:rPr lang="es-ES">
+                      <a:rPr lang="en-US">
                         <a:latin typeface="Cambria Math" panose="02040503050406030204" pitchFamily="18" charset="0"/>
                       </a:rPr>
                       <m:t>Δ</m:t>
                     </m:r>
                     <m:r>
-                      <a:rPr lang="es-ES" i="1">
+                      <a:rPr lang="en-US" i="1">
                         <a:latin typeface="Cambria Math" panose="02040503050406030204" pitchFamily="18" charset="0"/>
                       </a:rPr>
                       <m:t>𝑇</m:t>
                     </m:r>
                     <m:r>
-                      <a:rPr lang="es-ES" i="1">
+                      <a:rPr lang="en-US" i="1">
                         <a:latin typeface="Cambria Math" panose="02040503050406030204" pitchFamily="18" charset="0"/>
                       </a:rPr>
                       <m:t>=2 º</m:t>
                     </m:r>
                     <m:r>
-                      <a:rPr lang="es-ES" i="1">
+                      <a:rPr lang="en-US" i="1">
                         <a:latin typeface="Cambria Math" panose="02040503050406030204" pitchFamily="18" charset="0"/>
                       </a:rPr>
                       <m:t>𝐶</m:t>
                     </m:r>
                   </m:oMath>
                 </a14:m>
-                <a:endParaRPr lang="es-ES" dirty="0"/>
+                <a:endParaRPr lang="en-US" dirty="0"/>
               </a:p>
               <a:p>
                 <a:pPr marL="0" indent="0">
                   <a:buNone/>
                 </a:pPr>
-                <a:endParaRPr lang="es-ES" dirty="0"/>
+                <a:endParaRPr lang="en-US" dirty="0"/>
               </a:p>
               <a:p>
                 <a:endParaRPr lang="es-ES" dirty="0" smtClean="0"/>
@@ -13143,7 +12743,7 @@
             </p:txBody>
           </p:sp>
         </mc:Choice>
-        <mc:Fallback xmlns="">
+        <mc:Fallback>
           <p:sp>
             <p:nvSpPr>
               <p:cNvPr id="3" name="Marcador de contenido 2"/>
@@ -13781,7 +13381,7 @@
 </p:sld>
 </file>
 
-<file path=ppt/slides/slide17.xml><?xml version="1.0" encoding="utf-8"?>
+<file path=ppt/slides/slide16.xml><?xml version="1.0" encoding="utf-8"?>
 <p:sld xmlns:a="http://schemas.openxmlformats.org/drawingml/2006/main" xmlns:r="http://schemas.openxmlformats.org/officeDocument/2006/relationships" xmlns:p="http://schemas.openxmlformats.org/presentationml/2006/main">
   <p:cSld>
     <p:spTree>
@@ -13819,15 +13419,7 @@
                   <a:schemeClr val="accent2"/>
                 </a:solidFill>
               </a:rPr>
-              <a:t>S</a:t>
-            </a:r>
-            <a:r>
-              <a:rPr lang="en-US" dirty="0" smtClean="0">
-                <a:solidFill>
-                  <a:schemeClr val="accent2"/>
-                </a:solidFill>
-              </a:rPr>
-              <a:t>tabilization of the gain</a:t>
+              <a:t>Stabilization of the gain</a:t>
             </a:r>
             <a:endParaRPr lang="en-US" dirty="0">
               <a:solidFill>
@@ -13837,8 +13429,8 @@
           </a:p>
         </p:txBody>
       </p:sp>
-      <mc:AlternateContent xmlns:mc="http://schemas.openxmlformats.org/markup-compatibility/2006">
-        <mc:Choice xmlns:a14="http://schemas.microsoft.com/office/drawing/2010/main" Requires="a14">
+      <mc:AlternateContent xmlns:mc="http://schemas.openxmlformats.org/markup-compatibility/2006" xmlns:a14="http://schemas.microsoft.com/office/drawing/2010/main">
+        <mc:Choice Requires="a14">
           <p:sp>
             <p:nvSpPr>
               <p:cNvPr id="3" name="Marcador de contenido 2"/>
@@ -14208,7 +13800,7 @@
             </p:txBody>
           </p:sp>
         </mc:Choice>
-        <mc:Fallback>
+        <mc:Fallback xmlns="">
           <p:sp>
             <p:nvSpPr>
               <p:cNvPr id="3" name="Marcador de contenido 2"/>
@@ -14685,7 +14277,7 @@
 </p:sld>
 </file>
 
-<file path=ppt/slides/slide18.xml><?xml version="1.0" encoding="utf-8"?>
+<file path=ppt/slides/slide17.xml><?xml version="1.0" encoding="utf-8"?>
 <p:sld xmlns:a="http://schemas.openxmlformats.org/drawingml/2006/main" xmlns:r="http://schemas.openxmlformats.org/officeDocument/2006/relationships" xmlns:p="http://schemas.openxmlformats.org/presentationml/2006/main">
   <p:cSld>
     <p:spTree>
@@ -14730,8 +14322,8 @@
           </a:p>
         </p:txBody>
       </p:sp>
-      <mc:AlternateContent xmlns:mc="http://schemas.openxmlformats.org/markup-compatibility/2006">
-        <mc:Choice xmlns:a14="http://schemas.microsoft.com/office/drawing/2010/main" Requires="a14">
+      <mc:AlternateContent xmlns:mc="http://schemas.openxmlformats.org/markup-compatibility/2006" xmlns:a14="http://schemas.microsoft.com/office/drawing/2010/main">
+        <mc:Choice Requires="a14">
           <p:sp>
             <p:nvSpPr>
               <p:cNvPr id="3" name="Marcador de contenido 2"/>
@@ -14997,7 +14589,7 @@
             </p:txBody>
           </p:sp>
         </mc:Choice>
-        <mc:Fallback>
+        <mc:Fallback xmlns="">
           <p:sp>
             <p:nvSpPr>
               <p:cNvPr id="3" name="Marcador de contenido 2"/>
@@ -15212,10 +14804,553 @@
   <p:clrMapOvr>
     <a:masterClrMapping/>
   </p:clrMapOvr>
+  <p:timing>
+    <p:tnLst>
+      <p:par>
+        <p:cTn id="1" dur="indefinite" restart="never" nodeType="tmRoot">
+          <p:childTnLst>
+            <p:seq concurrent="1" nextAc="seek">
+              <p:cTn id="2" dur="indefinite" nodeType="mainSeq">
+                <p:childTnLst>
+                  <p:par>
+                    <p:cTn id="3" fill="hold">
+                      <p:stCondLst>
+                        <p:cond delay="indefinite"/>
+                      </p:stCondLst>
+                      <p:childTnLst>
+                        <p:par>
+                          <p:cTn id="4" fill="hold">
+                            <p:stCondLst>
+                              <p:cond delay="0"/>
+                            </p:stCondLst>
+                            <p:childTnLst>
+                              <p:par>
+                                <p:cTn id="5" presetID="22" presetClass="entr" presetSubtype="4" fill="hold" nodeType="clickEffect">
+                                  <p:stCondLst>
+                                    <p:cond delay="0"/>
+                                  </p:stCondLst>
+                                  <p:childTnLst>
+                                    <p:set>
+                                      <p:cBhvr>
+                                        <p:cTn id="6" dur="1" fill="hold">
+                                          <p:stCondLst>
+                                            <p:cond delay="0"/>
+                                          </p:stCondLst>
+                                        </p:cTn>
+                                        <p:tgtEl>
+                                          <p:spTgt spid="3">
+                                            <p:txEl>
+                                              <p:pRg st="1" end="1"/>
+                                            </p:txEl>
+                                          </p:spTgt>
+                                        </p:tgtEl>
+                                        <p:attrNameLst>
+                                          <p:attrName>style.visibility</p:attrName>
+                                        </p:attrNameLst>
+                                      </p:cBhvr>
+                                      <p:to>
+                                        <p:strVal val="visible"/>
+                                      </p:to>
+                                    </p:set>
+                                    <p:animEffect transition="in" filter="wipe(down)">
+                                      <p:cBhvr>
+                                        <p:cTn id="7" dur="500"/>
+                                        <p:tgtEl>
+                                          <p:spTgt spid="3">
+                                            <p:txEl>
+                                              <p:pRg st="1" end="1"/>
+                                            </p:txEl>
+                                          </p:spTgt>
+                                        </p:tgtEl>
+                                      </p:cBhvr>
+                                    </p:animEffect>
+                                  </p:childTnLst>
+                                </p:cTn>
+                              </p:par>
+                            </p:childTnLst>
+                          </p:cTn>
+                        </p:par>
+                      </p:childTnLst>
+                    </p:cTn>
+                  </p:par>
+                  <p:par>
+                    <p:cTn id="8" fill="hold">
+                      <p:stCondLst>
+                        <p:cond delay="indefinite"/>
+                      </p:stCondLst>
+                      <p:childTnLst>
+                        <p:par>
+                          <p:cTn id="9" fill="hold">
+                            <p:stCondLst>
+                              <p:cond delay="0"/>
+                            </p:stCondLst>
+                            <p:childTnLst>
+                              <p:par>
+                                <p:cTn id="10" presetID="22" presetClass="entr" presetSubtype="4" fill="hold" nodeType="clickEffect">
+                                  <p:stCondLst>
+                                    <p:cond delay="0"/>
+                                  </p:stCondLst>
+                                  <p:childTnLst>
+                                    <p:set>
+                                      <p:cBhvr>
+                                        <p:cTn id="11" dur="1" fill="hold">
+                                          <p:stCondLst>
+                                            <p:cond delay="0"/>
+                                          </p:stCondLst>
+                                        </p:cTn>
+                                        <p:tgtEl>
+                                          <p:spTgt spid="3">
+                                            <p:txEl>
+                                              <p:pRg st="2" end="2"/>
+                                            </p:txEl>
+                                          </p:spTgt>
+                                        </p:tgtEl>
+                                        <p:attrNameLst>
+                                          <p:attrName>style.visibility</p:attrName>
+                                        </p:attrNameLst>
+                                      </p:cBhvr>
+                                      <p:to>
+                                        <p:strVal val="visible"/>
+                                      </p:to>
+                                    </p:set>
+                                    <p:animEffect transition="in" filter="wipe(down)">
+                                      <p:cBhvr>
+                                        <p:cTn id="12" dur="500"/>
+                                        <p:tgtEl>
+                                          <p:spTgt spid="3">
+                                            <p:txEl>
+                                              <p:pRg st="2" end="2"/>
+                                            </p:txEl>
+                                          </p:spTgt>
+                                        </p:tgtEl>
+                                      </p:cBhvr>
+                                    </p:animEffect>
+                                  </p:childTnLst>
+                                </p:cTn>
+                              </p:par>
+                            </p:childTnLst>
+                          </p:cTn>
+                        </p:par>
+                      </p:childTnLst>
+                    </p:cTn>
+                  </p:par>
+                  <p:par>
+                    <p:cTn id="13" fill="hold">
+                      <p:stCondLst>
+                        <p:cond delay="indefinite"/>
+                      </p:stCondLst>
+                      <p:childTnLst>
+                        <p:par>
+                          <p:cTn id="14" fill="hold">
+                            <p:stCondLst>
+                              <p:cond delay="0"/>
+                            </p:stCondLst>
+                            <p:childTnLst>
+                              <p:par>
+                                <p:cTn id="15" presetID="22" presetClass="entr" presetSubtype="4" fill="hold" nodeType="clickEffect">
+                                  <p:stCondLst>
+                                    <p:cond delay="0"/>
+                                  </p:stCondLst>
+                                  <p:childTnLst>
+                                    <p:set>
+                                      <p:cBhvr>
+                                        <p:cTn id="16" dur="1" fill="hold">
+                                          <p:stCondLst>
+                                            <p:cond delay="0"/>
+                                          </p:stCondLst>
+                                        </p:cTn>
+                                        <p:tgtEl>
+                                          <p:spTgt spid="3">
+                                            <p:txEl>
+                                              <p:pRg st="3" end="3"/>
+                                            </p:txEl>
+                                          </p:spTgt>
+                                        </p:tgtEl>
+                                        <p:attrNameLst>
+                                          <p:attrName>style.visibility</p:attrName>
+                                        </p:attrNameLst>
+                                      </p:cBhvr>
+                                      <p:to>
+                                        <p:strVal val="visible"/>
+                                      </p:to>
+                                    </p:set>
+                                    <p:animEffect transition="in" filter="wipe(down)">
+                                      <p:cBhvr>
+                                        <p:cTn id="17" dur="500"/>
+                                        <p:tgtEl>
+                                          <p:spTgt spid="3">
+                                            <p:txEl>
+                                              <p:pRg st="3" end="3"/>
+                                            </p:txEl>
+                                          </p:spTgt>
+                                        </p:tgtEl>
+                                      </p:cBhvr>
+                                    </p:animEffect>
+                                  </p:childTnLst>
+                                </p:cTn>
+                              </p:par>
+                            </p:childTnLst>
+                          </p:cTn>
+                        </p:par>
+                      </p:childTnLst>
+                    </p:cTn>
+                  </p:par>
+                  <p:par>
+                    <p:cTn id="18" fill="hold">
+                      <p:stCondLst>
+                        <p:cond delay="indefinite"/>
+                      </p:stCondLst>
+                      <p:childTnLst>
+                        <p:par>
+                          <p:cTn id="19" fill="hold">
+                            <p:stCondLst>
+                              <p:cond delay="0"/>
+                            </p:stCondLst>
+                            <p:childTnLst>
+                              <p:par>
+                                <p:cTn id="20" presetID="22" presetClass="entr" presetSubtype="4" fill="hold" nodeType="clickEffect">
+                                  <p:stCondLst>
+                                    <p:cond delay="0"/>
+                                  </p:stCondLst>
+                                  <p:childTnLst>
+                                    <p:set>
+                                      <p:cBhvr>
+                                        <p:cTn id="21" dur="1" fill="hold">
+                                          <p:stCondLst>
+                                            <p:cond delay="0"/>
+                                          </p:stCondLst>
+                                        </p:cTn>
+                                        <p:tgtEl>
+                                          <p:spTgt spid="3">
+                                            <p:txEl>
+                                              <p:pRg st="4" end="4"/>
+                                            </p:txEl>
+                                          </p:spTgt>
+                                        </p:tgtEl>
+                                        <p:attrNameLst>
+                                          <p:attrName>style.visibility</p:attrName>
+                                        </p:attrNameLst>
+                                      </p:cBhvr>
+                                      <p:to>
+                                        <p:strVal val="visible"/>
+                                      </p:to>
+                                    </p:set>
+                                    <p:animEffect transition="in" filter="wipe(down)">
+                                      <p:cBhvr>
+                                        <p:cTn id="22" dur="500"/>
+                                        <p:tgtEl>
+                                          <p:spTgt spid="3">
+                                            <p:txEl>
+                                              <p:pRg st="4" end="4"/>
+                                            </p:txEl>
+                                          </p:spTgt>
+                                        </p:tgtEl>
+                                      </p:cBhvr>
+                                    </p:animEffect>
+                                  </p:childTnLst>
+                                </p:cTn>
+                              </p:par>
+                            </p:childTnLst>
+                          </p:cTn>
+                        </p:par>
+                      </p:childTnLst>
+                    </p:cTn>
+                  </p:par>
+                  <p:par>
+                    <p:cTn id="23" fill="hold">
+                      <p:stCondLst>
+                        <p:cond delay="indefinite"/>
+                      </p:stCondLst>
+                      <p:childTnLst>
+                        <p:par>
+                          <p:cTn id="24" fill="hold">
+                            <p:stCondLst>
+                              <p:cond delay="0"/>
+                            </p:stCondLst>
+                            <p:childTnLst>
+                              <p:par>
+                                <p:cTn id="25" presetID="22" presetClass="entr" presetSubtype="4" fill="hold" nodeType="clickEffect">
+                                  <p:stCondLst>
+                                    <p:cond delay="0"/>
+                                  </p:stCondLst>
+                                  <p:childTnLst>
+                                    <p:set>
+                                      <p:cBhvr>
+                                        <p:cTn id="26" dur="1" fill="hold">
+                                          <p:stCondLst>
+                                            <p:cond delay="0"/>
+                                          </p:stCondLst>
+                                        </p:cTn>
+                                        <p:tgtEl>
+                                          <p:spTgt spid="3">
+                                            <p:txEl>
+                                              <p:pRg st="5" end="5"/>
+                                            </p:txEl>
+                                          </p:spTgt>
+                                        </p:tgtEl>
+                                        <p:attrNameLst>
+                                          <p:attrName>style.visibility</p:attrName>
+                                        </p:attrNameLst>
+                                      </p:cBhvr>
+                                      <p:to>
+                                        <p:strVal val="visible"/>
+                                      </p:to>
+                                    </p:set>
+                                    <p:animEffect transition="in" filter="wipe(down)">
+                                      <p:cBhvr>
+                                        <p:cTn id="27" dur="500"/>
+                                        <p:tgtEl>
+                                          <p:spTgt spid="3">
+                                            <p:txEl>
+                                              <p:pRg st="5" end="5"/>
+                                            </p:txEl>
+                                          </p:spTgt>
+                                        </p:tgtEl>
+                                      </p:cBhvr>
+                                    </p:animEffect>
+                                  </p:childTnLst>
+                                </p:cTn>
+                              </p:par>
+                              <p:par>
+                                <p:cTn id="28" presetID="22" presetClass="entr" presetSubtype="4" fill="hold" nodeType="withEffect">
+                                  <p:stCondLst>
+                                    <p:cond delay="0"/>
+                                  </p:stCondLst>
+                                  <p:childTnLst>
+                                    <p:set>
+                                      <p:cBhvr>
+                                        <p:cTn id="29" dur="1" fill="hold">
+                                          <p:stCondLst>
+                                            <p:cond delay="0"/>
+                                          </p:stCondLst>
+                                        </p:cTn>
+                                        <p:tgtEl>
+                                          <p:spTgt spid="3">
+                                            <p:txEl>
+                                              <p:pRg st="6" end="6"/>
+                                            </p:txEl>
+                                          </p:spTgt>
+                                        </p:tgtEl>
+                                        <p:attrNameLst>
+                                          <p:attrName>style.visibility</p:attrName>
+                                        </p:attrNameLst>
+                                      </p:cBhvr>
+                                      <p:to>
+                                        <p:strVal val="visible"/>
+                                      </p:to>
+                                    </p:set>
+                                    <p:animEffect transition="in" filter="wipe(down)">
+                                      <p:cBhvr>
+                                        <p:cTn id="30" dur="500"/>
+                                        <p:tgtEl>
+                                          <p:spTgt spid="3">
+                                            <p:txEl>
+                                              <p:pRg st="6" end="6"/>
+                                            </p:txEl>
+                                          </p:spTgt>
+                                        </p:tgtEl>
+                                      </p:cBhvr>
+                                    </p:animEffect>
+                                  </p:childTnLst>
+                                </p:cTn>
+                              </p:par>
+                              <p:par>
+                                <p:cTn id="31" presetID="22" presetClass="entr" presetSubtype="4" fill="hold" nodeType="withEffect">
+                                  <p:stCondLst>
+                                    <p:cond delay="0"/>
+                                  </p:stCondLst>
+                                  <p:childTnLst>
+                                    <p:set>
+                                      <p:cBhvr>
+                                        <p:cTn id="32" dur="1" fill="hold">
+                                          <p:stCondLst>
+                                            <p:cond delay="0"/>
+                                          </p:stCondLst>
+                                        </p:cTn>
+                                        <p:tgtEl>
+                                          <p:spTgt spid="3">
+                                            <p:txEl>
+                                              <p:pRg st="7" end="7"/>
+                                            </p:txEl>
+                                          </p:spTgt>
+                                        </p:tgtEl>
+                                        <p:attrNameLst>
+                                          <p:attrName>style.visibility</p:attrName>
+                                        </p:attrNameLst>
+                                      </p:cBhvr>
+                                      <p:to>
+                                        <p:strVal val="visible"/>
+                                      </p:to>
+                                    </p:set>
+                                    <p:animEffect transition="in" filter="wipe(down)">
+                                      <p:cBhvr>
+                                        <p:cTn id="33" dur="500"/>
+                                        <p:tgtEl>
+                                          <p:spTgt spid="3">
+                                            <p:txEl>
+                                              <p:pRg st="7" end="7"/>
+                                            </p:txEl>
+                                          </p:spTgt>
+                                        </p:tgtEl>
+                                      </p:cBhvr>
+                                    </p:animEffect>
+                                  </p:childTnLst>
+                                </p:cTn>
+                              </p:par>
+                            </p:childTnLst>
+                          </p:cTn>
+                        </p:par>
+                      </p:childTnLst>
+                    </p:cTn>
+                  </p:par>
+                  <p:par>
+                    <p:cTn id="34" fill="hold">
+                      <p:stCondLst>
+                        <p:cond delay="indefinite"/>
+                      </p:stCondLst>
+                      <p:childTnLst>
+                        <p:par>
+                          <p:cTn id="35" fill="hold">
+                            <p:stCondLst>
+                              <p:cond delay="0"/>
+                            </p:stCondLst>
+                            <p:childTnLst>
+                              <p:par>
+                                <p:cTn id="36" presetID="22" presetClass="entr" presetSubtype="4" fill="hold" nodeType="clickEffect">
+                                  <p:stCondLst>
+                                    <p:cond delay="0"/>
+                                  </p:stCondLst>
+                                  <p:childTnLst>
+                                    <p:set>
+                                      <p:cBhvr>
+                                        <p:cTn id="37" dur="1" fill="hold">
+                                          <p:stCondLst>
+                                            <p:cond delay="0"/>
+                                          </p:stCondLst>
+                                        </p:cTn>
+                                        <p:tgtEl>
+                                          <p:spTgt spid="3">
+                                            <p:txEl>
+                                              <p:pRg st="8" end="8"/>
+                                            </p:txEl>
+                                          </p:spTgt>
+                                        </p:tgtEl>
+                                        <p:attrNameLst>
+                                          <p:attrName>style.visibility</p:attrName>
+                                        </p:attrNameLst>
+                                      </p:cBhvr>
+                                      <p:to>
+                                        <p:strVal val="visible"/>
+                                      </p:to>
+                                    </p:set>
+                                    <p:animEffect transition="in" filter="wipe(down)">
+                                      <p:cBhvr>
+                                        <p:cTn id="38" dur="500"/>
+                                        <p:tgtEl>
+                                          <p:spTgt spid="3">
+                                            <p:txEl>
+                                              <p:pRg st="8" end="8"/>
+                                            </p:txEl>
+                                          </p:spTgt>
+                                        </p:tgtEl>
+                                      </p:cBhvr>
+                                    </p:animEffect>
+                                  </p:childTnLst>
+                                </p:cTn>
+                              </p:par>
+                            </p:childTnLst>
+                          </p:cTn>
+                        </p:par>
+                      </p:childTnLst>
+                    </p:cTn>
+                  </p:par>
+                  <p:par>
+                    <p:cTn id="39" fill="hold">
+                      <p:stCondLst>
+                        <p:cond delay="indefinite"/>
+                      </p:stCondLst>
+                      <p:childTnLst>
+                        <p:par>
+                          <p:cTn id="40" fill="hold">
+                            <p:stCondLst>
+                              <p:cond delay="0"/>
+                            </p:stCondLst>
+                            <p:childTnLst>
+                              <p:par>
+                                <p:cTn id="41" presetID="22" presetClass="entr" presetSubtype="4" fill="hold" nodeType="clickEffect">
+                                  <p:stCondLst>
+                                    <p:cond delay="0"/>
+                                  </p:stCondLst>
+                                  <p:childTnLst>
+                                    <p:set>
+                                      <p:cBhvr>
+                                        <p:cTn id="42" dur="1" fill="hold">
+                                          <p:stCondLst>
+                                            <p:cond delay="0"/>
+                                          </p:stCondLst>
+                                        </p:cTn>
+                                        <p:tgtEl>
+                                          <p:spTgt spid="3">
+                                            <p:txEl>
+                                              <p:pRg st="9" end="9"/>
+                                            </p:txEl>
+                                          </p:spTgt>
+                                        </p:tgtEl>
+                                        <p:attrNameLst>
+                                          <p:attrName>style.visibility</p:attrName>
+                                        </p:attrNameLst>
+                                      </p:cBhvr>
+                                      <p:to>
+                                        <p:strVal val="visible"/>
+                                      </p:to>
+                                    </p:set>
+                                    <p:animEffect transition="in" filter="wipe(down)">
+                                      <p:cBhvr>
+                                        <p:cTn id="43" dur="500"/>
+                                        <p:tgtEl>
+                                          <p:spTgt spid="3">
+                                            <p:txEl>
+                                              <p:pRg st="9" end="9"/>
+                                            </p:txEl>
+                                          </p:spTgt>
+                                        </p:tgtEl>
+                                      </p:cBhvr>
+                                    </p:animEffect>
+                                  </p:childTnLst>
+                                </p:cTn>
+                              </p:par>
+                            </p:childTnLst>
+                          </p:cTn>
+                        </p:par>
+                      </p:childTnLst>
+                    </p:cTn>
+                  </p:par>
+                </p:childTnLst>
+              </p:cTn>
+              <p:prevCondLst>
+                <p:cond evt="onPrev" delay="0">
+                  <p:tgtEl>
+                    <p:sldTgt/>
+                  </p:tgtEl>
+                </p:cond>
+              </p:prevCondLst>
+              <p:nextCondLst>
+                <p:cond evt="onNext" delay="0">
+                  <p:tgtEl>
+                    <p:sldTgt/>
+                  </p:tgtEl>
+                </p:cond>
+              </p:nextCondLst>
+            </p:seq>
+          </p:childTnLst>
+        </p:cTn>
+      </p:par>
+    </p:tnLst>
+  </p:timing>
 </p:sld>
 </file>
 
-<file path=ppt/slides/slide19.xml><?xml version="1.0" encoding="utf-8"?>
+<file path=ppt/slides/slide18.xml><?xml version="1.0" encoding="utf-8"?>
 <p:sld xmlns:a="http://schemas.openxmlformats.org/drawingml/2006/main" xmlns:r="http://schemas.openxmlformats.org/officeDocument/2006/relationships" xmlns:p="http://schemas.openxmlformats.org/presentationml/2006/main">
   <p:cSld>
     <p:spTree>
@@ -15248,8 +15383,8 @@
           <a:lstStyle/>
           <a:p>
             <a:r>
-              <a:rPr lang="en-US" dirty="0" err="1" smtClean="0"/>
-              <a:t>Prototipe</a:t>
+              <a:rPr lang="en-US" dirty="0" smtClean="0"/>
+              <a:t>Prototype of the card</a:t>
             </a:r>
             <a:r>
               <a:rPr lang="en-US" dirty="0" smtClean="0"/>
@@ -15494,6 +15629,270 @@
   <p:clrMapOvr>
     <a:masterClrMapping/>
   </p:clrMapOvr>
+  <p:timing>
+    <p:tnLst>
+      <p:par>
+        <p:cTn id="1" dur="indefinite" restart="never" nodeType="tmRoot"/>
+      </p:par>
+    </p:tnLst>
+  </p:timing>
+</p:sld>
+</file>
+
+<file path=ppt/slides/slide19.xml><?xml version="1.0" encoding="utf-8"?>
+<p:sld xmlns:a="http://schemas.openxmlformats.org/drawingml/2006/main" xmlns:r="http://schemas.openxmlformats.org/officeDocument/2006/relationships" xmlns:p="http://schemas.openxmlformats.org/presentationml/2006/main">
+  <p:cSld>
+    <p:spTree>
+      <p:nvGrpSpPr>
+        <p:cNvPr id="1" name=""/>
+        <p:cNvGrpSpPr/>
+        <p:nvPr/>
+      </p:nvGrpSpPr>
+      <p:grpSpPr>
+        <a:xfrm>
+          <a:off x="0" y="0"/>
+          <a:ext cx="0" cy="0"/>
+          <a:chOff x="0" y="0"/>
+          <a:chExt cx="0" cy="0"/>
+        </a:xfrm>
+      </p:grpSpPr>
+      <p:sp>
+        <p:nvSpPr>
+          <p:cNvPr id="2" name="Título 1"/>
+          <p:cNvSpPr>
+            <a:spLocks noGrp="1"/>
+          </p:cNvSpPr>
+          <p:nvPr>
+            <p:ph type="title"/>
+          </p:nvPr>
+        </p:nvSpPr>
+        <p:spPr/>
+        <p:txBody>
+          <a:bodyPr/>
+          <a:lstStyle/>
+          <a:p>
+            <a:r>
+              <a:rPr lang="en-US" dirty="0" smtClean="0"/>
+              <a:t>This is all</a:t>
+            </a:r>
+            <a:endParaRPr lang="en-US" dirty="0"/>
+          </a:p>
+        </p:txBody>
+      </p:sp>
+      <p:pic>
+        <p:nvPicPr>
+          <p:cNvPr id="7" name="Imagen 6"/>
+          <p:cNvPicPr>
+            <a:picLocks noChangeAspect="1"/>
+          </p:cNvPicPr>
+          <p:nvPr/>
+        </p:nvPicPr>
+        <p:blipFill>
+          <a:blip r:embed="rId2">
+            <a:extLst>
+              <a:ext uri="{28A0092B-C50C-407E-A947-70E740481C1C}">
+                <a14:useLocalDpi xmlns:a14="http://schemas.microsoft.com/office/drawing/2010/main" val="0"/>
+              </a:ext>
+            </a:extLst>
+          </a:blip>
+          <a:stretch>
+            <a:fillRect/>
+          </a:stretch>
+        </p:blipFill>
+        <p:spPr>
+          <a:xfrm>
+            <a:off x="1907704" y="1628800"/>
+            <a:ext cx="5291995" cy="3963888"/>
+          </a:xfrm>
+          <a:prstGeom prst="rect">
+            <a:avLst/>
+          </a:prstGeom>
+        </p:spPr>
+      </p:pic>
+      <p:sp>
+        <p:nvSpPr>
+          <p:cNvPr id="6" name="Marcador de pie de página 3"/>
+          <p:cNvSpPr>
+            <a:spLocks noGrp="1"/>
+          </p:cNvSpPr>
+          <p:nvPr>
+            <p:ph type="ftr" sz="quarter" idx="11"/>
+          </p:nvPr>
+        </p:nvSpPr>
+        <p:spPr>
+          <a:xfrm>
+            <a:off x="609599" y="6473163"/>
+            <a:ext cx="4622973" cy="365125"/>
+          </a:xfrm>
+        </p:spPr>
+        <p:txBody>
+          <a:bodyPr/>
+          <a:lstStyle/>
+          <a:p>
+            <a:r>
+              <a:rPr lang="es-ES" sz="1000" dirty="0" smtClean="0"/>
+              <a:t>Marcos </a:t>
+            </a:r>
+            <a:r>
+              <a:rPr lang="es-ES" sz="1000" dirty="0" err="1" smtClean="0"/>
+              <a:t>Martinez</a:t>
+            </a:r>
+            <a:r>
+              <a:rPr lang="es-ES" sz="1000" dirty="0" smtClean="0"/>
+              <a:t> Roig </a:t>
+            </a:r>
+            <a:endParaRPr lang="es-ES" sz="1000" dirty="0"/>
+          </a:p>
+        </p:txBody>
+      </p:sp>
+      <p:sp>
+        <p:nvSpPr>
+          <p:cNvPr id="8" name="Marcador de número de diapositiva 4"/>
+          <p:cNvSpPr txBox="1">
+            <a:spLocks/>
+          </p:cNvSpPr>
+          <p:nvPr/>
+        </p:nvSpPr>
+        <p:spPr>
+          <a:xfrm>
+            <a:off x="7452320" y="6482026"/>
+            <a:ext cx="512638" cy="365125"/>
+          </a:xfrm>
+          <a:prstGeom prst="rect">
+            <a:avLst/>
+          </a:prstGeom>
+        </p:spPr>
+        <p:txBody>
+          <a:bodyPr vert="horz" lIns="91440" tIns="45720" rIns="91440" bIns="45720" rtlCol="0" anchor="ctr"/>
+          <a:lstStyle>
+            <a:defPPr>
+              <a:defRPr lang="es-ES"/>
+            </a:defPPr>
+            <a:lvl1pPr marL="0" algn="r" defTabSz="914400" rtl="0" eaLnBrk="1" latinLnBrk="0" hangingPunct="1">
+              <a:defRPr sz="900" kern="1200">
+                <a:solidFill>
+                  <a:schemeClr val="accent1"/>
+                </a:solidFill>
+                <a:latin typeface="+mn-lt"/>
+                <a:ea typeface="+mn-ea"/>
+                <a:cs typeface="+mn-cs"/>
+              </a:defRPr>
+            </a:lvl1pPr>
+            <a:lvl2pPr marL="457200" algn="l" defTabSz="914400" rtl="0" eaLnBrk="1" latinLnBrk="0" hangingPunct="1">
+              <a:defRPr sz="1800" kern="1200">
+                <a:solidFill>
+                  <a:schemeClr val="tx1"/>
+                </a:solidFill>
+                <a:latin typeface="+mn-lt"/>
+                <a:ea typeface="+mn-ea"/>
+                <a:cs typeface="+mn-cs"/>
+              </a:defRPr>
+            </a:lvl2pPr>
+            <a:lvl3pPr marL="914400" algn="l" defTabSz="914400" rtl="0" eaLnBrk="1" latinLnBrk="0" hangingPunct="1">
+              <a:defRPr sz="1800" kern="1200">
+                <a:solidFill>
+                  <a:schemeClr val="tx1"/>
+                </a:solidFill>
+                <a:latin typeface="+mn-lt"/>
+                <a:ea typeface="+mn-ea"/>
+                <a:cs typeface="+mn-cs"/>
+              </a:defRPr>
+            </a:lvl3pPr>
+            <a:lvl4pPr marL="1371600" algn="l" defTabSz="914400" rtl="0" eaLnBrk="1" latinLnBrk="0" hangingPunct="1">
+              <a:defRPr sz="1800" kern="1200">
+                <a:solidFill>
+                  <a:schemeClr val="tx1"/>
+                </a:solidFill>
+                <a:latin typeface="+mn-lt"/>
+                <a:ea typeface="+mn-ea"/>
+                <a:cs typeface="+mn-cs"/>
+              </a:defRPr>
+            </a:lvl4pPr>
+            <a:lvl5pPr marL="1828800" algn="l" defTabSz="914400" rtl="0" eaLnBrk="1" latinLnBrk="0" hangingPunct="1">
+              <a:defRPr sz="1800" kern="1200">
+                <a:solidFill>
+                  <a:schemeClr val="tx1"/>
+                </a:solidFill>
+                <a:latin typeface="+mn-lt"/>
+                <a:ea typeface="+mn-ea"/>
+                <a:cs typeface="+mn-cs"/>
+              </a:defRPr>
+            </a:lvl5pPr>
+            <a:lvl6pPr marL="2286000" algn="l" defTabSz="914400" rtl="0" eaLnBrk="1" latinLnBrk="0" hangingPunct="1">
+              <a:defRPr sz="1800" kern="1200">
+                <a:solidFill>
+                  <a:schemeClr val="tx1"/>
+                </a:solidFill>
+                <a:latin typeface="+mn-lt"/>
+                <a:ea typeface="+mn-ea"/>
+                <a:cs typeface="+mn-cs"/>
+              </a:defRPr>
+            </a:lvl6pPr>
+            <a:lvl7pPr marL="2743200" algn="l" defTabSz="914400" rtl="0" eaLnBrk="1" latinLnBrk="0" hangingPunct="1">
+              <a:defRPr sz="1800" kern="1200">
+                <a:solidFill>
+                  <a:schemeClr val="tx1"/>
+                </a:solidFill>
+                <a:latin typeface="+mn-lt"/>
+                <a:ea typeface="+mn-ea"/>
+                <a:cs typeface="+mn-cs"/>
+              </a:defRPr>
+            </a:lvl7pPr>
+            <a:lvl8pPr marL="3200400" algn="l" defTabSz="914400" rtl="0" eaLnBrk="1" latinLnBrk="0" hangingPunct="1">
+              <a:defRPr sz="1800" kern="1200">
+                <a:solidFill>
+                  <a:schemeClr val="tx1"/>
+                </a:solidFill>
+                <a:latin typeface="+mn-lt"/>
+                <a:ea typeface="+mn-ea"/>
+                <a:cs typeface="+mn-cs"/>
+              </a:defRPr>
+            </a:lvl8pPr>
+            <a:lvl9pPr marL="3657600" algn="l" defTabSz="914400" rtl="0" eaLnBrk="1" latinLnBrk="0" hangingPunct="1">
+              <a:defRPr sz="1800" kern="1200">
+                <a:solidFill>
+                  <a:schemeClr val="tx1"/>
+                </a:solidFill>
+                <a:latin typeface="+mn-lt"/>
+                <a:ea typeface="+mn-ea"/>
+                <a:cs typeface="+mn-cs"/>
+              </a:defRPr>
+            </a:lvl9pPr>
+          </a:lstStyle>
+          <a:p>
+            <a:r>
+              <a:rPr lang="es-ES" sz="2000" dirty="0" smtClean="0">
+                <a:solidFill>
+                  <a:srgbClr val="FF0000"/>
+                </a:solidFill>
+              </a:rPr>
+              <a:t>17</a:t>
+            </a:r>
+            <a:endParaRPr lang="es-ES" sz="2000" dirty="0">
+              <a:solidFill>
+                <a:srgbClr val="FF0000"/>
+              </a:solidFill>
+            </a:endParaRPr>
+          </a:p>
+        </p:txBody>
+      </p:sp>
+    </p:spTree>
+    <p:extLst>
+      <p:ext uri="{BB962C8B-B14F-4D97-AF65-F5344CB8AC3E}">
+        <p14:creationId xmlns:p14="http://schemas.microsoft.com/office/powerpoint/2010/main" val="2532102343"/>
+      </p:ext>
+    </p:extLst>
+  </p:cSld>
+  <p:clrMapOvr>
+    <a:masterClrMapping/>
+  </p:clrMapOvr>
+  <p:timing>
+    <p:tnLst>
+      <p:par>
+        <p:cTn id="1" dur="indefinite" restart="never" nodeType="tmRoot"/>
+      </p:par>
+    </p:tnLst>
+  </p:timing>
 </p:sld>
 </file>
 
@@ -15837,135 +16236,6 @@
 </file>
 
 <file path=ppt/slides/slide20.xml><?xml version="1.0" encoding="utf-8"?>
-<p:sld xmlns:a="http://schemas.openxmlformats.org/drawingml/2006/main" xmlns:r="http://schemas.openxmlformats.org/officeDocument/2006/relationships" xmlns:p="http://schemas.openxmlformats.org/presentationml/2006/main">
-  <p:cSld>
-    <p:spTree>
-      <p:nvGrpSpPr>
-        <p:cNvPr id="1" name=""/>
-        <p:cNvGrpSpPr/>
-        <p:nvPr/>
-      </p:nvGrpSpPr>
-      <p:grpSpPr>
-        <a:xfrm>
-          <a:off x="0" y="0"/>
-          <a:ext cx="0" cy="0"/>
-          <a:chOff x="0" y="0"/>
-          <a:chExt cx="0" cy="0"/>
-        </a:xfrm>
-      </p:grpSpPr>
-      <p:sp>
-        <p:nvSpPr>
-          <p:cNvPr id="2" name="Título 1"/>
-          <p:cNvSpPr>
-            <a:spLocks noGrp="1"/>
-          </p:cNvSpPr>
-          <p:nvPr>
-            <p:ph type="title"/>
-          </p:nvPr>
-        </p:nvSpPr>
-        <p:spPr/>
-        <p:txBody>
-          <a:bodyPr/>
-          <a:lstStyle/>
-          <a:p>
-            <a:r>
-              <a:rPr lang="en-US" dirty="0" smtClean="0"/>
-              <a:t>This is all</a:t>
-            </a:r>
-            <a:endParaRPr lang="en-US" dirty="0"/>
-          </a:p>
-        </p:txBody>
-      </p:sp>
-      <p:sp>
-        <p:nvSpPr>
-          <p:cNvPr id="4" name="Marcador de pie de página 3"/>
-          <p:cNvSpPr>
-            <a:spLocks noGrp="1"/>
-          </p:cNvSpPr>
-          <p:nvPr>
-            <p:ph type="ftr" sz="quarter" idx="11"/>
-          </p:nvPr>
-        </p:nvSpPr>
-        <p:spPr/>
-        <p:txBody>
-          <a:bodyPr/>
-          <a:lstStyle/>
-          <a:p>
-            <a:r>
-              <a:rPr lang="es-ES" smtClean="0"/>
-              <a:t>Marcos Martinez Roig </a:t>
-            </a:r>
-            <a:endParaRPr lang="es-ES"/>
-          </a:p>
-        </p:txBody>
-      </p:sp>
-      <p:sp>
-        <p:nvSpPr>
-          <p:cNvPr id="5" name="Marcador de número de diapositiva 4"/>
-          <p:cNvSpPr>
-            <a:spLocks noGrp="1"/>
-          </p:cNvSpPr>
-          <p:nvPr>
-            <p:ph type="sldNum" sz="quarter" idx="12"/>
-          </p:nvPr>
-        </p:nvSpPr>
-        <p:spPr/>
-        <p:txBody>
-          <a:bodyPr/>
-          <a:lstStyle/>
-          <a:p>
-            <a:fld id="{F897EA5C-5595-467C-8911-89E59E67D731}" type="slidenum">
-              <a:rPr lang="es-ES" smtClean="0"/>
-              <a:t>20</a:t>
-            </a:fld>
-            <a:endParaRPr lang="es-ES"/>
-          </a:p>
-        </p:txBody>
-      </p:sp>
-      <p:pic>
-        <p:nvPicPr>
-          <p:cNvPr id="7" name="Imagen 6"/>
-          <p:cNvPicPr>
-            <a:picLocks noChangeAspect="1"/>
-          </p:cNvPicPr>
-          <p:nvPr/>
-        </p:nvPicPr>
-        <p:blipFill>
-          <a:blip r:embed="rId2">
-            <a:extLst>
-              <a:ext uri="{28A0092B-C50C-407E-A947-70E740481C1C}">
-                <a14:useLocalDpi xmlns:a14="http://schemas.microsoft.com/office/drawing/2010/main" val="0"/>
-              </a:ext>
-            </a:extLst>
-          </a:blip>
-          <a:stretch>
-            <a:fillRect/>
-          </a:stretch>
-        </p:blipFill>
-        <p:spPr>
-          <a:xfrm>
-            <a:off x="1907704" y="1628800"/>
-            <a:ext cx="5291995" cy="3963888"/>
-          </a:xfrm>
-          <a:prstGeom prst="rect">
-            <a:avLst/>
-          </a:prstGeom>
-        </p:spPr>
-      </p:pic>
-    </p:spTree>
-    <p:extLst>
-      <p:ext uri="{BB962C8B-B14F-4D97-AF65-F5344CB8AC3E}">
-        <p14:creationId xmlns:p14="http://schemas.microsoft.com/office/powerpoint/2010/main" val="2532102343"/>
-      </p:ext>
-    </p:extLst>
-  </p:cSld>
-  <p:clrMapOvr>
-    <a:masterClrMapping/>
-  </p:clrMapOvr>
-</p:sld>
-</file>
-
-<file path=ppt/slides/slide21.xml><?xml version="1.0" encoding="utf-8"?>
 <p:sld xmlns:a="http://schemas.openxmlformats.org/drawingml/2006/main" xmlns:r="http://schemas.openxmlformats.org/officeDocument/2006/relationships" xmlns:p="http://schemas.openxmlformats.org/presentationml/2006/main" show="0">
   <p:cSld>
     <p:spTree>
@@ -16541,7 +16811,7 @@
 </p:sld>
 </file>
 
-<file path=ppt/slides/slide22.xml><?xml version="1.0" encoding="utf-8"?>
+<file path=ppt/slides/slide21.xml><?xml version="1.0" encoding="utf-8"?>
 <p:sld xmlns:a="http://schemas.openxmlformats.org/drawingml/2006/main" xmlns:r="http://schemas.openxmlformats.org/officeDocument/2006/relationships" xmlns:p="http://schemas.openxmlformats.org/presentationml/2006/main" show="0">
   <p:cSld>
     <p:spTree>
@@ -17197,7 +17467,7 @@
 </p:sld>
 </file>
 
-<file path=ppt/slides/slide23.xml><?xml version="1.0" encoding="utf-8"?>
+<file path=ppt/slides/slide22.xml><?xml version="1.0" encoding="utf-8"?>
 <p:sld xmlns:a="http://schemas.openxmlformats.org/drawingml/2006/main" xmlns:r="http://schemas.openxmlformats.org/officeDocument/2006/relationships" xmlns:p="http://schemas.openxmlformats.org/presentationml/2006/main" show="0">
   <p:cSld>
     <p:spTree>
@@ -17793,7 +18063,7 @@
 </p:sld>
 </file>
 
-<file path=ppt/slides/slide24.xml><?xml version="1.0" encoding="utf-8"?>
+<file path=ppt/slides/slide23.xml><?xml version="1.0" encoding="utf-8"?>
 <p:sld xmlns:a="http://schemas.openxmlformats.org/drawingml/2006/main" xmlns:r="http://schemas.openxmlformats.org/officeDocument/2006/relationships" xmlns:p="http://schemas.openxmlformats.org/presentationml/2006/main" show="0">
   <p:cSld>
     <p:spTree>
@@ -18142,7 +18412,7 @@
           <a:p>
             <a:fld id="{F897EA5C-5595-467C-8911-89E59E67D731}" type="slidenum">
               <a:rPr lang="es-ES" smtClean="0"/>
-              <a:t>24</a:t>
+              <a:t>23</a:t>
             </a:fld>
             <a:endParaRPr lang="es-ES"/>
           </a:p>
@@ -18382,257 +18652,7 @@
 </p:sld>
 </file>
 
-<file path=ppt/slides/slide25.xml><?xml version="1.0" encoding="utf-8"?>
-<p:sld xmlns:a="http://schemas.openxmlformats.org/drawingml/2006/main" xmlns:r="http://schemas.openxmlformats.org/officeDocument/2006/relationships" xmlns:p="http://schemas.openxmlformats.org/presentationml/2006/main" show="0">
-  <p:cSld>
-    <p:spTree>
-      <p:nvGrpSpPr>
-        <p:cNvPr id="1" name=""/>
-        <p:cNvGrpSpPr/>
-        <p:nvPr/>
-      </p:nvGrpSpPr>
-      <p:grpSpPr>
-        <a:xfrm>
-          <a:off x="0" y="0"/>
-          <a:ext cx="0" cy="0"/>
-          <a:chOff x="0" y="0"/>
-          <a:chExt cx="0" cy="0"/>
-        </a:xfrm>
-      </p:grpSpPr>
-      <p:sp>
-        <p:nvSpPr>
-          <p:cNvPr id="2" name="Título 1"/>
-          <p:cNvSpPr>
-            <a:spLocks noGrp="1"/>
-          </p:cNvSpPr>
-          <p:nvPr>
-            <p:ph type="title"/>
-          </p:nvPr>
-        </p:nvSpPr>
-        <p:spPr/>
-        <p:txBody>
-          <a:bodyPr/>
-          <a:lstStyle/>
-          <a:p>
-            <a:r>
-              <a:rPr lang="es-ES" dirty="0" smtClean="0">
-                <a:solidFill>
-                  <a:schemeClr val="accent2"/>
-                </a:solidFill>
-              </a:rPr>
-              <a:t>Previsiones de futuro</a:t>
-            </a:r>
-            <a:endParaRPr lang="es-ES" dirty="0">
-              <a:solidFill>
-                <a:schemeClr val="accent2"/>
-              </a:solidFill>
-            </a:endParaRPr>
-          </a:p>
-        </p:txBody>
-      </p:sp>
-      <mc:AlternateContent xmlns:mc="http://schemas.openxmlformats.org/markup-compatibility/2006" xmlns:a14="http://schemas.microsoft.com/office/drawing/2010/main">
-        <mc:Choice Requires="a14">
-          <p:sp>
-            <p:nvSpPr>
-              <p:cNvPr id="3" name="Marcador de contenido 2"/>
-              <p:cNvSpPr>
-                <a:spLocks noGrp="1"/>
-              </p:cNvSpPr>
-              <p:nvPr>
-                <p:ph idx="1"/>
-              </p:nvPr>
-            </p:nvSpPr>
-            <p:spPr>
-              <a:xfrm>
-                <a:off x="301752" y="1527048"/>
-                <a:ext cx="8503920" cy="5142312"/>
-              </a:xfrm>
-            </p:spPr>
-            <p:txBody>
-              <a:bodyPr>
-                <a:normAutofit/>
-              </a:bodyPr>
-              <a:lstStyle/>
-              <a:p>
-                <a:r>
-                  <a:rPr lang="es-ES" dirty="0" smtClean="0"/>
-                  <a:t>Tarjeta </a:t>
-                </a:r>
-                <a:r>
-                  <a:rPr lang="es-ES" dirty="0" err="1" smtClean="0"/>
-                  <a:t>conversora</a:t>
-                </a:r>
-                <a:r>
-                  <a:rPr lang="es-ES" dirty="0" smtClean="0"/>
-                  <a:t> </a:t>
-                </a:r>
-                <a14:m>
-                  <m:oMath xmlns:m="http://schemas.openxmlformats.org/officeDocument/2006/math">
-                    <m:r>
-                      <a:rPr lang="es-ES" i="1" dirty="0" smtClean="0">
-                        <a:latin typeface="Cambria Math" panose="02040503050406030204" pitchFamily="18" charset="0"/>
-                      </a:rPr>
-                      <m:t>𝑁𝐸𝑋𝑇</m:t>
-                    </m:r>
-                    <m:r>
-                      <a:rPr lang="es-ES" i="1" dirty="0" smtClean="0">
-                        <a:latin typeface="Cambria Math" panose="02040503050406030204" pitchFamily="18" charset="0"/>
-                      </a:rPr>
-                      <m:t>−100</m:t>
-                    </m:r>
-                  </m:oMath>
-                </a14:m>
-                <a:r>
-                  <a:rPr lang="es-ES" dirty="0" smtClean="0"/>
-                  <a:t>, IFIC:</a:t>
-                </a:r>
-              </a:p>
-            </p:txBody>
-          </p:sp>
-        </mc:Choice>
-        <mc:Fallback xmlns="">
-          <p:sp>
-            <p:nvSpPr>
-              <p:cNvPr id="3" name="Marcador de contenido 2"/>
-              <p:cNvSpPr>
-                <a:spLocks noGrp="1" noRot="1" noChangeAspect="1" noMove="1" noResize="1" noEditPoints="1" noAdjustHandles="1" noChangeArrowheads="1" noChangeShapeType="1" noTextEdit="1"/>
-              </p:cNvSpPr>
-              <p:nvPr>
-                <p:ph sz="quarter" idx="1"/>
-              </p:nvPr>
-            </p:nvSpPr>
-            <p:spPr>
-              <a:xfrm>
-                <a:off x="301752" y="1527048"/>
-                <a:ext cx="8503920" cy="5142312"/>
-              </a:xfrm>
-              <a:blipFill rotWithShape="0">
-                <a:blip r:embed="rId2"/>
-                <a:stretch>
-                  <a:fillRect l="-789" t="-1186"/>
-                </a:stretch>
-              </a:blipFill>
-            </p:spPr>
-            <p:txBody>
-              <a:bodyPr/>
-              <a:lstStyle/>
-              <a:p>
-                <a:r>
-                  <a:rPr lang="es-ES">
-                    <a:noFill/>
-                  </a:rPr>
-                  <a:t> </a:t>
-                </a:r>
-              </a:p>
-            </p:txBody>
-          </p:sp>
-        </mc:Fallback>
-      </mc:AlternateContent>
-      <p:sp>
-        <p:nvSpPr>
-          <p:cNvPr id="4" name="Marcador de pie de página 3"/>
-          <p:cNvSpPr>
-            <a:spLocks noGrp="1"/>
-          </p:cNvSpPr>
-          <p:nvPr>
-            <p:ph type="ftr" sz="quarter" idx="11"/>
-          </p:nvPr>
-        </p:nvSpPr>
-        <p:spPr/>
-        <p:txBody>
-          <a:bodyPr/>
-          <a:lstStyle/>
-          <a:p>
-            <a:r>
-              <a:rPr lang="es-ES" smtClean="0"/>
-              <a:t>Marcos Martinez Roig </a:t>
-            </a:r>
-            <a:endParaRPr lang="es-ES"/>
-          </a:p>
-        </p:txBody>
-      </p:sp>
-      <p:pic>
-        <p:nvPicPr>
-          <p:cNvPr id="6" name="Imagen 5"/>
-          <p:cNvPicPr>
-            <a:picLocks noChangeAspect="1"/>
-          </p:cNvPicPr>
-          <p:nvPr/>
-        </p:nvPicPr>
-        <p:blipFill>
-          <a:blip r:embed="rId3">
-            <a:extLst>
-              <a:ext uri="{28A0092B-C50C-407E-A947-70E740481C1C}">
-                <a14:useLocalDpi xmlns:a14="http://schemas.microsoft.com/office/drawing/2010/main" val="0"/>
-              </a:ext>
-            </a:extLst>
-          </a:blip>
-          <a:stretch>
-            <a:fillRect/>
-          </a:stretch>
-        </p:blipFill>
-        <p:spPr>
-          <a:xfrm>
-            <a:off x="395537" y="2132855"/>
-            <a:ext cx="8440616" cy="4089423"/>
-          </a:xfrm>
-          <a:prstGeom prst="rect">
-            <a:avLst/>
-          </a:prstGeom>
-        </p:spPr>
-      </p:pic>
-      <p:sp>
-        <p:nvSpPr>
-          <p:cNvPr id="5" name="Marcador de número de diapositiva 4"/>
-          <p:cNvSpPr>
-            <a:spLocks noGrp="1"/>
-          </p:cNvSpPr>
-          <p:nvPr>
-            <p:ph type="sldNum" sz="quarter" idx="12"/>
-          </p:nvPr>
-        </p:nvSpPr>
-        <p:spPr/>
-        <p:txBody>
-          <a:bodyPr/>
-          <a:lstStyle/>
-          <a:p>
-            <a:fld id="{F897EA5C-5595-467C-8911-89E59E67D731}" type="slidenum">
-              <a:rPr lang="es-ES" smtClean="0"/>
-              <a:t>25</a:t>
-            </a:fld>
-            <a:endParaRPr lang="es-ES"/>
-          </a:p>
-        </p:txBody>
-      </p:sp>
-    </p:spTree>
-    <p:extLst>
-      <p:ext uri="{BB962C8B-B14F-4D97-AF65-F5344CB8AC3E}">
-        <p14:creationId xmlns:p14="http://schemas.microsoft.com/office/powerpoint/2010/main" val="601978672"/>
-      </p:ext>
-    </p:extLst>
-  </p:cSld>
-  <p:clrMapOvr>
-    <a:masterClrMapping/>
-  </p:clrMapOvr>
-  <mc:AlternateContent xmlns:mc="http://schemas.openxmlformats.org/markup-compatibility/2006" xmlns:p14="http://schemas.microsoft.com/office/powerpoint/2010/main">
-    <mc:Choice Requires="p14">
-      <p:transition spd="slow" p14:dur="2000"/>
-    </mc:Choice>
-    <mc:Fallback xmlns="">
-      <p:transition spd="slow"/>
-    </mc:Fallback>
-  </mc:AlternateContent>
-  <p:timing>
-    <p:tnLst>
-      <p:par>
-        <p:cTn id="1" dur="indefinite" restart="never" nodeType="tmRoot"/>
-      </p:par>
-    </p:tnLst>
-  </p:timing>
-</p:sld>
-</file>
-
-<file path=ppt/slides/slide26.xml><?xml version="1.0" encoding="utf-8"?>
+<file path=ppt/slides/slide24.xml><?xml version="1.0" encoding="utf-8"?>
 <p:sld xmlns:a="http://schemas.openxmlformats.org/drawingml/2006/main" xmlns:r="http://schemas.openxmlformats.org/officeDocument/2006/relationships" xmlns:p="http://schemas.openxmlformats.org/presentationml/2006/main" show="0">
   <p:cSld>
     <p:spTree>
@@ -19000,7 +19020,7 @@
           <a:p>
             <a:fld id="{F897EA5C-5595-467C-8911-89E59E67D731}" type="slidenum">
               <a:rPr lang="es-ES" smtClean="0"/>
-              <a:t>26</a:t>
+              <a:t>24</a:t>
             </a:fld>
             <a:endParaRPr lang="es-ES"/>
           </a:p>
@@ -19179,7 +19199,7 @@
 </p:sld>
 </file>
 
-<file path=ppt/slides/slide27.xml><?xml version="1.0" encoding="utf-8"?>
+<file path=ppt/slides/slide25.xml><?xml version="1.0" encoding="utf-8"?>
 <p:sld xmlns:a="http://schemas.openxmlformats.org/drawingml/2006/main" xmlns:r="http://schemas.openxmlformats.org/officeDocument/2006/relationships" xmlns:p="http://schemas.openxmlformats.org/presentationml/2006/main" show="0">
   <p:cSld>
     <p:spTree>
@@ -19346,7 +19366,7 @@
           <a:p>
             <a:fld id="{F897EA5C-5595-467C-8911-89E59E67D731}" type="slidenum">
               <a:rPr lang="es-ES" smtClean="0"/>
-              <a:t>27</a:t>
+              <a:t>25</a:t>
             </a:fld>
             <a:endParaRPr lang="es-ES"/>
           </a:p>
@@ -19769,7 +19789,7 @@
 </p:sld>
 </file>
 
-<file path=ppt/slides/slide28.xml><?xml version="1.0" encoding="utf-8"?>
+<file path=ppt/slides/slide26.xml><?xml version="1.0" encoding="utf-8"?>
 <p:sld xmlns:a="http://schemas.openxmlformats.org/drawingml/2006/main" xmlns:r="http://schemas.openxmlformats.org/officeDocument/2006/relationships" xmlns:p="http://schemas.openxmlformats.org/presentationml/2006/main" show="0">
   <p:cSld>
     <p:spTree>
@@ -19886,7 +19906,7 @@
           <a:p>
             <a:fld id="{F897EA5C-5595-467C-8911-89E59E67D731}" type="slidenum">
               <a:rPr lang="es-ES" smtClean="0"/>
-              <a:t>28</a:t>
+              <a:t>26</a:t>
             </a:fld>
             <a:endParaRPr lang="es-ES"/>
           </a:p>
@@ -19968,8 +19988,8 @@
           </a:p>
         </p:txBody>
       </p:sp>
-      <mc:AlternateContent xmlns:mc="http://schemas.openxmlformats.org/markup-compatibility/2006" xmlns:a14="http://schemas.microsoft.com/office/drawing/2010/main">
-        <mc:Choice Requires="a14">
+      <mc:AlternateContent xmlns:mc="http://schemas.openxmlformats.org/markup-compatibility/2006">
+        <mc:Choice xmlns:a14="http://schemas.microsoft.com/office/drawing/2010/main" Requires="a14">
           <p:sp>
             <p:nvSpPr>
               <p:cNvPr id="3" name="Marcador de contenido 2"/>
@@ -19994,7 +20014,15 @@
               <a:p>
                 <a:r>
                   <a:rPr lang="en-US" dirty="0" smtClean="0"/>
-                  <a:t>We need use </a:t>
+                  <a:t>We </a:t>
+                </a:r>
+                <a:r>
+                  <a:rPr lang="en-US" dirty="0" smtClean="0"/>
+                  <a:t>need to </a:t>
+                </a:r>
+                <a:r>
+                  <a:rPr lang="en-US" dirty="0" smtClean="0"/>
+                  <a:t>use </a:t>
                 </a:r>
                 <a:r>
                   <a:rPr lang="en-US" dirty="0" err="1" smtClean="0"/>
@@ -20100,7 +20128,7 @@
             </p:txBody>
           </p:sp>
         </mc:Choice>
-        <mc:Fallback xmlns="">
+        <mc:Fallback>
           <p:sp>
             <p:nvSpPr>
               <p:cNvPr id="3" name="Marcador de contenido 2"/>
@@ -20662,8 +20690,8 @@
           </a:p>
         </p:txBody>
       </p:sp>
-      <mc:AlternateContent xmlns:mc="http://schemas.openxmlformats.org/markup-compatibility/2006" xmlns:a14="http://schemas.microsoft.com/office/drawing/2010/main">
-        <mc:Choice Requires="a14">
+      <mc:AlternateContent xmlns:mc="http://schemas.openxmlformats.org/markup-compatibility/2006">
+        <mc:Choice xmlns:a14="http://schemas.microsoft.com/office/drawing/2010/main" Requires="a14">
           <p:sp>
             <p:nvSpPr>
               <p:cNvPr id="3" name="Marcador de contenido 2"/>
@@ -20688,15 +20716,23 @@
               <a:p>
                 <a:r>
                   <a:rPr lang="en-US" dirty="0" err="1" smtClean="0"/>
-                  <a:t>Explicación</a:t>
+                  <a:t>SiPM</a:t>
                 </a:r>
                 <a:r>
                   <a:rPr lang="en-US" dirty="0" smtClean="0"/>
-                  <a:t> </a:t>
+                  <a:t>:</a:t>
+                </a:r>
+                <a:endParaRPr lang="en-US" dirty="0" smtClean="0"/>
+              </a:p>
+              <a:p>
+                <a:pPr lvl="1"/>
+                <a:r>
+                  <a:rPr lang="en-US" dirty="0" smtClean="0"/>
+                  <a:t>Two-dimensional </a:t>
                 </a:r>
                 <a:r>
-                  <a:rPr lang="en-US" dirty="0" err="1" smtClean="0"/>
-                  <a:t>SiPM</a:t>
+                  <a:rPr lang="en-US" dirty="0"/>
+                  <a:t>array of pixels, which can detect a photon</a:t>
                 </a:r>
                 <a:endParaRPr lang="en-US" dirty="0" smtClean="0"/>
               </a:p>
@@ -20865,7 +20901,7 @@
             </p:txBody>
           </p:sp>
         </mc:Choice>
-        <mc:Fallback xmlns="">
+        <mc:Fallback>
           <p:sp>
             <p:nvSpPr>
               <p:cNvPr id="3" name="Marcador de contenido 2"/>
@@ -20925,7 +20961,7 @@
         </p:blipFill>
         <p:spPr>
           <a:xfrm>
-            <a:off x="492043" y="2301464"/>
+            <a:off x="466855" y="2685929"/>
             <a:ext cx="4012218" cy="2448272"/>
           </a:xfrm>
           <a:prstGeom prst="rect">
@@ -20955,7 +20991,7 @@
         </p:blipFill>
         <p:spPr>
           <a:xfrm>
-            <a:off x="4479073" y="2308457"/>
+            <a:off x="4479073" y="2671430"/>
             <a:ext cx="4189317" cy="2462771"/>
           </a:xfrm>
           <a:prstGeom prst="rect">
@@ -21030,6 +21066,66 @@
           </a:p>
         </p:txBody>
       </p:sp>
+      <p:pic>
+        <p:nvPicPr>
+          <p:cNvPr id="10" name="Imagen 9"/>
+          <p:cNvPicPr>
+            <a:picLocks noChangeAspect="1"/>
+          </p:cNvPicPr>
+          <p:nvPr/>
+        </p:nvPicPr>
+        <p:blipFill>
+          <a:blip r:embed="rId5">
+            <a:extLst>
+              <a:ext uri="{28A0092B-C50C-407E-A947-70E740481C1C}">
+                <a14:useLocalDpi xmlns:a14="http://schemas.microsoft.com/office/drawing/2010/main" val="0"/>
+              </a:ext>
+            </a:extLst>
+          </a:blip>
+          <a:stretch>
+            <a:fillRect/>
+          </a:stretch>
+        </p:blipFill>
+        <p:spPr>
+          <a:xfrm>
+            <a:off x="5401555" y="2390570"/>
+            <a:ext cx="2569840" cy="2403687"/>
+          </a:xfrm>
+          <a:prstGeom prst="rect">
+            <a:avLst/>
+          </a:prstGeom>
+        </p:spPr>
+      </p:pic>
+      <p:pic>
+        <p:nvPicPr>
+          <p:cNvPr id="11" name="Imagen 10"/>
+          <p:cNvPicPr>
+            <a:picLocks noChangeAspect="1"/>
+          </p:cNvPicPr>
+          <p:nvPr/>
+        </p:nvPicPr>
+        <p:blipFill>
+          <a:blip r:embed="rId6">
+            <a:extLst>
+              <a:ext uri="{28A0092B-C50C-407E-A947-70E740481C1C}">
+                <a14:useLocalDpi xmlns:a14="http://schemas.microsoft.com/office/drawing/2010/main" val="0"/>
+              </a:ext>
+            </a:extLst>
+          </a:blip>
+          <a:stretch>
+            <a:fillRect/>
+          </a:stretch>
+        </p:blipFill>
+        <p:spPr>
+          <a:xfrm>
+            <a:off x="1563333" y="2390570"/>
+            <a:ext cx="2576642" cy="2300573"/>
+          </a:xfrm>
+          <a:prstGeom prst="rect">
+            <a:avLst/>
+          </a:prstGeom>
+        </p:spPr>
+      </p:pic>
     </p:spTree>
     <p:extLst>
       <p:ext uri="{BB962C8B-B14F-4D97-AF65-F5344CB8AC3E}">
@@ -21103,6 +21199,76 @@
                                   </p:childTnLst>
                                 </p:cTn>
                               </p:par>
+                              <p:par>
+                                <p:cTn id="8" presetID="22" presetClass="entr" presetSubtype="4" fill="hold" nodeType="withEffect">
+                                  <p:stCondLst>
+                                    <p:cond delay="0"/>
+                                  </p:stCondLst>
+                                  <p:childTnLst>
+                                    <p:set>
+                                      <p:cBhvr>
+                                        <p:cTn id="9" dur="1" fill="hold">
+                                          <p:stCondLst>
+                                            <p:cond delay="0"/>
+                                          </p:stCondLst>
+                                        </p:cTn>
+                                        <p:tgtEl>
+                                          <p:spTgt spid="10"/>
+                                        </p:tgtEl>
+                                        <p:attrNameLst>
+                                          <p:attrName>style.visibility</p:attrName>
+                                        </p:attrNameLst>
+                                      </p:cBhvr>
+                                      <p:to>
+                                        <p:strVal val="visible"/>
+                                      </p:to>
+                                    </p:set>
+                                    <p:animEffect transition="in" filter="wipe(down)">
+                                      <p:cBhvr>
+                                        <p:cTn id="10" dur="500"/>
+                                        <p:tgtEl>
+                                          <p:spTgt spid="10"/>
+                                        </p:tgtEl>
+                                      </p:cBhvr>
+                                    </p:animEffect>
+                                  </p:childTnLst>
+                                </p:cTn>
+                              </p:par>
+                              <p:par>
+                                <p:cTn id="11" presetID="22" presetClass="entr" presetSubtype="4" fill="hold" nodeType="withEffect">
+                                  <p:stCondLst>
+                                    <p:cond delay="0"/>
+                                  </p:stCondLst>
+                                  <p:childTnLst>
+                                    <p:set>
+                                      <p:cBhvr>
+                                        <p:cTn id="12" dur="1" fill="hold">
+                                          <p:stCondLst>
+                                            <p:cond delay="0"/>
+                                          </p:stCondLst>
+                                        </p:cTn>
+                                        <p:tgtEl>
+                                          <p:spTgt spid="11"/>
+                                        </p:tgtEl>
+                                        <p:attrNameLst>
+                                          <p:attrName>style.visibility</p:attrName>
+                                        </p:attrNameLst>
+                                      </p:cBhvr>
+                                      <p:to>
+                                        <p:strVal val="visible"/>
+                                      </p:to>
+                                    </p:set>
+                                    <p:animEffect transition="in" filter="wipe(down)">
+                                      <p:cBhvr>
+                                        <p:cTn id="13" dur="500"/>
+                                        <p:tgtEl>
+                                          <p:spTgt spid="11"/>
+                                        </p:tgtEl>
+                                      </p:cBhvr>
+                                    </p:animEffect>
+                                  </p:childTnLst>
+                                </p:cTn>
+                              </p:par>
                             </p:childTnLst>
                           </p:cTn>
                         </p:par>
@@ -21110,26 +21276,80 @@
                     </p:cTn>
                   </p:par>
                   <p:par>
-                    <p:cTn id="8" fill="hold">
+                    <p:cTn id="14" fill="hold">
                       <p:stCondLst>
                         <p:cond delay="indefinite"/>
                       </p:stCondLst>
                       <p:childTnLst>
                         <p:par>
-                          <p:cTn id="9" fill="hold">
+                          <p:cTn id="15" fill="hold">
                             <p:stCondLst>
                               <p:cond delay="0"/>
                             </p:stCondLst>
                             <p:childTnLst>
                               <p:par>
-                                <p:cTn id="10" presetID="22" presetClass="entr" presetSubtype="4" fill="hold" nodeType="clickEffect">
+                                <p:cTn id="16" presetID="1" presetClass="exit" presetSubtype="0" fill="hold" nodeType="clickEffect">
                                   <p:stCondLst>
                                     <p:cond delay="0"/>
                                   </p:stCondLst>
                                   <p:childTnLst>
                                     <p:set>
                                       <p:cBhvr>
-                                        <p:cTn id="11" dur="1" fill="hold">
+                                        <p:cTn id="17" dur="1" fill="hold">
+                                          <p:stCondLst>
+                                            <p:cond delay="0"/>
+                                          </p:stCondLst>
+                                        </p:cTn>
+                                        <p:tgtEl>
+                                          <p:spTgt spid="10"/>
+                                        </p:tgtEl>
+                                        <p:attrNameLst>
+                                          <p:attrName>style.visibility</p:attrName>
+                                        </p:attrNameLst>
+                                      </p:cBhvr>
+                                      <p:to>
+                                        <p:strVal val="hidden"/>
+                                      </p:to>
+                                    </p:set>
+                                  </p:childTnLst>
+                                </p:cTn>
+                              </p:par>
+                              <p:par>
+                                <p:cTn id="18" presetID="1" presetClass="exit" presetSubtype="0" fill="hold" nodeType="withEffect">
+                                  <p:stCondLst>
+                                    <p:cond delay="0"/>
+                                  </p:stCondLst>
+                                  <p:childTnLst>
+                                    <p:set>
+                                      <p:cBhvr>
+                                        <p:cTn id="19" dur="1" fill="hold">
+                                          <p:stCondLst>
+                                            <p:cond delay="0"/>
+                                          </p:stCondLst>
+                                        </p:cTn>
+                                        <p:tgtEl>
+                                          <p:spTgt spid="11"/>
+                                        </p:tgtEl>
+                                        <p:attrNameLst>
+                                          <p:attrName>style.visibility</p:attrName>
+                                        </p:attrNameLst>
+                                      </p:cBhvr>
+                                      <p:to>
+                                        <p:strVal val="hidden"/>
+                                      </p:to>
+                                    </p:set>
+                                  </p:childTnLst>
+                                </p:cTn>
+                              </p:par>
+                              <p:par>
+                                <p:cTn id="20" presetID="22" presetClass="entr" presetSubtype="4" fill="hold" nodeType="withEffect">
+                                  <p:stCondLst>
+                                    <p:cond delay="0"/>
+                                  </p:stCondLst>
+                                  <p:childTnLst>
+                                    <p:set>
+                                      <p:cBhvr>
+                                        <p:cTn id="21" dur="1" fill="hold">
                                           <p:stCondLst>
                                             <p:cond delay="0"/>
                                           </p:stCondLst>
@@ -21137,7 +21357,7 @@
                                         <p:tgtEl>
                                           <p:spTgt spid="3">
                                             <p:txEl>
-                                              <p:pRg st="0" end="0"/>
+                                              <p:pRg st="2" end="2"/>
                                             </p:txEl>
                                           </p:spTgt>
                                         </p:tgtEl>
@@ -21151,11 +21371,11 @@
                                     </p:set>
                                     <p:animEffect transition="in" filter="wipe(down)">
                                       <p:cBhvr>
-                                        <p:cTn id="12" dur="500"/>
+                                        <p:cTn id="22" dur="500"/>
                                         <p:tgtEl>
                                           <p:spTgt spid="3">
                                             <p:txEl>
-                                              <p:pRg st="0" end="0"/>
+                                              <p:pRg st="2" end="2"/>
                                             </p:txEl>
                                           </p:spTgt>
                                         </p:tgtEl>
@@ -21171,26 +21391,26 @@
                     </p:cTn>
                   </p:par>
                   <p:par>
-                    <p:cTn id="13" fill="hold">
+                    <p:cTn id="23" fill="hold">
                       <p:stCondLst>
                         <p:cond delay="indefinite"/>
                       </p:stCondLst>
                       <p:childTnLst>
                         <p:par>
-                          <p:cTn id="14" fill="hold">
+                          <p:cTn id="24" fill="hold">
                             <p:stCondLst>
                               <p:cond delay="0"/>
                             </p:stCondLst>
                             <p:childTnLst>
                               <p:par>
-                                <p:cTn id="15" presetID="22" presetClass="entr" presetSubtype="4" fill="hold" nodeType="clickEffect">
+                                <p:cTn id="25" presetID="22" presetClass="entr" presetSubtype="4" fill="hold" nodeType="clickEffect">
                                   <p:stCondLst>
                                     <p:cond delay="0"/>
                                   </p:stCondLst>
                                   <p:childTnLst>
                                     <p:set>
                                       <p:cBhvr>
-                                        <p:cTn id="16" dur="1" fill="hold">
+                                        <p:cTn id="26" dur="1" fill="hold">
                                           <p:stCondLst>
                                             <p:cond delay="0"/>
                                           </p:stCondLst>
@@ -21208,7 +21428,7 @@
                                     </p:set>
                                     <p:animEffect transition="in" filter="wipe(down)">
                                       <p:cBhvr>
-                                        <p:cTn id="17" dur="500"/>
+                                        <p:cTn id="27" dur="500"/>
                                         <p:tgtEl>
                                           <p:spTgt spid="6"/>
                                         </p:tgtEl>
@@ -21218,14 +21438,14 @@
                                 </p:cTn>
                               </p:par>
                               <p:par>
-                                <p:cTn id="18" presetID="22" presetClass="entr" presetSubtype="4" fill="hold" nodeType="withEffect">
+                                <p:cTn id="28" presetID="22" presetClass="entr" presetSubtype="4" fill="hold" nodeType="withEffect">
                                   <p:stCondLst>
                                     <p:cond delay="0"/>
                                   </p:stCondLst>
                                   <p:childTnLst>
                                     <p:set>
                                       <p:cBhvr>
-                                        <p:cTn id="19" dur="1" fill="hold">
+                                        <p:cTn id="29" dur="1" fill="hold">
                                           <p:stCondLst>
                                             <p:cond delay="0"/>
                                           </p:stCondLst>
@@ -21243,7 +21463,7 @@
                                     </p:set>
                                     <p:animEffect transition="in" filter="wipe(down)">
                                       <p:cBhvr>
-                                        <p:cTn id="20" dur="500"/>
+                                        <p:cTn id="30" dur="500"/>
                                         <p:tgtEl>
                                           <p:spTgt spid="7"/>
                                         </p:tgtEl>
@@ -21253,75 +21473,14 @@
                                 </p:cTn>
                               </p:par>
                               <p:par>
-                                <p:cTn id="21" presetID="22" presetClass="entr" presetSubtype="4" fill="hold" nodeType="withEffect">
+                                <p:cTn id="31" presetID="22" presetClass="entr" presetSubtype="4" fill="hold" nodeType="withEffect">
                                   <p:stCondLst>
                                     <p:cond delay="0"/>
                                   </p:stCondLst>
                                   <p:childTnLst>
                                     <p:set>
                                       <p:cBhvr>
-                                        <p:cTn id="22" dur="1" fill="hold">
-                                          <p:stCondLst>
-                                            <p:cond delay="0"/>
-                                          </p:stCondLst>
-                                        </p:cTn>
-                                        <p:tgtEl>
-                                          <p:spTgt spid="3">
-                                            <p:txEl>
-                                              <p:pRg st="8" end="8"/>
-                                            </p:txEl>
-                                          </p:spTgt>
-                                        </p:tgtEl>
-                                        <p:attrNameLst>
-                                          <p:attrName>style.visibility</p:attrName>
-                                        </p:attrNameLst>
-                                      </p:cBhvr>
-                                      <p:to>
-                                        <p:strVal val="visible"/>
-                                      </p:to>
-                                    </p:set>
-                                    <p:animEffect transition="in" filter="wipe(down)">
-                                      <p:cBhvr>
-                                        <p:cTn id="23" dur="500"/>
-                                        <p:tgtEl>
-                                          <p:spTgt spid="3">
-                                            <p:txEl>
-                                              <p:pRg st="8" end="8"/>
-                                            </p:txEl>
-                                          </p:spTgt>
-                                        </p:tgtEl>
-                                      </p:cBhvr>
-                                    </p:animEffect>
-                                  </p:childTnLst>
-                                </p:cTn>
-                              </p:par>
-                            </p:childTnLst>
-                          </p:cTn>
-                        </p:par>
-                      </p:childTnLst>
-                    </p:cTn>
-                  </p:par>
-                  <p:par>
-                    <p:cTn id="24" fill="hold">
-                      <p:stCondLst>
-                        <p:cond delay="indefinite"/>
-                      </p:stCondLst>
-                      <p:childTnLst>
-                        <p:par>
-                          <p:cTn id="25" fill="hold">
-                            <p:stCondLst>
-                              <p:cond delay="0"/>
-                            </p:stCondLst>
-                            <p:childTnLst>
-                              <p:par>
-                                <p:cTn id="26" presetID="22" presetClass="entr" presetSubtype="4" fill="hold" nodeType="clickEffect">
-                                  <p:stCondLst>
-                                    <p:cond delay="0"/>
-                                  </p:stCondLst>
-                                  <p:childTnLst>
-                                    <p:set>
-                                      <p:cBhvr>
-                                        <p:cTn id="27" dur="1" fill="hold">
+                                        <p:cTn id="32" dur="1" fill="hold">
                                           <p:stCondLst>
                                             <p:cond delay="0"/>
                                           </p:stCondLst>
@@ -21343,11 +21502,72 @@
                                     </p:set>
                                     <p:animEffect transition="in" filter="wipe(down)">
                                       <p:cBhvr>
-                                        <p:cTn id="28" dur="500"/>
+                                        <p:cTn id="33" dur="500"/>
                                         <p:tgtEl>
                                           <p:spTgt spid="3">
                                             <p:txEl>
                                               <p:pRg st="9" end="9"/>
+                                            </p:txEl>
+                                          </p:spTgt>
+                                        </p:tgtEl>
+                                      </p:cBhvr>
+                                    </p:animEffect>
+                                  </p:childTnLst>
+                                </p:cTn>
+                              </p:par>
+                            </p:childTnLst>
+                          </p:cTn>
+                        </p:par>
+                      </p:childTnLst>
+                    </p:cTn>
+                  </p:par>
+                  <p:par>
+                    <p:cTn id="34" fill="hold">
+                      <p:stCondLst>
+                        <p:cond delay="indefinite"/>
+                      </p:stCondLst>
+                      <p:childTnLst>
+                        <p:par>
+                          <p:cTn id="35" fill="hold">
+                            <p:stCondLst>
+                              <p:cond delay="0"/>
+                            </p:stCondLst>
+                            <p:childTnLst>
+                              <p:par>
+                                <p:cTn id="36" presetID="22" presetClass="entr" presetSubtype="4" fill="hold" nodeType="clickEffect">
+                                  <p:stCondLst>
+                                    <p:cond delay="0"/>
+                                  </p:stCondLst>
+                                  <p:childTnLst>
+                                    <p:set>
+                                      <p:cBhvr>
+                                        <p:cTn id="37" dur="1" fill="hold">
+                                          <p:stCondLst>
+                                            <p:cond delay="0"/>
+                                          </p:stCondLst>
+                                        </p:cTn>
+                                        <p:tgtEl>
+                                          <p:spTgt spid="3">
+                                            <p:txEl>
+                                              <p:pRg st="10" end="10"/>
+                                            </p:txEl>
+                                          </p:spTgt>
+                                        </p:tgtEl>
+                                        <p:attrNameLst>
+                                          <p:attrName>style.visibility</p:attrName>
+                                        </p:attrNameLst>
+                                      </p:cBhvr>
+                                      <p:to>
+                                        <p:strVal val="visible"/>
+                                      </p:to>
+                                    </p:set>
+                                    <p:animEffect transition="in" filter="wipe(down)">
+                                      <p:cBhvr>
+                                        <p:cTn id="38" dur="500"/>
+                                        <p:tgtEl>
+                                          <p:spTgt spid="3">
+                                            <p:txEl>
+                                              <p:pRg st="10" end="10"/>
                                             </p:txEl>
                                           </p:spTgt>
                                         </p:tgtEl>
@@ -21469,14 +21689,18 @@
           <a:p>
             <a:r>
               <a:rPr lang="en-US" dirty="0" smtClean="0"/>
-              <a:t>The dependence in the gain</a:t>
+              <a:t>The </a:t>
+            </a:r>
+            <a:r>
+              <a:rPr lang="en-US" dirty="0" smtClean="0"/>
+              <a:t>dependence:</a:t>
             </a:r>
           </a:p>
           <a:p>
             <a:pPr lvl="1"/>
             <a:r>
               <a:rPr lang="en-US" dirty="0" smtClean="0"/>
-              <a:t>Gain </a:t>
+              <a:t> Gain </a:t>
             </a:r>
             <a:r>
               <a:rPr lang="en-US" dirty="0" err="1" smtClean="0"/>
@@ -22155,8 +22379,8 @@
           </a:p>
         </p:txBody>
       </p:sp>
-      <mc:AlternateContent xmlns:mc="http://schemas.openxmlformats.org/markup-compatibility/2006" xmlns:a14="http://schemas.microsoft.com/office/drawing/2010/main">
-        <mc:Choice Requires="a14">
+      <mc:AlternateContent xmlns:mc="http://schemas.openxmlformats.org/markup-compatibility/2006">
+        <mc:Choice xmlns:a14="http://schemas.microsoft.com/office/drawing/2010/main" Requires="a14">
           <p:sp>
             <p:nvSpPr>
               <p:cNvPr id="3" name="Marcador de contenido 2"/>
@@ -22175,7 +22399,7 @@
             </p:spPr>
             <p:txBody>
               <a:bodyPr>
-                <a:normAutofit fontScale="92500" lnSpcReduction="20000"/>
+                <a:normAutofit/>
               </a:bodyPr>
               <a:lstStyle/>
               <a:p>
@@ -22191,23 +22415,13 @@
                 <a:pPr lvl="1"/>
                 <a:r>
                   <a:rPr lang="en-US" sz="2000" dirty="0" smtClean="0"/>
-                  <a:t>Control system of the temperature (DYCOMETAL, CCM 81)</a:t>
+                  <a:t>Control system of the temperature (DYCOMETAL, CCM 81</a:t>
                 </a:r>
-              </a:p>
-              <a:p>
-                <a:pPr lvl="2"/>
                 <a:r>
                   <a:rPr lang="en-US" sz="2000" dirty="0" smtClean="0"/>
-                  <a:t>Temperature and humidity.</a:t>
+                  <a:t>)</a:t>
                 </a:r>
-                <a:endParaRPr lang="en-US" sz="2000" dirty="0"/>
-              </a:p>
-              <a:p>
-                <a:pPr lvl="2"/>
-                <a:r>
-                  <a:rPr lang="en-US" sz="2000" dirty="0" smtClean="0"/>
-                  <a:t>Faraday cage.</a:t>
-                </a:r>
+                <a:endParaRPr lang="en-US" sz="2000" dirty="0" smtClean="0"/>
               </a:p>
               <a:p>
                 <a:pPr lvl="1"/>
@@ -22622,7 +22836,7 @@
             </p:txBody>
           </p:sp>
         </mc:Choice>
-        <mc:Fallback xmlns="">
+        <mc:Fallback>
           <p:sp>
             <p:nvSpPr>
               <p:cNvPr id="3" name="Marcador de contenido 2"/>
@@ -22641,7 +22855,7 @@
               <a:blipFill rotWithShape="0">
                 <a:blip r:embed="rId2"/>
                 <a:stretch>
-                  <a:fillRect l="-287"/>
+                  <a:fillRect l="-358"/>
                 </a:stretch>
               </a:blipFill>
             </p:spPr>
@@ -22754,7 +22968,7 @@
         </p:blipFill>
         <p:spPr>
           <a:xfrm>
-            <a:off x="1252191" y="3308620"/>
+            <a:off x="1806329" y="2882017"/>
             <a:ext cx="5062527" cy="3271754"/>
           </a:xfrm>
           <a:prstGeom prst="rect">
@@ -22784,7 +22998,7 @@
         </p:blipFill>
         <p:spPr>
           <a:xfrm>
-            <a:off x="637703" y="2179675"/>
+            <a:off x="759864" y="2282449"/>
             <a:ext cx="4322441" cy="3936060"/>
           </a:xfrm>
           <a:prstGeom prst="rect">
@@ -22814,7 +23028,7 @@
         </p:blipFill>
         <p:spPr>
           <a:xfrm>
-            <a:off x="4954909" y="2191286"/>
+            <a:off x="5002599" y="2294060"/>
             <a:ext cx="3909425" cy="3929873"/>
           </a:xfrm>
           <a:prstGeom prst="rect">
@@ -22957,7 +23171,7 @@
                             </p:stCondLst>
                             <p:childTnLst>
                               <p:par>
-                                <p:cTn id="13" presetID="22" presetClass="entr" presetSubtype="4" fill="hold" nodeType="clickEffect">
+                                <p:cTn id="13" presetID="1" presetClass="exit" presetSubtype="0" fill="hold" nodeType="clickEffect">
                                   <p:stCondLst>
                                     <p:cond delay="0"/>
                                   </p:stCondLst>
@@ -22965,6 +23179,33 @@
                                     <p:set>
                                       <p:cBhvr>
                                         <p:cTn id="14" dur="1" fill="hold">
+                                          <p:stCondLst>
+                                            <p:cond delay="0"/>
+                                          </p:stCondLst>
+                                        </p:cTn>
+                                        <p:tgtEl>
+                                          <p:spTgt spid="8"/>
+                                        </p:tgtEl>
+                                        <p:attrNameLst>
+                                          <p:attrName>style.visibility</p:attrName>
+                                        </p:attrNameLst>
+                                      </p:cBhvr>
+                                      <p:to>
+                                        <p:strVal val="hidden"/>
+                                      </p:to>
+                                    </p:set>
+                                  </p:childTnLst>
+                                </p:cTn>
+                              </p:par>
+                              <p:par>
+                                <p:cTn id="15" presetID="22" presetClass="entr" presetSubtype="4" fill="hold" nodeType="withEffect">
+                                  <p:stCondLst>
+                                    <p:cond delay="0"/>
+                                  </p:stCondLst>
+                                  <p:childTnLst>
+                                    <p:set>
+                                      <p:cBhvr>
+                                        <p:cTn id="16" dur="1" fill="hold">
                                           <p:stCondLst>
                                             <p:cond delay="0"/>
                                           </p:stCondLst>
@@ -22986,7 +23227,7 @@
                                     </p:set>
                                     <p:animEffect transition="in" filter="wipe(down)">
                                       <p:cBhvr>
-                                        <p:cTn id="15" dur="500"/>
+                                        <p:cTn id="17" dur="500"/>
                                         <p:tgtEl>
                                           <p:spTgt spid="3">
                                             <p:txEl>
@@ -22999,15 +23240,33 @@
                                   </p:childTnLst>
                                 </p:cTn>
                               </p:par>
+                            </p:childTnLst>
+                          </p:cTn>
+                        </p:par>
+                      </p:childTnLst>
+                    </p:cTn>
+                  </p:par>
+                  <p:par>
+                    <p:cTn id="18" fill="hold">
+                      <p:stCondLst>
+                        <p:cond delay="indefinite"/>
+                      </p:stCondLst>
+                      <p:childTnLst>
+                        <p:par>
+                          <p:cTn id="19" fill="hold">
+                            <p:stCondLst>
+                              <p:cond delay="0"/>
+                            </p:stCondLst>
+                            <p:childTnLst>
                               <p:par>
-                                <p:cTn id="16" presetID="22" presetClass="entr" presetSubtype="4" fill="hold" nodeType="withEffect">
+                                <p:cTn id="20" presetID="22" presetClass="entr" presetSubtype="4" fill="hold" nodeType="clickEffect">
                                   <p:stCondLst>
                                     <p:cond delay="0"/>
                                   </p:stCondLst>
                                   <p:childTnLst>
                                     <p:set>
                                       <p:cBhvr>
-                                        <p:cTn id="17" dur="1" fill="hold">
+                                        <p:cTn id="21" dur="1" fill="hold">
                                           <p:stCondLst>
                                             <p:cond delay="0"/>
                                           </p:stCondLst>
@@ -23029,7 +23288,7 @@
                                     </p:set>
                                     <p:animEffect transition="in" filter="wipe(down)">
                                       <p:cBhvr>
-                                        <p:cTn id="18" dur="500"/>
+                                        <p:cTn id="22" dur="500"/>
                                         <p:tgtEl>
                                           <p:spTgt spid="3">
                                             <p:txEl>
@@ -23039,51 +23298,6 @@
                                         </p:tgtEl>
                                       </p:cBhvr>
                                     </p:animEffect>
-                                  </p:childTnLst>
-                                </p:cTn>
-                              </p:par>
-                            </p:childTnLst>
-                          </p:cTn>
-                        </p:par>
-                      </p:childTnLst>
-                    </p:cTn>
-                  </p:par>
-                  <p:par>
-                    <p:cTn id="19" fill="hold">
-                      <p:stCondLst>
-                        <p:cond delay="indefinite"/>
-                      </p:stCondLst>
-                      <p:childTnLst>
-                        <p:par>
-                          <p:cTn id="20" fill="hold">
-                            <p:stCondLst>
-                              <p:cond delay="0"/>
-                            </p:stCondLst>
-                            <p:childTnLst>
-                              <p:par>
-                                <p:cTn id="21" presetID="1" presetClass="exit" presetSubtype="0" fill="hold" nodeType="clickEffect">
-                                  <p:stCondLst>
-                                    <p:cond delay="0"/>
-                                  </p:stCondLst>
-                                  <p:childTnLst>
-                                    <p:set>
-                                      <p:cBhvr>
-                                        <p:cTn id="22" dur="1" fill="hold">
-                                          <p:stCondLst>
-                                            <p:cond delay="0"/>
-                                          </p:stCondLst>
-                                        </p:cTn>
-                                        <p:tgtEl>
-                                          <p:spTgt spid="8"/>
-                                        </p:tgtEl>
-                                        <p:attrNameLst>
-                                          <p:attrName>style.visibility</p:attrName>
-                                        </p:attrNameLst>
-                                      </p:cBhvr>
-                                      <p:to>
-                                        <p:strVal val="hidden"/>
-                                      </p:to>
-                                    </p:set>
                                   </p:childTnLst>
                                 </p:cTn>
                               </p:par>
@@ -23191,15 +23405,33 @@
                                   </p:childTnLst>
                                 </p:cTn>
                               </p:par>
+                            </p:childTnLst>
+                          </p:cTn>
+                        </p:par>
+                      </p:childTnLst>
+                    </p:cTn>
+                  </p:par>
+                  <p:par>
+                    <p:cTn id="31" fill="hold">
+                      <p:stCondLst>
+                        <p:cond delay="indefinite"/>
+                      </p:stCondLst>
+                      <p:childTnLst>
+                        <p:par>
+                          <p:cTn id="32" fill="hold">
+                            <p:stCondLst>
+                              <p:cond delay="0"/>
+                            </p:stCondLst>
+                            <p:childTnLst>
                               <p:par>
-                                <p:cTn id="31" presetID="22" presetClass="entr" presetSubtype="4" fill="hold" nodeType="withEffect">
+                                <p:cTn id="33" presetID="22" presetClass="entr" presetSubtype="4" fill="hold" nodeType="clickEffect">
                                   <p:stCondLst>
                                     <p:cond delay="0"/>
                                   </p:stCondLst>
                                   <p:childTnLst>
                                     <p:set>
                                       <p:cBhvr>
-                                        <p:cTn id="32" dur="1" fill="hold">
+                                        <p:cTn id="34" dur="1" fill="hold">
                                           <p:stCondLst>
                                             <p:cond delay="0"/>
                                           </p:stCondLst>
@@ -23221,7 +23453,7 @@
                                     </p:set>
                                     <p:animEffect transition="in" filter="wipe(down)">
                                       <p:cBhvr>
-                                        <p:cTn id="33" dur="500"/>
+                                        <p:cTn id="35" dur="500"/>
                                         <p:tgtEl>
                                           <p:spTgt spid="3">
                                             <p:txEl>
@@ -23241,26 +23473,26 @@
                     </p:cTn>
                   </p:par>
                   <p:par>
-                    <p:cTn id="34" fill="hold">
+                    <p:cTn id="36" fill="hold">
                       <p:stCondLst>
                         <p:cond delay="indefinite"/>
                       </p:stCondLst>
                       <p:childTnLst>
                         <p:par>
-                          <p:cTn id="35" fill="hold">
+                          <p:cTn id="37" fill="hold">
                             <p:stCondLst>
                               <p:cond delay="0"/>
                             </p:stCondLst>
                             <p:childTnLst>
                               <p:par>
-                                <p:cTn id="36" presetID="22" presetClass="entr" presetSubtype="4" fill="hold" nodeType="clickEffect">
+                                <p:cTn id="38" presetID="22" presetClass="entr" presetSubtype="4" fill="hold" nodeType="clickEffect">
                                   <p:stCondLst>
                                     <p:cond delay="0"/>
                                   </p:stCondLst>
                                   <p:childTnLst>
                                     <p:set>
                                       <p:cBhvr>
-                                        <p:cTn id="37" dur="1" fill="hold">
+                                        <p:cTn id="39" dur="1" fill="hold">
                                           <p:stCondLst>
                                             <p:cond delay="0"/>
                                           </p:stCondLst>
@@ -23282,7 +23514,7 @@
                                     </p:set>
                                     <p:animEffect transition="in" filter="wipe(down)">
                                       <p:cBhvr>
-                                        <p:cTn id="38" dur="500"/>
+                                        <p:cTn id="40" dur="500"/>
                                         <p:tgtEl>
                                           <p:spTgt spid="3">
                                             <p:txEl>
@@ -23302,26 +23534,26 @@
                     </p:cTn>
                   </p:par>
                   <p:par>
-                    <p:cTn id="39" fill="hold">
+                    <p:cTn id="41" fill="hold">
                       <p:stCondLst>
                         <p:cond delay="indefinite"/>
                       </p:stCondLst>
                       <p:childTnLst>
                         <p:par>
-                          <p:cTn id="40" fill="hold">
+                          <p:cTn id="42" fill="hold">
                             <p:stCondLst>
                               <p:cond delay="0"/>
                             </p:stCondLst>
                             <p:childTnLst>
                               <p:par>
-                                <p:cTn id="41" presetID="22" presetClass="entr" presetSubtype="4" fill="hold" nodeType="clickEffect">
+                                <p:cTn id="43" presetID="22" presetClass="entr" presetSubtype="4" fill="hold" nodeType="clickEffect">
                                   <p:stCondLst>
                                     <p:cond delay="0"/>
                                   </p:stCondLst>
                                   <p:childTnLst>
                                     <p:set>
                                       <p:cBhvr>
-                                        <p:cTn id="42" dur="1" fill="hold">
+                                        <p:cTn id="44" dur="1" fill="hold">
                                           <p:stCondLst>
                                             <p:cond delay="0"/>
                                           </p:stCondLst>
@@ -23343,7 +23575,7 @@
                                     </p:set>
                                     <p:animEffect transition="in" filter="wipe(down)">
                                       <p:cBhvr>
-                                        <p:cTn id="43" dur="500"/>
+                                        <p:cTn id="45" dur="500"/>
                                         <p:tgtEl>
                                           <p:spTgt spid="3">
                                             <p:txEl>
@@ -23356,26 +23588,8 @@
                                   </p:childTnLst>
                                 </p:cTn>
                               </p:par>
-                            </p:childTnLst>
-                          </p:cTn>
-                        </p:par>
-                      </p:childTnLst>
-                    </p:cTn>
-                  </p:par>
-                  <p:par>
-                    <p:cTn id="44" fill="hold">
-                      <p:stCondLst>
-                        <p:cond delay="indefinite"/>
-                      </p:stCondLst>
-                      <p:childTnLst>
-                        <p:par>
-                          <p:cTn id="45" fill="hold">
-                            <p:stCondLst>
-                              <p:cond delay="0"/>
-                            </p:stCondLst>
-                            <p:childTnLst>
                               <p:par>
-                                <p:cTn id="46" presetID="22" presetClass="entr" presetSubtype="4" fill="hold" nodeType="clickEffect">
+                                <p:cTn id="46" presetID="22" presetClass="entr" presetSubtype="4" fill="hold" nodeType="withEffect">
                                   <p:stCondLst>
                                     <p:cond delay="0"/>
                                   </p:stCondLst>
@@ -23492,11 +23706,7 @@
                                           </p:stCondLst>
                                         </p:cTn>
                                         <p:tgtEl>
-                                          <p:spTgt spid="3">
-                                            <p:txEl>
-                                              <p:pRg st="12" end="12"/>
-                                            </p:txEl>
-                                          </p:spTgt>
+                                          <p:spTgt spid="9"/>
                                         </p:tgtEl>
                                         <p:attrNameLst>
                                           <p:attrName>style.visibility</p:attrName>
@@ -23510,106 +23720,6 @@
                                       <p:cBhvr>
                                         <p:cTn id="56" dur="500"/>
                                         <p:tgtEl>
-                                          <p:spTgt spid="3">
-                                            <p:txEl>
-                                              <p:pRg st="12" end="12"/>
-                                            </p:txEl>
-                                          </p:spTgt>
-                                        </p:tgtEl>
-                                      </p:cBhvr>
-                                    </p:animEffect>
-                                  </p:childTnLst>
-                                </p:cTn>
-                              </p:par>
-                            </p:childTnLst>
-                          </p:cTn>
-                        </p:par>
-                      </p:childTnLst>
-                    </p:cTn>
-                  </p:par>
-                  <p:par>
-                    <p:cTn id="57" fill="hold">
-                      <p:stCondLst>
-                        <p:cond delay="indefinite"/>
-                      </p:stCondLst>
-                      <p:childTnLst>
-                        <p:par>
-                          <p:cTn id="58" fill="hold">
-                            <p:stCondLst>
-                              <p:cond delay="0"/>
-                            </p:stCondLst>
-                            <p:childTnLst>
-                              <p:par>
-                                <p:cTn id="59" presetID="22" presetClass="entr" presetSubtype="4" fill="hold" nodeType="clickEffect">
-                                  <p:stCondLst>
-                                    <p:cond delay="0"/>
-                                  </p:stCondLst>
-                                  <p:childTnLst>
-                                    <p:set>
-                                      <p:cBhvr>
-                                        <p:cTn id="60" dur="1" fill="hold">
-                                          <p:stCondLst>
-                                            <p:cond delay="0"/>
-                                          </p:stCondLst>
-                                        </p:cTn>
-                                        <p:tgtEl>
-                                          <p:spTgt spid="3">
-                                            <p:txEl>
-                                              <p:pRg st="13" end="13"/>
-                                            </p:txEl>
-                                          </p:spTgt>
-                                        </p:tgtEl>
-                                        <p:attrNameLst>
-                                          <p:attrName>style.visibility</p:attrName>
-                                        </p:attrNameLst>
-                                      </p:cBhvr>
-                                      <p:to>
-                                        <p:strVal val="visible"/>
-                                      </p:to>
-                                    </p:set>
-                                    <p:animEffect transition="in" filter="wipe(down)">
-                                      <p:cBhvr>
-                                        <p:cTn id="61" dur="500"/>
-                                        <p:tgtEl>
-                                          <p:spTgt spid="3">
-                                            <p:txEl>
-                                              <p:pRg st="13" end="13"/>
-                                            </p:txEl>
-                                          </p:spTgt>
-                                        </p:tgtEl>
-                                      </p:cBhvr>
-                                    </p:animEffect>
-                                  </p:childTnLst>
-                                </p:cTn>
-                              </p:par>
-                              <p:par>
-                                <p:cTn id="62" presetID="22" presetClass="entr" presetSubtype="4" fill="hold" nodeType="withEffect">
-                                  <p:stCondLst>
-                                    <p:cond delay="0"/>
-                                  </p:stCondLst>
-                                  <p:childTnLst>
-                                    <p:set>
-                                      <p:cBhvr>
-                                        <p:cTn id="63" dur="1" fill="hold">
-                                          <p:stCondLst>
-                                            <p:cond delay="0"/>
-                                          </p:stCondLst>
-                                        </p:cTn>
-                                        <p:tgtEl>
-                                          <p:spTgt spid="9"/>
-                                        </p:tgtEl>
-                                        <p:attrNameLst>
-                                          <p:attrName>style.visibility</p:attrName>
-                                        </p:attrNameLst>
-                                      </p:cBhvr>
-                                      <p:to>
-                                        <p:strVal val="visible"/>
-                                      </p:to>
-                                    </p:set>
-                                    <p:animEffect transition="in" filter="wipe(down)">
-                                      <p:cBhvr>
-                                        <p:cTn id="64" dur="500"/>
-                                        <p:tgtEl>
                                           <p:spTgt spid="9"/>
                                         </p:tgtEl>
                                       </p:cBhvr>
@@ -23618,14 +23728,14 @@
                                 </p:cTn>
                               </p:par>
                               <p:par>
-                                <p:cTn id="65" presetID="22" presetClass="entr" presetSubtype="4" fill="hold" nodeType="withEffect">
+                                <p:cTn id="57" presetID="22" presetClass="entr" presetSubtype="4" fill="hold" nodeType="withEffect">
                                   <p:stCondLst>
                                     <p:cond delay="0"/>
                                   </p:stCondLst>
                                   <p:childTnLst>
                                     <p:set>
                                       <p:cBhvr>
-                                        <p:cTn id="66" dur="1" fill="hold">
+                                        <p:cTn id="58" dur="1" fill="hold">
                                           <p:stCondLst>
                                             <p:cond delay="0"/>
                                           </p:stCondLst>
@@ -23643,7 +23753,7 @@
                                     </p:set>
                                     <p:animEffect transition="in" filter="wipe(down)">
                                       <p:cBhvr>
-                                        <p:cTn id="67" dur="500"/>
+                                        <p:cTn id="59" dur="500"/>
                                         <p:tgtEl>
                                           <p:spTgt spid="10"/>
                                         </p:tgtEl>
@@ -24965,7 +25075,7 @@
           <p:nvPr/>
         </p:nvPicPr>
         <p:blipFill>
-          <a:blip r:embed="rId4">
+          <a:blip r:embed="rId2">
             <a:extLst>
               <a:ext uri="{28A0092B-C50C-407E-A947-70E740481C1C}">
                 <a14:useLocalDpi xmlns:a14="http://schemas.microsoft.com/office/drawing/2010/main" val="0"/>
@@ -25384,7 +25494,7 @@
           <p:nvPr/>
         </p:nvPicPr>
         <p:blipFill>
-          <a:blip r:embed="rId5">
+          <a:blip r:embed="rId4">
             <a:extLst>
               <a:ext uri="{28A0092B-C50C-407E-A947-70E740481C1C}">
                 <a14:useLocalDpi xmlns:a14="http://schemas.microsoft.com/office/drawing/2010/main" val="0"/>
